--- a/Doc/Apresentacao TCCII.pptx
+++ b/Doc/Apresentacao TCCII.pptx
@@ -20,13 +20,13 @@
     <p:sldId id="275" r:id="rId11"/>
     <p:sldId id="266" r:id="rId12"/>
     <p:sldId id="276" r:id="rId13"/>
-    <p:sldId id="278" r:id="rId14"/>
-    <p:sldId id="279" r:id="rId15"/>
-    <p:sldId id="280" r:id="rId16"/>
-    <p:sldId id="281" r:id="rId17"/>
-    <p:sldId id="283" r:id="rId18"/>
-    <p:sldId id="284" r:id="rId19"/>
-    <p:sldId id="285" r:id="rId20"/>
+    <p:sldId id="285" r:id="rId14"/>
+    <p:sldId id="278" r:id="rId15"/>
+    <p:sldId id="279" r:id="rId16"/>
+    <p:sldId id="280" r:id="rId17"/>
+    <p:sldId id="281" r:id="rId18"/>
+    <p:sldId id="283" r:id="rId19"/>
+    <p:sldId id="284" r:id="rId20"/>
     <p:sldId id="268" r:id="rId21"/>
     <p:sldId id="277" r:id="rId22"/>
     <p:sldId id="269" r:id="rId23"/>
@@ -213,7 +213,7 @@
           <a:p>
             <a:fld id="{4E30FFDA-F765-448F-862D-573226814301}" type="datetimeFigureOut">
               <a:rPr lang="pt-BR" smtClean="0"/>
-              <a:t>19/11/2012</a:t>
+              <a:t>20/11/2012</a:t>
             </a:fld>
             <a:endParaRPr lang="pt-BR"/>
           </a:p>
@@ -738,6 +738,120 @@
 </p:notes>
 </file>
 
+<file path=ppt/notesSlides/notesSlide3.xml><?xml version="1.0" encoding="utf-8"?>
+<p:notes xmlns:a="http://schemas.openxmlformats.org/drawingml/2006/main" xmlns:r="http://schemas.openxmlformats.org/officeDocument/2006/relationships" xmlns:p="http://schemas.openxmlformats.org/presentationml/2006/main">
+  <p:cSld>
+    <p:spTree>
+      <p:nvGrpSpPr>
+        <p:cNvPr id="1" name=""/>
+        <p:cNvGrpSpPr/>
+        <p:nvPr/>
+      </p:nvGrpSpPr>
+      <p:grpSpPr>
+        <a:xfrm>
+          <a:off x="0" y="0"/>
+          <a:ext cx="0" cy="0"/>
+          <a:chOff x="0" y="0"/>
+          <a:chExt cx="0" cy="0"/>
+        </a:xfrm>
+      </p:grpSpPr>
+      <p:sp>
+        <p:nvSpPr>
+          <p:cNvPr id="2" name="Espaço Reservado para Imagem de Slide 1"/>
+          <p:cNvSpPr>
+            <a:spLocks noGrp="1" noRot="1" noChangeAspect="1"/>
+          </p:cNvSpPr>
+          <p:nvPr>
+            <p:ph type="sldImg"/>
+          </p:nvPr>
+        </p:nvSpPr>
+        <p:spPr/>
+      </p:sp>
+      <p:sp>
+        <p:nvSpPr>
+          <p:cNvPr id="3" name="Espaço Reservado para Anotações 2"/>
+          <p:cNvSpPr>
+            <a:spLocks noGrp="1"/>
+          </p:cNvSpPr>
+          <p:nvPr>
+            <p:ph type="body" idx="1"/>
+          </p:nvPr>
+        </p:nvSpPr>
+        <p:spPr/>
+        <p:txBody>
+          <a:bodyPr/>
+          <a:lstStyle/>
+          <a:p>
+            <a:r>
+              <a:rPr lang="pt-BR" dirty="0" smtClean="0"/>
+              <a:t>- Com cores bem vivas</a:t>
+            </a:r>
+            <a:r>
+              <a:rPr lang="pt-BR" baseline="0" dirty="0" smtClean="0"/>
+              <a:t> para chamar a atenção do jogador</a:t>
+            </a:r>
+          </a:p>
+          <a:p>
+            <a:r>
+              <a:rPr lang="pt-BR" baseline="0" dirty="0" smtClean="0"/>
+              <a:t>- Todas as fases e interfaces do jogo herdam da classe “</a:t>
+            </a:r>
+            <a:r>
+              <a:rPr lang="pt-BR" sz="1200" kern="1200" dirty="0" err="1" smtClean="0">
+                <a:solidFill>
+                  <a:schemeClr val="tx1"/>
+                </a:solidFill>
+                <a:effectLst/>
+                <a:latin typeface="+mn-lt"/>
+                <a:ea typeface="+mn-ea"/>
+                <a:cs typeface="+mn-cs"/>
+              </a:rPr>
+              <a:t>GameCanvas</a:t>
+            </a:r>
+            <a:r>
+              <a:rPr lang="pt-BR" baseline="0" dirty="0" smtClean="0"/>
+              <a:t>”</a:t>
+            </a:r>
+            <a:endParaRPr lang="pt-BR" dirty="0"/>
+          </a:p>
+        </p:txBody>
+      </p:sp>
+      <p:sp>
+        <p:nvSpPr>
+          <p:cNvPr id="4" name="Espaço Reservado para Número de Slide 3"/>
+          <p:cNvSpPr>
+            <a:spLocks noGrp="1"/>
+          </p:cNvSpPr>
+          <p:nvPr>
+            <p:ph type="sldNum" sz="quarter" idx="10"/>
+          </p:nvPr>
+        </p:nvSpPr>
+        <p:spPr/>
+        <p:txBody>
+          <a:bodyPr/>
+          <a:lstStyle/>
+          <a:p>
+            <a:fld id="{530C4847-FAA1-4AA7-B363-411CE4C88175}" type="slidenum">
+              <a:rPr lang="pt-BR" smtClean="0"/>
+              <a:t>14</a:t>
+            </a:fld>
+            <a:endParaRPr lang="pt-BR"/>
+          </a:p>
+        </p:txBody>
+      </p:sp>
+    </p:spTree>
+    <p:extLst>
+      <p:ext uri="{BB962C8B-B14F-4D97-AF65-F5344CB8AC3E}">
+        <p14:creationId xmlns:p14="http://schemas.microsoft.com/office/powerpoint/2010/main" val="600041335"/>
+      </p:ext>
+    </p:extLst>
+  </p:cSld>
+  <p:clrMapOvr>
+    <a:masterClrMapping/>
+  </p:clrMapOvr>
+</p:notes>
+</file>
+
 <file path=ppt/slideLayouts/slideLayout1.xml><?xml version="1.0" encoding="utf-8"?>
 <p:sldLayout xmlns:a="http://schemas.openxmlformats.org/drawingml/2006/main" xmlns:r="http://schemas.openxmlformats.org/officeDocument/2006/relationships" xmlns:p="http://schemas.openxmlformats.org/presentationml/2006/main" type="title" preserve="1">
   <p:cSld name="Slide de título">
@@ -949,7 +1063,7 @@
             <a:fld id="{8B4871E2-8122-4BB0-BB9B-267F182E014E}" type="datetimeFigureOut">
               <a:rPr lang="pt-BR" smtClean="0"/>
               <a:pPr/>
-              <a:t>19/11/2012</a:t>
+              <a:t>20/11/2012</a:t>
             </a:fld>
             <a:endParaRPr lang="pt-BR"/>
           </a:p>
@@ -1137,7 +1251,7 @@
             <a:fld id="{8B4871E2-8122-4BB0-BB9B-267F182E014E}" type="datetimeFigureOut">
               <a:rPr lang="pt-BR" smtClean="0"/>
               <a:pPr/>
-              <a:t>19/11/2012</a:t>
+              <a:t>20/11/2012</a:t>
             </a:fld>
             <a:endParaRPr lang="pt-BR"/>
           </a:p>
@@ -1321,7 +1435,7 @@
             <a:fld id="{8B4871E2-8122-4BB0-BB9B-267F182E014E}" type="datetimeFigureOut">
               <a:rPr lang="pt-BR" smtClean="0"/>
               <a:pPr/>
-              <a:t>19/11/2012</a:t>
+              <a:t>20/11/2012</a:t>
             </a:fld>
             <a:endParaRPr lang="pt-BR"/>
           </a:p>
@@ -1516,7 +1630,7 @@
             <a:fld id="{8B4871E2-8122-4BB0-BB9B-267F182E014E}" type="datetimeFigureOut">
               <a:rPr lang="pt-BR" smtClean="0"/>
               <a:pPr/>
-              <a:t>19/11/2012</a:t>
+              <a:t>20/11/2012</a:t>
             </a:fld>
             <a:endParaRPr lang="pt-BR"/>
           </a:p>
@@ -1644,7 +1758,7 @@
             <a:fld id="{8B4871E2-8122-4BB0-BB9B-267F182E014E}" type="datetimeFigureOut">
               <a:rPr lang="pt-BR" smtClean="0"/>
               <a:pPr/>
-              <a:t>19/11/2012</a:t>
+              <a:t>20/11/2012</a:t>
             </a:fld>
             <a:endParaRPr lang="pt-BR"/>
           </a:p>
@@ -2035,7 +2149,7 @@
             <a:fld id="{8B4871E2-8122-4BB0-BB9B-267F182E014E}" type="datetimeFigureOut">
               <a:rPr lang="pt-BR" smtClean="0"/>
               <a:pPr/>
-              <a:t>19/11/2012</a:t>
+              <a:t>20/11/2012</a:t>
             </a:fld>
             <a:endParaRPr lang="pt-BR"/>
           </a:p>
@@ -2482,7 +2596,7 @@
             <a:fld id="{8B4871E2-8122-4BB0-BB9B-267F182E014E}" type="datetimeFigureOut">
               <a:rPr lang="pt-BR" smtClean="0"/>
               <a:pPr/>
-              <a:t>19/11/2012</a:t>
+              <a:t>20/11/2012</a:t>
             </a:fld>
             <a:endParaRPr lang="pt-BR"/>
           </a:p>
@@ -2609,7 +2723,7 @@
             <a:fld id="{8B4871E2-8122-4BB0-BB9B-267F182E014E}" type="datetimeFigureOut">
               <a:rPr lang="pt-BR" smtClean="0"/>
               <a:pPr/>
-              <a:t>19/11/2012</a:t>
+              <a:t>20/11/2012</a:t>
             </a:fld>
             <a:endParaRPr lang="pt-BR"/>
           </a:p>
@@ -2708,7 +2822,7 @@
             <a:fld id="{8B4871E2-8122-4BB0-BB9B-267F182E014E}" type="datetimeFigureOut">
               <a:rPr lang="pt-BR" smtClean="0"/>
               <a:pPr/>
-              <a:t>19/11/2012</a:t>
+              <a:t>20/11/2012</a:t>
             </a:fld>
             <a:endParaRPr lang="pt-BR"/>
           </a:p>
@@ -3001,7 +3115,7 @@
             <a:fld id="{8B4871E2-8122-4BB0-BB9B-267F182E014E}" type="datetimeFigureOut">
               <a:rPr lang="pt-BR" smtClean="0"/>
               <a:pPr/>
-              <a:t>19/11/2012</a:t>
+              <a:t>20/11/2012</a:t>
             </a:fld>
             <a:endParaRPr lang="pt-BR"/>
           </a:p>
@@ -3272,7 +3386,7 @@
             <a:fld id="{8B4871E2-8122-4BB0-BB9B-267F182E014E}" type="datetimeFigureOut">
               <a:rPr lang="pt-BR" smtClean="0"/>
               <a:pPr/>
-              <a:t>19/11/2012</a:t>
+              <a:t>20/11/2012</a:t>
             </a:fld>
             <a:endParaRPr lang="pt-BR"/>
           </a:p>
@@ -3557,7 +3671,7 @@
             <a:fld id="{8B4871E2-8122-4BB0-BB9B-267F182E014E}" type="datetimeFigureOut">
               <a:rPr lang="pt-BR" smtClean="0"/>
               <a:pPr/>
-              <a:t>19/11/2012</a:t>
+              <a:t>20/11/2012</a:t>
             </a:fld>
             <a:endParaRPr lang="pt-BR"/>
           </a:p>
@@ -4194,15 +4308,7 @@
             <a:pPr algn="just"/>
             <a:r>
               <a:rPr lang="pt-BR" sz="4000" dirty="0" smtClean="0"/>
-              <a:t>Jogos Digitais </a:t>
-            </a:r>
-            <a:r>
-              <a:rPr lang="pt-BR" sz="4000" dirty="0" smtClean="0"/>
-              <a:t>e </a:t>
-            </a:r>
-            <a:r>
-              <a:rPr lang="pt-BR" sz="4000" dirty="0" smtClean="0"/>
-              <a:t>Inteligência Artificial</a:t>
+              <a:t>Jogos Digitais e Inteligência Artificial</a:t>
             </a:r>
             <a:endParaRPr lang="pt-BR" sz="4000" dirty="0"/>
           </a:p>
@@ -4281,15 +4387,7 @@
           <a:p>
             <a:r>
               <a:rPr lang="pt-BR" sz="3000" dirty="0" smtClean="0"/>
-              <a:t>Tríade </a:t>
-            </a:r>
-            <a:r>
-              <a:rPr lang="pt-BR" sz="3000" dirty="0" smtClean="0"/>
-              <a:t>Revolução </a:t>
-            </a:r>
-            <a:r>
-              <a:rPr lang="pt-BR" sz="3000" dirty="0" smtClean="0"/>
-              <a:t>francesa;</a:t>
+              <a:t>Tríade Revolução francesa;</a:t>
             </a:r>
           </a:p>
           <a:p>
@@ -4469,7 +4567,6 @@
               <a:rPr lang="pt-BR" sz="3200" dirty="0" smtClean="0"/>
               <a:t>Gênero</a:t>
             </a:r>
-            <a:endParaRPr lang="pt-BR" sz="3200" dirty="0" smtClean="0"/>
           </a:p>
           <a:p>
             <a:r>
@@ -4482,7 +4579,6 @@
               <a:rPr lang="pt-BR" sz="3200" dirty="0" smtClean="0"/>
               <a:t>Java</a:t>
             </a:r>
-            <a:endParaRPr lang="pt-BR" sz="3200" dirty="0" smtClean="0"/>
           </a:p>
           <a:p>
             <a:endParaRPr lang="pt-BR" sz="3600" dirty="0" smtClean="0"/>
@@ -4572,8 +4668,8 @@
         </p:nvSpPr>
         <p:spPr>
           <a:xfrm>
-            <a:off x="457200" y="1628801"/>
-            <a:ext cx="5554960" cy="1656184"/>
+            <a:off x="457200" y="1628800"/>
+            <a:ext cx="7211144" cy="3744416"/>
           </a:xfrm>
         </p:spPr>
         <p:txBody>
@@ -4585,6 +4681,82 @@
             <a:endParaRPr lang="pt-BR" sz="3200" dirty="0" smtClean="0"/>
           </a:p>
           <a:p>
+            <a:r>
+              <a:rPr lang="pt-BR" sz="3200" dirty="0"/>
+              <a:t> </a:t>
+            </a:r>
+            <a:r>
+              <a:rPr lang="pt-BR" sz="3200" dirty="0" smtClean="0"/>
+              <a:t>Histórico desenvolvimento</a:t>
+            </a:r>
+          </a:p>
+          <a:p>
+            <a:pPr lvl="1"/>
+            <a:r>
+              <a:rPr lang="pt-BR" sz="2800" dirty="0" smtClean="0"/>
+              <a:t>Curso extensão </a:t>
+            </a:r>
+          </a:p>
+          <a:p>
+            <a:pPr lvl="1"/>
+            <a:r>
+              <a:rPr lang="pt-BR" sz="2800" dirty="0" smtClean="0"/>
+              <a:t> Nenhum recurso externo</a:t>
+            </a:r>
+          </a:p>
+          <a:p>
+            <a:pPr lvl="1"/>
+            <a:r>
+              <a:rPr lang="pt-BR" sz="2800" dirty="0" smtClean="0"/>
+              <a:t>Classes</a:t>
+            </a:r>
+          </a:p>
+          <a:p>
+            <a:pPr marL="228600" lvl="1" indent="0">
+              <a:buNone/>
+            </a:pPr>
+            <a:r>
+              <a:rPr lang="pt-BR" sz="2400" dirty="0" smtClean="0">
+                <a:solidFill>
+                  <a:schemeClr val="tx1"/>
+                </a:solidFill>
+              </a:rPr>
+              <a:t>“</a:t>
+            </a:r>
+            <a:r>
+              <a:rPr lang="pt-BR" sz="2400" dirty="0" err="1">
+                <a:solidFill>
+                  <a:schemeClr val="tx1"/>
+                </a:solidFill>
+              </a:rPr>
+              <a:t>GameCanvas</a:t>
+            </a:r>
+            <a:r>
+              <a:rPr lang="pt-BR" sz="2400" dirty="0" smtClean="0">
+                <a:solidFill>
+                  <a:schemeClr val="tx1"/>
+                </a:solidFill>
+              </a:rPr>
+              <a:t>”, “</a:t>
+            </a:r>
+            <a:r>
+              <a:rPr lang="pt-BR" sz="2400" dirty="0" err="1" smtClean="0">
+                <a:solidFill>
+                  <a:schemeClr val="tx1"/>
+                </a:solidFill>
+              </a:rPr>
+              <a:t>GamePanel</a:t>
+            </a:r>
+            <a:r>
+              <a:rPr lang="pt-BR" sz="2400" dirty="0" smtClean="0">
+                <a:solidFill>
+                  <a:schemeClr val="tx1"/>
+                </a:solidFill>
+              </a:rPr>
+              <a:t>”</a:t>
+            </a:r>
+          </a:p>
+          <a:p>
             <a:endParaRPr lang="pt-BR" sz="3600" dirty="0" smtClean="0"/>
           </a:p>
           <a:p>
@@ -4616,75 +4788,16 @@
           <a:p>
             <a:pPr algn="l"/>
             <a:r>
-              <a:rPr lang="pt-BR" sz="4000" dirty="0" smtClean="0"/>
-              <a:t>Interface</a:t>
-            </a:r>
-            <a:r>
-              <a:rPr lang="pt-BR" sz="4000" dirty="0" smtClean="0"/>
-              <a:t> </a:t>
-            </a:r>
-            <a:endParaRPr lang="pt-BR" sz="4000" dirty="0"/>
-          </a:p>
-        </p:txBody>
-      </p:sp>
-      <p:pic>
-        <p:nvPicPr>
-          <p:cNvPr id="1026" name="Imagem 1"/>
-          <p:cNvPicPr>
-            <a:picLocks noChangeAspect="1" noChangeArrowheads="1"/>
-          </p:cNvPicPr>
-          <p:nvPr/>
-        </p:nvPicPr>
-        <p:blipFill>
-          <a:blip r:embed="rId2">
-            <a:extLst>
-              <a:ext uri="{28A0092B-C50C-407E-A947-70E740481C1C}">
-                <a14:useLocalDpi xmlns:a14="http://schemas.microsoft.com/office/drawing/2010/main" val="0"/>
-              </a:ext>
-            </a:extLst>
-          </a:blip>
-          <a:srcRect/>
-          <a:stretch>
-            <a:fillRect/>
-          </a:stretch>
-        </p:blipFill>
-        <p:spPr bwMode="auto">
-          <a:xfrm>
-            <a:off x="1475656" y="1772816"/>
-            <a:ext cx="5976664" cy="4148988"/>
-          </a:xfrm>
-          <a:prstGeom prst="rect">
-            <a:avLst/>
-          </a:prstGeom>
-          <a:noFill/>
-          <a:ln>
-            <a:noFill/>
-          </a:ln>
-          <a:extLst>
-            <a:ext uri="{909E8E84-426E-40DD-AFC4-6F175D3DCCD1}">
-              <a14:hiddenFill xmlns:a14="http://schemas.microsoft.com/office/drawing/2010/main">
-                <a:solidFill>
-                  <a:srgbClr val="FFFFFF"/>
-                </a:solidFill>
-              </a14:hiddenFill>
-            </a:ext>
-            <a:ext uri="{91240B29-F687-4F45-9708-019B960494DF}">
-              <a14:hiddenLine xmlns:a14="http://schemas.microsoft.com/office/drawing/2010/main" w="9525">
-                <a:solidFill>
-                  <a:srgbClr val="000000"/>
-                </a:solidFill>
-                <a:miter lim="800000"/>
-                <a:headEnd/>
-                <a:tailEnd/>
-              </a14:hiddenLine>
-            </a:ext>
-          </a:extLst>
-        </p:spPr>
-      </p:pic>
+              <a:rPr lang="pt-BR" sz="4000" dirty="0"/>
+              <a:t>Projeto/Desenvolvimento </a:t>
+            </a:r>
+          </a:p>
+        </p:txBody>
+      </p:sp>
     </p:spTree>
     <p:extLst>
       <p:ext uri="{BB962C8B-B14F-4D97-AF65-F5344CB8AC3E}">
-        <p14:creationId xmlns:p14="http://schemas.microsoft.com/office/powerpoint/2010/main" val="1422756804"/>
+        <p14:creationId xmlns:p14="http://schemas.microsoft.com/office/powerpoint/2010/main" val="722848786"/>
       </p:ext>
     </p:extLst>
   </p:cSld>
@@ -4775,7 +4888,7 @@
             <a:pPr algn="l"/>
             <a:r>
               <a:rPr lang="pt-BR" sz="4000" dirty="0" smtClean="0"/>
-              <a:t>Fases</a:t>
+              <a:t>Interface </a:t>
             </a:r>
             <a:endParaRPr lang="pt-BR" sz="4000" dirty="0"/>
           </a:p>
@@ -4783,14 +4896,14 @@
       </p:sp>
       <p:pic>
         <p:nvPicPr>
-          <p:cNvPr id="2050" name="Imagem 1"/>
+          <p:cNvPr id="1026" name="Imagem 1"/>
           <p:cNvPicPr>
             <a:picLocks noChangeAspect="1" noChangeArrowheads="1"/>
           </p:cNvPicPr>
           <p:nvPr/>
         </p:nvPicPr>
         <p:blipFill>
-          <a:blip r:embed="rId2" cstate="print">
+          <a:blip r:embed="rId3">
             <a:extLst>
               <a:ext uri="{28A0092B-C50C-407E-A947-70E740481C1C}">
                 <a14:useLocalDpi xmlns:a14="http://schemas.microsoft.com/office/drawing/2010/main" val="0"/>
@@ -4804,8 +4917,8 @@
         </p:blipFill>
         <p:spPr bwMode="auto">
           <a:xfrm>
-            <a:off x="683569" y="1484784"/>
-            <a:ext cx="3600400" cy="2499984"/>
+            <a:off x="1475656" y="1772816"/>
+            <a:ext cx="5976664" cy="4148988"/>
           </a:xfrm>
           <a:prstGeom prst="rect">
             <a:avLst/>
@@ -4835,118 +4948,10 @@
           </a:extLst>
         </p:spPr>
       </p:pic>
-      <p:pic>
-        <p:nvPicPr>
-          <p:cNvPr id="2051" name="Imagem 1"/>
-          <p:cNvPicPr>
-            <a:picLocks noChangeAspect="1" noChangeArrowheads="1"/>
-          </p:cNvPicPr>
-          <p:nvPr/>
-        </p:nvPicPr>
-        <p:blipFill>
-          <a:blip r:embed="rId3" cstate="print">
-            <a:extLst>
-              <a:ext uri="{28A0092B-C50C-407E-A947-70E740481C1C}">
-                <a14:useLocalDpi xmlns:a14="http://schemas.microsoft.com/office/drawing/2010/main" val="0"/>
-              </a:ext>
-            </a:extLst>
-          </a:blip>
-          <a:srcRect/>
-          <a:stretch>
-            <a:fillRect/>
-          </a:stretch>
-        </p:blipFill>
-        <p:spPr bwMode="auto">
-          <a:xfrm>
-            <a:off x="4860032" y="1484784"/>
-            <a:ext cx="3656844" cy="2539178"/>
-          </a:xfrm>
-          <a:prstGeom prst="rect">
-            <a:avLst/>
-          </a:prstGeom>
-          <a:noFill/>
-          <a:ln>
-            <a:noFill/>
-          </a:ln>
-          <a:extLst>
-            <a:ext uri="{909E8E84-426E-40DD-AFC4-6F175D3DCCD1}">
-              <a14:hiddenFill xmlns:a14="http://schemas.microsoft.com/office/drawing/2010/main">
-                <a:solidFill>
-                  <a:srgbClr val="FFFFFF"/>
-                </a:solidFill>
-              </a14:hiddenFill>
-            </a:ext>
-            <a:ext uri="{91240B29-F687-4F45-9708-019B960494DF}">
-              <a14:hiddenLine xmlns:a14="http://schemas.microsoft.com/office/drawing/2010/main" w="9525">
-                <a:solidFill>
-                  <a:srgbClr val="000000"/>
-                </a:solidFill>
-                <a:miter lim="800000"/>
-                <a:headEnd/>
-                <a:tailEnd/>
-              </a14:hiddenLine>
-            </a:ext>
-          </a:extLst>
-        </p:spPr>
-      </p:pic>
-      <p:pic>
-        <p:nvPicPr>
-          <p:cNvPr id="2052" name="Imagem 1"/>
-          <p:cNvPicPr>
-            <a:picLocks noChangeAspect="1" noChangeArrowheads="1"/>
-          </p:cNvPicPr>
-          <p:nvPr/>
-        </p:nvPicPr>
-        <p:blipFill>
-          <a:blip r:embed="rId4" cstate="print">
-            <a:extLst>
-              <a:ext uri="{28A0092B-C50C-407E-A947-70E740481C1C}">
-                <a14:useLocalDpi xmlns:a14="http://schemas.microsoft.com/office/drawing/2010/main" val="0"/>
-              </a:ext>
-            </a:extLst>
-          </a:blip>
-          <a:srcRect/>
-          <a:stretch>
-            <a:fillRect/>
-          </a:stretch>
-        </p:blipFill>
-        <p:spPr bwMode="auto">
-          <a:xfrm>
-            <a:off x="2504419" y="4293095"/>
-            <a:ext cx="3559100" cy="2464847"/>
-          </a:xfrm>
-          <a:prstGeom prst="rect">
-            <a:avLst/>
-          </a:prstGeom>
-          <a:noFill/>
-          <a:ln>
-            <a:noFill/>
-          </a:ln>
-          <a:extLst>
-            <a:ext uri="{909E8E84-426E-40DD-AFC4-6F175D3DCCD1}">
-              <a14:hiddenFill xmlns:a14="http://schemas.microsoft.com/office/drawing/2010/main">
-                <a:solidFill>
-                  <a:srgbClr val="FFFFFF"/>
-                </a:solidFill>
-              </a14:hiddenFill>
-            </a:ext>
-            <a:ext uri="{91240B29-F687-4F45-9708-019B960494DF}">
-              <a14:hiddenLine xmlns:a14="http://schemas.microsoft.com/office/drawing/2010/main" w="9525">
-                <a:solidFill>
-                  <a:srgbClr val="000000"/>
-                </a:solidFill>
-                <a:miter lim="800000"/>
-                <a:headEnd/>
-                <a:tailEnd/>
-              </a14:hiddenLine>
-            </a:ext>
-          </a:extLst>
-        </p:spPr>
-      </p:pic>
     </p:spTree>
     <p:extLst>
       <p:ext uri="{BB962C8B-B14F-4D97-AF65-F5344CB8AC3E}">
-        <p14:creationId xmlns:p14="http://schemas.microsoft.com/office/powerpoint/2010/main" val="2382076033"/>
+        <p14:creationId xmlns:p14="http://schemas.microsoft.com/office/powerpoint/2010/main" val="1422756804"/>
       </p:ext>
     </p:extLst>
   </p:cSld>
@@ -5045,7 +5050,7 @@
       </p:sp>
       <p:pic>
         <p:nvPicPr>
-          <p:cNvPr id="3074" name="Imagem 1"/>
+          <p:cNvPr id="2050" name="Imagem 1"/>
           <p:cNvPicPr>
             <a:picLocks noChangeAspect="1" noChangeArrowheads="1"/>
           </p:cNvPicPr>
@@ -5066,8 +5071,8 @@
         </p:blipFill>
         <p:spPr bwMode="auto">
           <a:xfrm>
-            <a:off x="539553" y="1451278"/>
-            <a:ext cx="3744416" cy="2598737"/>
+            <a:off x="683569" y="1484784"/>
+            <a:ext cx="3600400" cy="2499984"/>
           </a:xfrm>
           <a:prstGeom prst="rect">
             <a:avLst/>
@@ -5099,7 +5104,7 @@
       </p:pic>
       <p:pic>
         <p:nvPicPr>
-          <p:cNvPr id="3075" name="Picture 3"/>
+          <p:cNvPr id="2051" name="Imagem 1"/>
           <p:cNvPicPr>
             <a:picLocks noChangeAspect="1" noChangeArrowheads="1"/>
           </p:cNvPicPr>
@@ -5120,8 +5125,8 @@
         </p:blipFill>
         <p:spPr bwMode="auto">
           <a:xfrm>
-            <a:off x="4716016" y="1451279"/>
-            <a:ext cx="3762039" cy="2598737"/>
+            <a:off x="4860032" y="1484784"/>
+            <a:ext cx="3656844" cy="2539178"/>
           </a:xfrm>
           <a:prstGeom prst="rect">
             <a:avLst/>
@@ -5153,7 +5158,7 @@
       </p:pic>
       <p:pic>
         <p:nvPicPr>
-          <p:cNvPr id="3076" name="Picture 4"/>
+          <p:cNvPr id="2052" name="Imagem 1"/>
           <p:cNvPicPr>
             <a:picLocks noChangeAspect="1" noChangeArrowheads="1"/>
           </p:cNvPicPr>
@@ -5174,8 +5179,8 @@
         </p:blipFill>
         <p:spPr bwMode="auto">
           <a:xfrm>
-            <a:off x="2267744" y="4154582"/>
-            <a:ext cx="3816424" cy="2630907"/>
+            <a:off x="2504419" y="4293095"/>
+            <a:ext cx="3559100" cy="2464847"/>
           </a:xfrm>
           <a:prstGeom prst="rect">
             <a:avLst/>
@@ -5208,7 +5213,7 @@
     </p:spTree>
     <p:extLst>
       <p:ext uri="{BB962C8B-B14F-4D97-AF65-F5344CB8AC3E}">
-        <p14:creationId xmlns:p14="http://schemas.microsoft.com/office/powerpoint/2010/main" val="3483655616"/>
+        <p14:creationId xmlns:p14="http://schemas.microsoft.com/office/powerpoint/2010/main" val="2382076033"/>
       </p:ext>
     </p:extLst>
   </p:cSld>
@@ -5299,7 +5304,7 @@
             <a:pPr algn="l"/>
             <a:r>
               <a:rPr lang="pt-BR" sz="4000" dirty="0" smtClean="0"/>
-              <a:t>Personagens</a:t>
+              <a:t>Fases</a:t>
             </a:r>
             <a:endParaRPr lang="pt-BR" sz="4000" dirty="0"/>
           </a:p>
@@ -5307,14 +5312,14 @@
       </p:sp>
       <p:pic>
         <p:nvPicPr>
-          <p:cNvPr id="4098" name="Picture 2" descr="pnovo"/>
+          <p:cNvPr id="3074" name="Imagem 1"/>
           <p:cNvPicPr>
             <a:picLocks noChangeAspect="1" noChangeArrowheads="1"/>
           </p:cNvPicPr>
           <p:nvPr/>
         </p:nvPicPr>
         <p:blipFill>
-          <a:blip r:embed="rId2">
+          <a:blip r:embed="rId2" cstate="print">
             <a:extLst>
               <a:ext uri="{28A0092B-C50C-407E-A947-70E740481C1C}">
                 <a14:useLocalDpi xmlns:a14="http://schemas.microsoft.com/office/drawing/2010/main" val="0"/>
@@ -5328,8 +5333,8 @@
         </p:blipFill>
         <p:spPr bwMode="auto">
           <a:xfrm>
-            <a:off x="1187624" y="1628800"/>
-            <a:ext cx="2978150" cy="2289175"/>
+            <a:off x="539553" y="1451278"/>
+            <a:ext cx="3744416" cy="2598737"/>
           </a:xfrm>
           <a:prstGeom prst="rect">
             <a:avLst/>
@@ -5361,14 +5366,14 @@
       </p:pic>
       <p:pic>
         <p:nvPicPr>
-          <p:cNvPr id="4099" name="Picture 3" descr="bruxa"/>
+          <p:cNvPr id="3075" name="Picture 3"/>
           <p:cNvPicPr>
             <a:picLocks noChangeAspect="1" noChangeArrowheads="1"/>
           </p:cNvPicPr>
           <p:nvPr/>
         </p:nvPicPr>
         <p:blipFill>
-          <a:blip r:embed="rId3">
+          <a:blip r:embed="rId3" cstate="print">
             <a:extLst>
               <a:ext uri="{28A0092B-C50C-407E-A947-70E740481C1C}">
                 <a14:useLocalDpi xmlns:a14="http://schemas.microsoft.com/office/drawing/2010/main" val="0"/>
@@ -5382,8 +5387,8 @@
         </p:blipFill>
         <p:spPr bwMode="auto">
           <a:xfrm>
-            <a:off x="4499992" y="4077072"/>
-            <a:ext cx="3098800" cy="2071687"/>
+            <a:off x="4716016" y="1451279"/>
+            <a:ext cx="3762039" cy="2598737"/>
           </a:xfrm>
           <a:prstGeom prst="rect">
             <a:avLst/>
@@ -5413,10 +5418,64 @@
           </a:extLst>
         </p:spPr>
       </p:pic>
+      <p:pic>
+        <p:nvPicPr>
+          <p:cNvPr id="3076" name="Picture 4"/>
+          <p:cNvPicPr>
+            <a:picLocks noChangeAspect="1" noChangeArrowheads="1"/>
+          </p:cNvPicPr>
+          <p:nvPr/>
+        </p:nvPicPr>
+        <p:blipFill>
+          <a:blip r:embed="rId4" cstate="print">
+            <a:extLst>
+              <a:ext uri="{28A0092B-C50C-407E-A947-70E740481C1C}">
+                <a14:useLocalDpi xmlns:a14="http://schemas.microsoft.com/office/drawing/2010/main" val="0"/>
+              </a:ext>
+            </a:extLst>
+          </a:blip>
+          <a:srcRect/>
+          <a:stretch>
+            <a:fillRect/>
+          </a:stretch>
+        </p:blipFill>
+        <p:spPr bwMode="auto">
+          <a:xfrm>
+            <a:off x="2267744" y="4154582"/>
+            <a:ext cx="3816424" cy="2630907"/>
+          </a:xfrm>
+          <a:prstGeom prst="rect">
+            <a:avLst/>
+          </a:prstGeom>
+          <a:noFill/>
+          <a:ln>
+            <a:noFill/>
+          </a:ln>
+          <a:extLst>
+            <a:ext uri="{909E8E84-426E-40DD-AFC4-6F175D3DCCD1}">
+              <a14:hiddenFill xmlns:a14="http://schemas.microsoft.com/office/drawing/2010/main">
+                <a:solidFill>
+                  <a:srgbClr val="FFFFFF"/>
+                </a:solidFill>
+              </a14:hiddenFill>
+            </a:ext>
+            <a:ext uri="{91240B29-F687-4F45-9708-019B960494DF}">
+              <a14:hiddenLine xmlns:a14="http://schemas.microsoft.com/office/drawing/2010/main" w="9525">
+                <a:solidFill>
+                  <a:srgbClr val="000000"/>
+                </a:solidFill>
+                <a:miter lim="800000"/>
+                <a:headEnd/>
+                <a:tailEnd/>
+              </a14:hiddenLine>
+            </a:ext>
+          </a:extLst>
+        </p:spPr>
+      </p:pic>
     </p:spTree>
     <p:extLst>
       <p:ext uri="{BB962C8B-B14F-4D97-AF65-F5344CB8AC3E}">
-        <p14:creationId xmlns:p14="http://schemas.microsoft.com/office/powerpoint/2010/main" val="226371856"/>
+        <p14:creationId xmlns:p14="http://schemas.microsoft.com/office/powerpoint/2010/main" val="3483655616"/>
       </p:ext>
     </p:extLst>
   </p:cSld>
@@ -5462,59 +5521,8 @@
         </p:nvSpPr>
         <p:spPr>
           <a:xfrm>
-            <a:off x="457200" y="1628800"/>
-            <a:ext cx="5554960" cy="2088232"/>
-          </a:xfrm>
-        </p:spPr>
-        <p:txBody>
-          <a:bodyPr>
-            <a:normAutofit fontScale="92500" lnSpcReduction="10000"/>
-          </a:bodyPr>
-          <a:lstStyle/>
-          <a:p>
-            <a:endParaRPr lang="pt-BR" sz="3200" dirty="0" smtClean="0"/>
-          </a:p>
-          <a:p>
-            <a:r>
-              <a:rPr lang="pt-BR" sz="3200" dirty="0" smtClean="0"/>
-              <a:t> Selecionados Nutricionista</a:t>
-            </a:r>
-          </a:p>
-          <a:p>
-            <a:r>
-              <a:rPr lang="pt-BR" sz="3200" dirty="0" smtClean="0"/>
-              <a:t>Bons Ruins</a:t>
-            </a:r>
-          </a:p>
-          <a:p>
-            <a:r>
-              <a:rPr lang="pt-BR" sz="3200" dirty="0" smtClean="0"/>
-              <a:t>Posições</a:t>
-            </a:r>
-            <a:endParaRPr lang="pt-BR" sz="3200" dirty="0"/>
-          </a:p>
-          <a:p>
-            <a:endParaRPr lang="pt-BR" sz="3600" dirty="0" smtClean="0"/>
-          </a:p>
-          <a:p>
-            <a:endParaRPr lang="pt-BR" dirty="0" smtClean="0"/>
-          </a:p>
-        </p:txBody>
-      </p:sp>
-      <p:sp>
-        <p:nvSpPr>
-          <p:cNvPr id="3" name="Título 2"/>
-          <p:cNvSpPr>
-            <a:spLocks noGrp="1"/>
-          </p:cNvSpPr>
-          <p:nvPr>
-            <p:ph type="title"/>
-          </p:nvPr>
-        </p:nvSpPr>
-        <p:spPr>
-          <a:xfrm>
-            <a:off x="395536" y="457200"/>
-            <a:ext cx="7200800" cy="1027584"/>
+            <a:off x="457200" y="1628801"/>
+            <a:ext cx="5554960" cy="1656184"/>
           </a:xfrm>
         </p:spPr>
         <p:txBody>
@@ -5523,14 +5531,42 @@
           </a:bodyPr>
           <a:lstStyle/>
           <a:p>
+            <a:endParaRPr lang="pt-BR" sz="3200" dirty="0" smtClean="0"/>
+          </a:p>
+          <a:p>
+            <a:endParaRPr lang="pt-BR" sz="3600" dirty="0" smtClean="0"/>
+          </a:p>
+          <a:p>
+            <a:endParaRPr lang="pt-BR" dirty="0" smtClean="0"/>
+          </a:p>
+        </p:txBody>
+      </p:sp>
+      <p:sp>
+        <p:nvSpPr>
+          <p:cNvPr id="3" name="Título 2"/>
+          <p:cNvSpPr>
+            <a:spLocks noGrp="1"/>
+          </p:cNvSpPr>
+          <p:nvPr>
+            <p:ph type="title"/>
+          </p:nvPr>
+        </p:nvSpPr>
+        <p:spPr>
+          <a:xfrm>
+            <a:off x="395536" y="457200"/>
+            <a:ext cx="7200800" cy="1027584"/>
+          </a:xfrm>
+        </p:spPr>
+        <p:txBody>
+          <a:bodyPr>
+            <a:normAutofit/>
+          </a:bodyPr>
+          <a:lstStyle/>
+          <a:p>
             <a:pPr algn="l"/>
             <a:r>
               <a:rPr lang="pt-BR" sz="4000" dirty="0" smtClean="0"/>
-              <a:t>A</a:t>
-            </a:r>
-            <a:r>
-              <a:rPr lang="pt-BR" sz="4000" dirty="0" smtClean="0"/>
-              <a:t>limentos</a:t>
+              <a:t>Personagens</a:t>
             </a:r>
             <a:endParaRPr lang="pt-BR" sz="4000" dirty="0"/>
           </a:p>
@@ -5538,7 +5574,7 @@
       </p:sp>
       <p:pic>
         <p:nvPicPr>
-          <p:cNvPr id="6146" name="Picture 2" descr="bons"/>
+          <p:cNvPr id="4098" name="Picture 2" descr="pnovo"/>
           <p:cNvPicPr>
             <a:picLocks noChangeAspect="1" noChangeArrowheads="1"/>
           </p:cNvPicPr>
@@ -5559,8 +5595,8 @@
         </p:blipFill>
         <p:spPr bwMode="auto">
           <a:xfrm>
-            <a:off x="1691680" y="3705343"/>
-            <a:ext cx="5930900" cy="300038"/>
+            <a:off x="1187624" y="1628800"/>
+            <a:ext cx="2978150" cy="2289175"/>
           </a:xfrm>
           <a:prstGeom prst="rect">
             <a:avLst/>
@@ -5592,7 +5628,7 @@
       </p:pic>
       <p:pic>
         <p:nvPicPr>
-          <p:cNvPr id="6147" name="Picture 3" descr="ruins"/>
+          <p:cNvPr id="4099" name="Picture 3" descr="bruxa"/>
           <p:cNvPicPr>
             <a:picLocks noChangeAspect="1" noChangeArrowheads="1"/>
           </p:cNvPicPr>
@@ -5613,8 +5649,8 @@
         </p:blipFill>
         <p:spPr bwMode="auto">
           <a:xfrm>
-            <a:off x="2051720" y="4411265"/>
-            <a:ext cx="4498975" cy="339725"/>
+            <a:off x="4499992" y="4077072"/>
+            <a:ext cx="3098800" cy="2071687"/>
           </a:xfrm>
           <a:prstGeom prst="rect">
             <a:avLst/>
@@ -5647,7 +5683,7 @@
     </p:spTree>
     <p:extLst>
       <p:ext uri="{BB962C8B-B14F-4D97-AF65-F5344CB8AC3E}">
-        <p14:creationId xmlns:p14="http://schemas.microsoft.com/office/powerpoint/2010/main" val="2776454512"/>
+        <p14:creationId xmlns:p14="http://schemas.microsoft.com/office/powerpoint/2010/main" val="226371856"/>
       </p:ext>
     </p:extLst>
   </p:cSld>
@@ -5694,7 +5730,58 @@
         <p:spPr>
           <a:xfrm>
             <a:off x="457200" y="1628800"/>
-            <a:ext cx="7211144" cy="3744416"/>
+            <a:ext cx="5554960" cy="2088232"/>
+          </a:xfrm>
+        </p:spPr>
+        <p:txBody>
+          <a:bodyPr>
+            <a:normAutofit fontScale="92500" lnSpcReduction="10000"/>
+          </a:bodyPr>
+          <a:lstStyle/>
+          <a:p>
+            <a:endParaRPr lang="pt-BR" sz="3200" dirty="0" smtClean="0"/>
+          </a:p>
+          <a:p>
+            <a:r>
+              <a:rPr lang="pt-BR" sz="3200" dirty="0" smtClean="0"/>
+              <a:t> Selecionados Nutricionista</a:t>
+            </a:r>
+          </a:p>
+          <a:p>
+            <a:r>
+              <a:rPr lang="pt-BR" sz="3200" dirty="0" smtClean="0"/>
+              <a:t>Bons Ruins</a:t>
+            </a:r>
+          </a:p>
+          <a:p>
+            <a:r>
+              <a:rPr lang="pt-BR" sz="3200" dirty="0" smtClean="0"/>
+              <a:t>Posições</a:t>
+            </a:r>
+            <a:endParaRPr lang="pt-BR" sz="3200" dirty="0"/>
+          </a:p>
+          <a:p>
+            <a:endParaRPr lang="pt-BR" sz="3600" dirty="0" smtClean="0"/>
+          </a:p>
+          <a:p>
+            <a:endParaRPr lang="pt-BR" dirty="0" smtClean="0"/>
+          </a:p>
+        </p:txBody>
+      </p:sp>
+      <p:sp>
+        <p:nvSpPr>
+          <p:cNvPr id="3" name="Título 2"/>
+          <p:cNvSpPr>
+            <a:spLocks noGrp="1"/>
+          </p:cNvSpPr>
+          <p:nvPr>
+            <p:ph type="title"/>
+          </p:nvPr>
+        </p:nvSpPr>
+        <p:spPr>
+          <a:xfrm>
+            <a:off x="395536" y="457200"/>
+            <a:ext cx="7200800" cy="1027584"/>
           </a:xfrm>
         </p:spPr>
         <p:txBody>
@@ -5703,76 +5790,127 @@
           </a:bodyPr>
           <a:lstStyle/>
           <a:p>
-            <a:endParaRPr lang="pt-BR" sz="3200" dirty="0" smtClean="0"/>
-          </a:p>
-          <a:p>
-            <a:r>
-              <a:rPr lang="pt-BR" sz="3200" dirty="0" smtClean="0"/>
-              <a:t> Mapa</a:t>
-            </a:r>
-          </a:p>
-          <a:p>
-            <a:r>
-              <a:rPr lang="pt-BR" sz="3200" dirty="0" smtClean="0"/>
-              <a:t> Pontuação</a:t>
-            </a:r>
-          </a:p>
-          <a:p>
-            <a:r>
-              <a:rPr lang="pt-BR" sz="3200" dirty="0" smtClean="0"/>
-              <a:t> Níveis dificuldade</a:t>
-            </a:r>
-          </a:p>
-          <a:p>
-            <a:r>
-              <a:rPr lang="pt-BR" sz="3200" dirty="0" smtClean="0"/>
-              <a:t> Colisão</a:t>
-            </a:r>
-            <a:endParaRPr lang="pt-BR" sz="3200" dirty="0"/>
-          </a:p>
-          <a:p>
-            <a:endParaRPr lang="pt-BR" sz="3600" dirty="0" smtClean="0"/>
-          </a:p>
-          <a:p>
-            <a:endParaRPr lang="pt-BR" dirty="0" smtClean="0"/>
-          </a:p>
-        </p:txBody>
-      </p:sp>
-      <p:sp>
-        <p:nvSpPr>
-          <p:cNvPr id="3" name="Título 2"/>
-          <p:cNvSpPr>
-            <a:spLocks noGrp="1"/>
-          </p:cNvSpPr>
-          <p:nvPr>
-            <p:ph type="title"/>
-          </p:nvPr>
-        </p:nvSpPr>
-        <p:spPr>
-          <a:xfrm>
-            <a:off x="395536" y="457200"/>
-            <a:ext cx="7200800" cy="1027584"/>
-          </a:xfrm>
-        </p:spPr>
-        <p:txBody>
-          <a:bodyPr>
-            <a:normAutofit/>
-          </a:bodyPr>
-          <a:lstStyle/>
-          <a:p>
             <a:pPr algn="l"/>
             <a:r>
-              <a:rPr lang="pt-BR" sz="4000" dirty="0"/>
-              <a:t>Projeto/Desenvolvimento </a:t>
+              <a:rPr lang="pt-BR" sz="4000" dirty="0" smtClean="0"/>
+              <a:t>Alimentos</a:t>
             </a:r>
             <a:endParaRPr lang="pt-BR" sz="4000" dirty="0"/>
           </a:p>
         </p:txBody>
       </p:sp>
+      <p:pic>
+        <p:nvPicPr>
+          <p:cNvPr id="6146" name="Picture 2" descr="bons"/>
+          <p:cNvPicPr>
+            <a:picLocks noChangeAspect="1" noChangeArrowheads="1"/>
+          </p:cNvPicPr>
+          <p:nvPr/>
+        </p:nvPicPr>
+        <p:blipFill>
+          <a:blip r:embed="rId2">
+            <a:extLst>
+              <a:ext uri="{28A0092B-C50C-407E-A947-70E740481C1C}">
+                <a14:useLocalDpi xmlns:a14="http://schemas.microsoft.com/office/drawing/2010/main" val="0"/>
+              </a:ext>
+            </a:extLst>
+          </a:blip>
+          <a:srcRect/>
+          <a:stretch>
+            <a:fillRect/>
+          </a:stretch>
+        </p:blipFill>
+        <p:spPr bwMode="auto">
+          <a:xfrm>
+            <a:off x="1691680" y="3705343"/>
+            <a:ext cx="5930900" cy="300038"/>
+          </a:xfrm>
+          <a:prstGeom prst="rect">
+            <a:avLst/>
+          </a:prstGeom>
+          <a:noFill/>
+          <a:ln>
+            <a:noFill/>
+          </a:ln>
+          <a:extLst>
+            <a:ext uri="{909E8E84-426E-40DD-AFC4-6F175D3DCCD1}">
+              <a14:hiddenFill xmlns:a14="http://schemas.microsoft.com/office/drawing/2010/main">
+                <a:solidFill>
+                  <a:srgbClr val="FFFFFF"/>
+                </a:solidFill>
+              </a14:hiddenFill>
+            </a:ext>
+            <a:ext uri="{91240B29-F687-4F45-9708-019B960494DF}">
+              <a14:hiddenLine xmlns:a14="http://schemas.microsoft.com/office/drawing/2010/main" w="9525">
+                <a:solidFill>
+                  <a:srgbClr val="000000"/>
+                </a:solidFill>
+                <a:miter lim="800000"/>
+                <a:headEnd/>
+                <a:tailEnd/>
+              </a14:hiddenLine>
+            </a:ext>
+          </a:extLst>
+        </p:spPr>
+      </p:pic>
+      <p:pic>
+        <p:nvPicPr>
+          <p:cNvPr id="6147" name="Picture 3" descr="ruins"/>
+          <p:cNvPicPr>
+            <a:picLocks noChangeAspect="1" noChangeArrowheads="1"/>
+          </p:cNvPicPr>
+          <p:nvPr/>
+        </p:nvPicPr>
+        <p:blipFill>
+          <a:blip r:embed="rId3">
+            <a:extLst>
+              <a:ext uri="{28A0092B-C50C-407E-A947-70E740481C1C}">
+                <a14:useLocalDpi xmlns:a14="http://schemas.microsoft.com/office/drawing/2010/main" val="0"/>
+              </a:ext>
+            </a:extLst>
+          </a:blip>
+          <a:srcRect/>
+          <a:stretch>
+            <a:fillRect/>
+          </a:stretch>
+        </p:blipFill>
+        <p:spPr bwMode="auto">
+          <a:xfrm>
+            <a:off x="2051720" y="4411265"/>
+            <a:ext cx="4498975" cy="339725"/>
+          </a:xfrm>
+          <a:prstGeom prst="rect">
+            <a:avLst/>
+          </a:prstGeom>
+          <a:noFill/>
+          <a:ln>
+            <a:noFill/>
+          </a:ln>
+          <a:extLst>
+            <a:ext uri="{909E8E84-426E-40DD-AFC4-6F175D3DCCD1}">
+              <a14:hiddenFill xmlns:a14="http://schemas.microsoft.com/office/drawing/2010/main">
+                <a:solidFill>
+                  <a:srgbClr val="FFFFFF"/>
+                </a:solidFill>
+              </a14:hiddenFill>
+            </a:ext>
+            <a:ext uri="{91240B29-F687-4F45-9708-019B960494DF}">
+              <a14:hiddenLine xmlns:a14="http://schemas.microsoft.com/office/drawing/2010/main" w="9525">
+                <a:solidFill>
+                  <a:srgbClr val="000000"/>
+                </a:solidFill>
+                <a:miter lim="800000"/>
+                <a:headEnd/>
+                <a:tailEnd/>
+              </a14:hiddenLine>
+            </a:ext>
+          </a:extLst>
+        </p:spPr>
+      </p:pic>
     </p:spTree>
     <p:extLst>
       <p:ext uri="{BB962C8B-B14F-4D97-AF65-F5344CB8AC3E}">
-        <p14:creationId xmlns:p14="http://schemas.microsoft.com/office/powerpoint/2010/main" val="994906556"/>
+        <p14:creationId xmlns:p14="http://schemas.microsoft.com/office/powerpoint/2010/main" val="2776454512"/>
       </p:ext>
     </p:extLst>
   </p:cSld>
@@ -5832,79 +5970,28 @@
           </a:p>
           <a:p>
             <a:r>
-              <a:rPr lang="pt-BR" sz="3200" dirty="0"/>
-              <a:t> </a:t>
-            </a:r>
-            <a:r>
               <a:rPr lang="pt-BR" sz="3200" dirty="0" smtClean="0"/>
-              <a:t>Histórico desenvolvimento</a:t>
-            </a:r>
-          </a:p>
-          <a:p>
-            <a:pPr lvl="1"/>
-            <a:r>
-              <a:rPr lang="pt-BR" sz="2800" dirty="0" smtClean="0"/>
-              <a:t>Curso extensão </a:t>
-            </a:r>
-          </a:p>
-          <a:p>
-            <a:pPr lvl="1"/>
-            <a:r>
-              <a:rPr lang="pt-BR" sz="2800" dirty="0" smtClean="0"/>
-              <a:t> Nenhum recurso externo</a:t>
-            </a:r>
-          </a:p>
-          <a:p>
-            <a:pPr lvl="1"/>
-            <a:r>
-              <a:rPr lang="pt-BR" sz="2800" dirty="0" smtClean="0"/>
-              <a:t>Classes</a:t>
-            </a:r>
-          </a:p>
-          <a:p>
-            <a:pPr marL="228600" lvl="1" indent="0">
-              <a:buNone/>
-            </a:pPr>
-            <a:r>
-              <a:rPr lang="pt-BR" sz="2400" dirty="0" smtClean="0">
-                <a:solidFill>
-                  <a:schemeClr val="tx1"/>
-                </a:solidFill>
-              </a:rPr>
-              <a:t>“</a:t>
-            </a:r>
-            <a:r>
-              <a:rPr lang="pt-BR" sz="2400" dirty="0" err="1">
-                <a:solidFill>
-                  <a:schemeClr val="tx1"/>
-                </a:solidFill>
-              </a:rPr>
-              <a:t>GameCanvas</a:t>
-            </a:r>
-            <a:r>
-              <a:rPr lang="pt-BR" sz="2400" dirty="0" smtClean="0">
-                <a:solidFill>
-                  <a:schemeClr val="tx1"/>
-                </a:solidFill>
-              </a:rPr>
-              <a:t>”, “</a:t>
-            </a:r>
-            <a:r>
-              <a:rPr lang="pt-BR" sz="2400" dirty="0" err="1" smtClean="0">
-                <a:solidFill>
-                  <a:schemeClr val="tx1"/>
-                </a:solidFill>
-              </a:rPr>
-              <a:t>GamePanel</a:t>
-            </a:r>
-            <a:r>
-              <a:rPr lang="pt-BR" sz="2400" dirty="0" smtClean="0">
-                <a:solidFill>
-                  <a:schemeClr val="tx1"/>
-                </a:solidFill>
-              </a:rPr>
-              <a:t>”</a:t>
-            </a:r>
+              <a:t> Mapa</a:t>
+            </a:r>
+          </a:p>
+          <a:p>
+            <a:r>
+              <a:rPr lang="pt-BR" sz="3200" dirty="0" smtClean="0"/>
+              <a:t> Pontuação</a:t>
+            </a:r>
+          </a:p>
+          <a:p>
+            <a:r>
+              <a:rPr lang="pt-BR" sz="3200" dirty="0" smtClean="0"/>
+              <a:t> Níveis dificuldade</a:t>
+            </a:r>
+          </a:p>
+          <a:p>
+            <a:r>
+              <a:rPr lang="pt-BR" sz="3200" dirty="0" smtClean="0"/>
+              <a:t> Colisão</a:t>
+            </a:r>
+            <a:endParaRPr lang="pt-BR" sz="3200" dirty="0"/>
           </a:p>
           <a:p>
             <a:endParaRPr lang="pt-BR" sz="3600" dirty="0" smtClean="0"/>
@@ -5941,14 +6028,13 @@
               <a:rPr lang="pt-BR" sz="4000" dirty="0"/>
               <a:t>Projeto/Desenvolvimento </a:t>
             </a:r>
-            <a:endParaRPr lang="pt-BR" sz="4000" dirty="0"/>
           </a:p>
         </p:txBody>
       </p:sp>
     </p:spTree>
     <p:extLst>
       <p:ext uri="{BB962C8B-B14F-4D97-AF65-F5344CB8AC3E}">
-        <p14:creationId xmlns:p14="http://schemas.microsoft.com/office/powerpoint/2010/main" val="722848786"/>
+        <p14:creationId xmlns:p14="http://schemas.microsoft.com/office/powerpoint/2010/main" val="994906556"/>
       </p:ext>
     </p:extLst>
   </p:cSld>
@@ -6014,7 +6100,6 @@
               <a:rPr lang="pt-BR" sz="2800" dirty="0" smtClean="0"/>
               <a:t>Objetivos </a:t>
             </a:r>
-            <a:endParaRPr lang="pt-BR" sz="2800" dirty="0" smtClean="0"/>
           </a:p>
           <a:p>
             <a:r>
@@ -6043,15 +6128,7 @@
             </a:pPr>
             <a:r>
               <a:rPr lang="pt-BR" sz="2800" dirty="0" smtClean="0"/>
-              <a:t>Jogos </a:t>
-            </a:r>
-            <a:r>
-              <a:rPr lang="pt-BR" sz="2800" dirty="0" smtClean="0"/>
-              <a:t>Digitais </a:t>
-            </a:r>
-            <a:r>
-              <a:rPr lang="pt-BR" sz="2800" dirty="0" smtClean="0"/>
-              <a:t>Inteligência Artificial </a:t>
+              <a:t>Jogos Digitais Inteligência Artificial </a:t>
             </a:r>
           </a:p>
           <a:p>
@@ -6059,25 +6136,18 @@
               <a:rPr lang="pt-BR" sz="2800" dirty="0" smtClean="0"/>
               <a:t>Projeto/Desenvolvimento</a:t>
             </a:r>
-            <a:endParaRPr lang="pt-BR" sz="2800" dirty="0" smtClean="0"/>
           </a:p>
           <a:p>
             <a:r>
               <a:rPr lang="pt-BR" sz="2800" dirty="0" smtClean="0"/>
-              <a:t>Considerações </a:t>
-            </a:r>
-            <a:r>
-              <a:rPr lang="pt-BR" sz="2800" dirty="0" smtClean="0"/>
-              <a:t>Finais </a:t>
-            </a:r>
-            <a:endParaRPr lang="pt-BR" sz="2800" dirty="0" smtClean="0"/>
+              <a:t>Considerações Finais </a:t>
+            </a:r>
           </a:p>
           <a:p>
             <a:r>
               <a:rPr lang="pt-BR" sz="2800" dirty="0" smtClean="0"/>
               <a:t>Trabalhos Futuros</a:t>
             </a:r>
-            <a:endParaRPr lang="pt-BR" sz="2800" dirty="0" smtClean="0"/>
           </a:p>
           <a:p>
             <a:endParaRPr lang="pt-BR" dirty="0"/>
@@ -7495,11 +7565,7 @@
           <a:p>
             <a:r>
               <a:rPr lang="pt-BR" sz="4800" dirty="0" smtClean="0"/>
-              <a:t>Proporcionar </a:t>
-            </a:r>
-            <a:r>
-              <a:rPr lang="pt-BR" sz="4800" dirty="0" smtClean="0"/>
-              <a:t>entretenimento e diversão </a:t>
+              <a:t>Proporcionar entretenimento e diversão </a:t>
             </a:r>
           </a:p>
           <a:p>

--- a/Doc/Apresentacao TCCII.pptx
+++ b/Doc/Apresentacao TCCII.pptx
@@ -5,31 +5,33 @@
     <p:sldMasterId id="2147483948" r:id="rId1"/>
   </p:sldMasterIdLst>
   <p:notesMasterIdLst>
-    <p:notesMasterId r:id="rId24"/>
+    <p:notesMasterId r:id="rId26"/>
   </p:notesMasterIdLst>
   <p:sldIdLst>
     <p:sldId id="256" r:id="rId2"/>
     <p:sldId id="257" r:id="rId3"/>
     <p:sldId id="259" r:id="rId4"/>
-    <p:sldId id="260" r:id="rId5"/>
-    <p:sldId id="263" r:id="rId6"/>
-    <p:sldId id="261" r:id="rId7"/>
-    <p:sldId id="262" r:id="rId8"/>
-    <p:sldId id="273" r:id="rId9"/>
+    <p:sldId id="286" r:id="rId5"/>
+    <p:sldId id="260" r:id="rId6"/>
+    <p:sldId id="287" r:id="rId7"/>
+    <p:sldId id="263" r:id="rId8"/>
+    <p:sldId id="262" r:id="rId9"/>
     <p:sldId id="264" r:id="rId10"/>
-    <p:sldId id="275" r:id="rId11"/>
-    <p:sldId id="266" r:id="rId12"/>
-    <p:sldId id="276" r:id="rId13"/>
-    <p:sldId id="285" r:id="rId14"/>
-    <p:sldId id="278" r:id="rId15"/>
-    <p:sldId id="279" r:id="rId16"/>
-    <p:sldId id="280" r:id="rId17"/>
-    <p:sldId id="281" r:id="rId18"/>
-    <p:sldId id="283" r:id="rId19"/>
-    <p:sldId id="284" r:id="rId20"/>
-    <p:sldId id="268" r:id="rId21"/>
-    <p:sldId id="277" r:id="rId22"/>
-    <p:sldId id="269" r:id="rId23"/>
+    <p:sldId id="276" r:id="rId11"/>
+    <p:sldId id="285" r:id="rId12"/>
+    <p:sldId id="278" r:id="rId13"/>
+    <p:sldId id="290" r:id="rId14"/>
+    <p:sldId id="279" r:id="rId15"/>
+    <p:sldId id="288" r:id="rId16"/>
+    <p:sldId id="289" r:id="rId17"/>
+    <p:sldId id="280" r:id="rId18"/>
+    <p:sldId id="291" r:id="rId19"/>
+    <p:sldId id="292" r:id="rId20"/>
+    <p:sldId id="283" r:id="rId21"/>
+    <p:sldId id="284" r:id="rId22"/>
+    <p:sldId id="268" r:id="rId23"/>
+    <p:sldId id="277" r:id="rId24"/>
+    <p:sldId id="269" r:id="rId25"/>
   </p:sldIdLst>
   <p:sldSz cx="9144000" cy="6858000" type="screen4x3"/>
   <p:notesSz cx="6858000" cy="9144000"/>
@@ -213,7 +215,8 @@
           <a:p>
             <a:fld id="{4E30FFDA-F765-448F-862D-573226814301}" type="datetimeFigureOut">
               <a:rPr lang="pt-BR" smtClean="0"/>
-              <a:t>20/11/2012</a:t>
+              <a:pPr/>
+              <a:t>23/11/2012</a:t>
             </a:fld>
             <a:endParaRPr lang="pt-BR"/>
           </a:p>
@@ -372,6 +375,7 @@
           <a:p>
             <a:fld id="{530C4847-FAA1-4AA7-B363-411CE4C88175}" type="slidenum">
               <a:rPr lang="pt-BR" smtClean="0"/>
+              <a:pPr/>
               <a:t>‹nº›</a:t>
             </a:fld>
             <a:endParaRPr lang="pt-BR"/>
@@ -525,72 +529,102 @@
           <a:bodyPr/>
           <a:lstStyle/>
           <a:p>
-            <a:pPr marL="171450" marR="0" indent="-171450" algn="l" defTabSz="914400" rtl="0" eaLnBrk="1" fontAlgn="auto" latinLnBrk="0" hangingPunct="1">
-              <a:lnSpc>
-                <a:spcPct val="100000"/>
-              </a:lnSpc>
-              <a:spcBef>
-                <a:spcPts val="0"/>
-              </a:spcBef>
-              <a:spcAft>
-                <a:spcPts val="0"/>
-              </a:spcAft>
-              <a:buClrTx/>
-              <a:buSzTx/>
-              <a:buFont typeface="Arial" pitchFamily="34" charset="0"/>
-              <a:buChar char="•"/>
-              <a:tabLst/>
-              <a:defRPr/>
+            <a:r>
+              <a:rPr lang="pt-BR" dirty="0" smtClean="0"/>
+              <a:t>São conhecidos como jogos </a:t>
+            </a:r>
+            <a:r>
+              <a:rPr lang="pt-BR" dirty="0" err="1" smtClean="0"/>
+              <a:t>eletronicos</a:t>
+            </a:r>
+            <a:r>
+              <a:rPr lang="pt-BR" baseline="0" dirty="0" smtClean="0"/>
+              <a:t>, são </a:t>
+            </a:r>
+            <a:r>
+              <a:rPr lang="pt-BR" sz="1200" dirty="0" smtClean="0"/>
+              <a:t>construídos com suporte tecnológico ou computacional</a:t>
+            </a:r>
+            <a:r>
+              <a:rPr lang="pt-BR" baseline="0" dirty="0" smtClean="0"/>
+              <a:t> e com a interação do jogador com a maquina.</a:t>
+            </a:r>
+          </a:p>
+          <a:p>
+            <a:pPr marL="171450" indent="-171450">
+              <a:buFontTx/>
+              <a:buChar char="-"/>
             </a:pPr>
             <a:r>
-              <a:rPr lang="pt-BR" sz="1200" dirty="0" smtClean="0"/>
-              <a:t>Ensino de assuntos difíceis de forma prazerosa</a:t>
-            </a:r>
-          </a:p>
-          <a:p>
-            <a:pPr marL="171450" marR="0" indent="-171450" algn="l" defTabSz="914400" rtl="0" eaLnBrk="1" fontAlgn="auto" latinLnBrk="0" hangingPunct="1">
-              <a:lnSpc>
-                <a:spcPct val="100000"/>
-              </a:lnSpc>
-              <a:spcBef>
-                <a:spcPts val="0"/>
-              </a:spcBef>
-              <a:spcAft>
-                <a:spcPts val="0"/>
-              </a:spcAft>
-              <a:buClrTx/>
-              <a:buSzTx/>
-              <a:buFont typeface="Arial" pitchFamily="34" charset="0"/>
-              <a:buChar char="•"/>
-              <a:tabLst/>
-              <a:defRPr/>
+              <a:rPr lang="pt-BR" baseline="0" dirty="0" smtClean="0"/>
+              <a:t>São classificação </a:t>
+            </a:r>
+            <a:r>
+              <a:rPr lang="pt-BR" baseline="0" dirty="0" err="1" smtClean="0"/>
+              <a:t>Acão</a:t>
+            </a:r>
+            <a:r>
+              <a:rPr lang="pt-BR" baseline="0" dirty="0" smtClean="0"/>
+              <a:t>, aventura, </a:t>
+            </a:r>
+            <a:r>
+              <a:rPr lang="pt-BR" baseline="0" dirty="0" err="1" smtClean="0"/>
+              <a:t>rpg</a:t>
+            </a:r>
+            <a:r>
+              <a:rPr lang="pt-BR" baseline="0" dirty="0" smtClean="0"/>
+              <a:t>, simulação, </a:t>
+            </a:r>
+            <a:r>
+              <a:rPr lang="pt-BR" baseline="0" dirty="0" err="1" smtClean="0"/>
+              <a:t>estrategia</a:t>
+            </a:r>
+            <a:r>
+              <a:rPr lang="pt-BR" baseline="0" dirty="0" smtClean="0"/>
+              <a:t>.</a:t>
+            </a:r>
+          </a:p>
+          <a:p>
+            <a:pPr marL="171450" indent="-171450">
+              <a:buFontTx/>
+              <a:buChar char="-"/>
             </a:pPr>
             <a:r>
-              <a:rPr lang="pt-BR" sz="1200" dirty="0" smtClean="0"/>
-              <a:t>Diminuição dos custos e elevação do conhecimento</a:t>
-            </a:r>
-          </a:p>
-          <a:p>
-            <a:pPr marL="171450" marR="0" indent="-171450" algn="l" defTabSz="914400" rtl="0" eaLnBrk="1" fontAlgn="auto" latinLnBrk="0" hangingPunct="1">
-              <a:lnSpc>
-                <a:spcPct val="100000"/>
-              </a:lnSpc>
-              <a:spcBef>
-                <a:spcPts val="0"/>
-              </a:spcBef>
-              <a:spcAft>
-                <a:spcPts val="0"/>
-              </a:spcAft>
-              <a:buClrTx/>
-              <a:buSzTx/>
-              <a:buFont typeface="Arial" pitchFamily="34" charset="0"/>
-              <a:buChar char="•"/>
-              <a:tabLst/>
-              <a:defRPr/>
-            </a:pPr>
-            <a:endParaRPr lang="pt-BR" sz="1200" dirty="0" smtClean="0"/>
-          </a:p>
-          <a:p>
+              <a:rPr lang="pt-BR" baseline="0" dirty="0" err="1" smtClean="0"/>
+              <a:t>Engines</a:t>
+            </a:r>
+            <a:r>
+              <a:rPr lang="pt-BR" baseline="0" dirty="0" smtClean="0"/>
+              <a:t>  são </a:t>
+            </a:r>
+            <a:r>
+              <a:rPr lang="pt-BR" baseline="0" dirty="0" err="1" smtClean="0"/>
+              <a:t>modulos</a:t>
+            </a:r>
+            <a:r>
+              <a:rPr lang="pt-BR" baseline="0" dirty="0" smtClean="0"/>
+              <a:t> que tem </a:t>
+            </a:r>
+            <a:r>
+              <a:rPr lang="pt-BR" baseline="0" dirty="0" err="1" smtClean="0"/>
+              <a:t>funcões</a:t>
+            </a:r>
+            <a:r>
+              <a:rPr lang="pt-BR" baseline="0" dirty="0" smtClean="0"/>
+              <a:t> especificas </a:t>
+            </a:r>
+            <a:r>
+              <a:rPr lang="pt-BR" sz="1200" kern="1200" dirty="0" smtClean="0">
+                <a:solidFill>
+                  <a:schemeClr val="tx1"/>
+                </a:solidFill>
+                <a:effectLst/>
+                <a:latin typeface="+mn-lt"/>
+                <a:ea typeface="+mn-ea"/>
+                <a:cs typeface="+mn-cs"/>
+              </a:rPr>
+              <a:t>contemplam computação gráfica, inteligência artificial, sonorização.</a:t>
+            </a:r>
             <a:endParaRPr lang="pt-BR" dirty="0"/>
           </a:p>
         </p:txBody>
@@ -612,7 +646,8 @@
           <a:p>
             <a:fld id="{530C4847-FAA1-4AA7-B363-411CE4C88175}" type="slidenum">
               <a:rPr lang="pt-BR" smtClean="0"/>
-              <a:t>9</a:t>
+              <a:pPr/>
+              <a:t>8</a:t>
             </a:fld>
             <a:endParaRPr lang="pt-BR"/>
           </a:p>
@@ -621,7 +656,7 @@
     </p:spTree>
     <p:extLst>
       <p:ext uri="{BB962C8B-B14F-4D97-AF65-F5344CB8AC3E}">
-        <p14:creationId xmlns:p14="http://schemas.microsoft.com/office/powerpoint/2010/main" val="3442648999"/>
+        <p14:creationId xmlns:p14="http://schemas.microsoft.com/office/powerpoint/2010/main" val="3572184555"/>
       </p:ext>
     </p:extLst>
   </p:cSld>
@@ -675,7 +710,7 @@
           <a:bodyPr/>
           <a:lstStyle/>
           <a:p>
-            <a:pPr marL="0" marR="0" indent="0" algn="l" defTabSz="914400" rtl="0" eaLnBrk="1" fontAlgn="auto" latinLnBrk="0" hangingPunct="1">
+            <a:pPr marL="171450" marR="0" indent="-171450" algn="l" defTabSz="914400" rtl="0" eaLnBrk="1" fontAlgn="auto" latinLnBrk="0" hangingPunct="1">
               <a:lnSpc>
                 <a:spcPct val="100000"/>
               </a:lnSpc>
@@ -687,15 +722,58 @@
               </a:spcAft>
               <a:buClrTx/>
               <a:buSzTx/>
-              <a:buFontTx/>
-              <a:buNone/>
+              <a:buFont typeface="Arial" pitchFamily="34" charset="0"/>
+              <a:buChar char="•"/>
               <a:tabLst/>
               <a:defRPr/>
             </a:pPr>
             <a:r>
               <a:rPr lang="pt-BR" sz="1200" dirty="0" smtClean="0"/>
-              <a:t>Aplicações na resolução de problemas, planejamento de rotas, controle de personagens, ...</a:t>
-            </a:r>
+              <a:t>Ensino de assuntos difíceis de forma prazerosa</a:t>
+            </a:r>
+          </a:p>
+          <a:p>
+            <a:pPr marL="171450" marR="0" indent="-171450" algn="l" defTabSz="914400" rtl="0" eaLnBrk="1" fontAlgn="auto" latinLnBrk="0" hangingPunct="1">
+              <a:lnSpc>
+                <a:spcPct val="100000"/>
+              </a:lnSpc>
+              <a:spcBef>
+                <a:spcPts val="0"/>
+              </a:spcBef>
+              <a:spcAft>
+                <a:spcPts val="0"/>
+              </a:spcAft>
+              <a:buClrTx/>
+              <a:buSzTx/>
+              <a:buFont typeface="Arial" pitchFamily="34" charset="0"/>
+              <a:buChar char="•"/>
+              <a:tabLst/>
+              <a:defRPr/>
+            </a:pPr>
+            <a:r>
+              <a:rPr lang="pt-BR" sz="1200" dirty="0" smtClean="0"/>
+              <a:t>Diminuição dos custos e elevação do conhecimento</a:t>
+            </a:r>
+          </a:p>
+          <a:p>
+            <a:pPr marL="171450" marR="0" indent="-171450" algn="l" defTabSz="914400" rtl="0" eaLnBrk="1" fontAlgn="auto" latinLnBrk="0" hangingPunct="1">
+              <a:lnSpc>
+                <a:spcPct val="100000"/>
+              </a:lnSpc>
+              <a:spcBef>
+                <a:spcPts val="0"/>
+              </a:spcBef>
+              <a:spcAft>
+                <a:spcPts val="0"/>
+              </a:spcAft>
+              <a:buClrTx/>
+              <a:buSzTx/>
+              <a:buFont typeface="Arial" pitchFamily="34" charset="0"/>
+              <a:buChar char="•"/>
+              <a:tabLst/>
+              <a:defRPr/>
+            </a:pPr>
+            <a:endParaRPr lang="pt-BR" sz="1200" dirty="0" smtClean="0"/>
           </a:p>
           <a:p>
             <a:endParaRPr lang="pt-BR" dirty="0"/>
@@ -719,7 +797,8 @@
           <a:p>
             <a:fld id="{530C4847-FAA1-4AA7-B363-411CE4C88175}" type="slidenum">
               <a:rPr lang="pt-BR" smtClean="0"/>
-              <a:t>10</a:t>
+              <a:pPr/>
+              <a:t>9</a:t>
             </a:fld>
             <a:endParaRPr lang="pt-BR"/>
           </a:p>
@@ -728,7 +807,7 @@
     </p:spTree>
     <p:extLst>
       <p:ext uri="{BB962C8B-B14F-4D97-AF65-F5344CB8AC3E}">
-        <p14:creationId xmlns:p14="http://schemas.microsoft.com/office/powerpoint/2010/main" val="2992725384"/>
+        <p14:creationId xmlns:p14="http://schemas.microsoft.com/office/powerpoint/2010/main" val="3442648999"/>
       </p:ext>
     </p:extLst>
   </p:cSld>
@@ -784,17 +863,223 @@
           <a:p>
             <a:r>
               <a:rPr lang="pt-BR" dirty="0" smtClean="0"/>
-              <a:t>- Com cores bem vivas</a:t>
-            </a:r>
-            <a:r>
-              <a:rPr lang="pt-BR" baseline="0" dirty="0" smtClean="0"/>
-              <a:t> para chamar a atenção do jogador</a:t>
-            </a:r>
-          </a:p>
-          <a:p>
-            <a:r>
-              <a:rPr lang="pt-BR" baseline="0" dirty="0" smtClean="0"/>
-              <a:t>- Todas as fases e interfaces do jogo herdam da classe “</a:t>
+              <a:t>Conceito = teve </a:t>
+            </a:r>
+            <a:r>
+              <a:rPr lang="pt-BR" sz="1200" kern="1200" dirty="0" smtClean="0">
+                <a:solidFill>
+                  <a:schemeClr val="tx1"/>
+                </a:solidFill>
+                <a:effectLst/>
+                <a:latin typeface="+mn-lt"/>
+                <a:ea typeface="+mn-ea"/>
+                <a:cs typeface="+mn-cs"/>
+              </a:rPr>
+              <a:t>como o foco o aprendizado</a:t>
+            </a:r>
+            <a:r>
+              <a:rPr lang="pt-BR" sz="1200" kern="1200" baseline="0" dirty="0" smtClean="0">
+                <a:solidFill>
+                  <a:schemeClr val="tx1"/>
+                </a:solidFill>
+                <a:effectLst/>
+                <a:latin typeface="+mn-lt"/>
+                <a:ea typeface="+mn-ea"/>
+                <a:cs typeface="+mn-cs"/>
+              </a:rPr>
+              <a:t> e resultado o TCC.</a:t>
+            </a:r>
+          </a:p>
+          <a:p>
+            <a:r>
+              <a:rPr lang="pt-BR" sz="1200" kern="1200" baseline="0" dirty="0" err="1" smtClean="0">
+                <a:solidFill>
+                  <a:schemeClr val="tx1"/>
+                </a:solidFill>
+                <a:effectLst/>
+                <a:latin typeface="+mn-lt"/>
+                <a:ea typeface="+mn-ea"/>
+                <a:cs typeface="+mn-cs"/>
+              </a:rPr>
+              <a:t>Caracteristica</a:t>
+            </a:r>
+            <a:r>
+              <a:rPr lang="pt-BR" sz="1200" kern="1200" baseline="0" dirty="0" smtClean="0">
+                <a:solidFill>
+                  <a:schemeClr val="tx1"/>
+                </a:solidFill>
+                <a:effectLst/>
+                <a:latin typeface="+mn-lt"/>
+                <a:ea typeface="+mn-ea"/>
+                <a:cs typeface="+mn-cs"/>
+              </a:rPr>
+              <a:t> </a:t>
+            </a:r>
+          </a:p>
+          <a:p>
+            <a:r>
+              <a:rPr lang="pt-BR" sz="1200" dirty="0" smtClean="0"/>
+              <a:t>visual e estilo lembra</a:t>
+            </a:r>
+            <a:r>
+              <a:rPr lang="pt-BR" sz="1200" baseline="0" dirty="0" smtClean="0"/>
+              <a:t> o jogo </a:t>
+            </a:r>
+            <a:r>
+              <a:rPr lang="pt-BR" sz="1200" baseline="0" dirty="0" err="1" smtClean="0"/>
+              <a:t>pacman</a:t>
+            </a:r>
+            <a:r>
+              <a:rPr lang="pt-BR" sz="1200" baseline="0" dirty="0" smtClean="0"/>
+              <a:t>.</a:t>
+            </a:r>
+          </a:p>
+          <a:p>
+            <a:r>
+              <a:rPr lang="pt-BR" sz="1200" kern="1200" baseline="0" dirty="0" smtClean="0">
+                <a:solidFill>
+                  <a:schemeClr val="tx1"/>
+                </a:solidFill>
+                <a:effectLst/>
+                <a:latin typeface="+mn-lt"/>
+                <a:ea typeface="+mn-ea"/>
+                <a:cs typeface="+mn-cs"/>
+              </a:rPr>
+              <a:t>Objetos = personagens, alimentos.</a:t>
+            </a:r>
+          </a:p>
+          <a:p>
+            <a:r>
+              <a:rPr lang="pt-BR" sz="1200" kern="1200" baseline="0" dirty="0" smtClean="0">
+                <a:solidFill>
+                  <a:schemeClr val="tx1"/>
+                </a:solidFill>
+                <a:effectLst/>
+                <a:latin typeface="+mn-lt"/>
+                <a:ea typeface="+mn-ea"/>
+                <a:cs typeface="+mn-cs"/>
+              </a:rPr>
+              <a:t>NPCS = personagens muda com relação ao </a:t>
+            </a:r>
+            <a:r>
+              <a:rPr lang="pt-BR" sz="1200" kern="1200" baseline="0" dirty="0" err="1" smtClean="0">
+                <a:solidFill>
+                  <a:schemeClr val="tx1"/>
+                </a:solidFill>
+                <a:effectLst/>
+                <a:latin typeface="+mn-lt"/>
+                <a:ea typeface="+mn-ea"/>
+                <a:cs typeface="+mn-cs"/>
+              </a:rPr>
+              <a:t>nivel</a:t>
+            </a:r>
+            <a:r>
+              <a:rPr lang="pt-BR" sz="1200" kern="1200" baseline="0" dirty="0" smtClean="0">
+                <a:solidFill>
+                  <a:schemeClr val="tx1"/>
+                </a:solidFill>
+                <a:effectLst/>
+                <a:latin typeface="+mn-lt"/>
+                <a:ea typeface="+mn-ea"/>
+                <a:cs typeface="+mn-cs"/>
+              </a:rPr>
+              <a:t> e a movimentação A* sempre procurando o melhor caminho.</a:t>
+            </a:r>
+          </a:p>
+        </p:txBody>
+      </p:sp>
+      <p:sp>
+        <p:nvSpPr>
+          <p:cNvPr id="4" name="Espaço Reservado para Número de Slide 3"/>
+          <p:cNvSpPr>
+            <a:spLocks noGrp="1"/>
+          </p:cNvSpPr>
+          <p:nvPr>
+            <p:ph type="sldNum" sz="quarter" idx="10"/>
+          </p:nvPr>
+        </p:nvSpPr>
+        <p:spPr/>
+        <p:txBody>
+          <a:bodyPr/>
+          <a:lstStyle/>
+          <a:p>
+            <a:fld id="{530C4847-FAA1-4AA7-B363-411CE4C88175}" type="slidenum">
+              <a:rPr lang="pt-BR" smtClean="0"/>
+              <a:pPr/>
+              <a:t>10</a:t>
+            </a:fld>
+            <a:endParaRPr lang="pt-BR"/>
+          </a:p>
+        </p:txBody>
+      </p:sp>
+    </p:spTree>
+    <p:extLst>
+      <p:ext uri="{BB962C8B-B14F-4D97-AF65-F5344CB8AC3E}">
+        <p14:creationId xmlns:p14="http://schemas.microsoft.com/office/powerpoint/2010/main" val="836071005"/>
+      </p:ext>
+    </p:extLst>
+  </p:cSld>
+  <p:clrMapOvr>
+    <a:masterClrMapping/>
+  </p:clrMapOvr>
+</p:notes>
+</file>
+
+<file path=ppt/notesSlides/notesSlide4.xml><?xml version="1.0" encoding="utf-8"?>
+<p:notes xmlns:a="http://schemas.openxmlformats.org/drawingml/2006/main" xmlns:r="http://schemas.openxmlformats.org/officeDocument/2006/relationships" xmlns:p="http://schemas.openxmlformats.org/presentationml/2006/main">
+  <p:cSld>
+    <p:spTree>
+      <p:nvGrpSpPr>
+        <p:cNvPr id="1" name=""/>
+        <p:cNvGrpSpPr/>
+        <p:nvPr/>
+      </p:nvGrpSpPr>
+      <p:grpSpPr>
+        <a:xfrm>
+          <a:off x="0" y="0"/>
+          <a:ext cx="0" cy="0"/>
+          <a:chOff x="0" y="0"/>
+          <a:chExt cx="0" cy="0"/>
+        </a:xfrm>
+      </p:grpSpPr>
+      <p:sp>
+        <p:nvSpPr>
+          <p:cNvPr id="2" name="Espaço Reservado para Imagem de Slide 1"/>
+          <p:cNvSpPr>
+            <a:spLocks noGrp="1" noRot="1" noChangeAspect="1"/>
+          </p:cNvSpPr>
+          <p:nvPr>
+            <p:ph type="sldImg"/>
+          </p:nvPr>
+        </p:nvSpPr>
+        <p:spPr/>
+      </p:sp>
+      <p:sp>
+        <p:nvSpPr>
+          <p:cNvPr id="3" name="Espaço Reservado para Anotações 2"/>
+          <p:cNvSpPr>
+            <a:spLocks noGrp="1"/>
+          </p:cNvSpPr>
+          <p:nvPr>
+            <p:ph type="body" idx="1"/>
+          </p:nvPr>
+        </p:nvSpPr>
+        <p:spPr/>
+        <p:txBody>
+          <a:bodyPr/>
+          <a:lstStyle/>
+          <a:p>
+            <a:r>
+              <a:rPr lang="pt-BR" sz="1200" kern="1200" dirty="0" smtClean="0">
+                <a:solidFill>
+                  <a:schemeClr val="tx1"/>
+                </a:solidFill>
+                <a:effectLst/>
+                <a:latin typeface="+mn-lt"/>
+                <a:ea typeface="+mn-ea"/>
+                <a:cs typeface="+mn-cs"/>
+              </a:rPr>
+              <a:t>As classes de menu e as de fases são especializações da classe “</a:t>
             </a:r>
             <a:r>
               <a:rPr lang="pt-BR" sz="1200" kern="1200" dirty="0" err="1" smtClean="0">
@@ -809,6 +1094,167 @@
               <a:t>GameCanvas</a:t>
             </a:r>
             <a:r>
+              <a:rPr lang="pt-BR" sz="1200" kern="1200" dirty="0" smtClean="0">
+                <a:solidFill>
+                  <a:schemeClr val="tx1"/>
+                </a:solidFill>
+                <a:effectLst/>
+                <a:latin typeface="+mn-lt"/>
+                <a:ea typeface="+mn-ea"/>
+                <a:cs typeface="+mn-cs"/>
+              </a:rPr>
+              <a:t>” .</a:t>
+            </a:r>
+          </a:p>
+          <a:p>
+            <a:r>
+              <a:rPr lang="pt-BR" sz="1200" kern="1200" dirty="0" smtClean="0">
+                <a:solidFill>
+                  <a:schemeClr val="tx1"/>
+                </a:solidFill>
+                <a:effectLst/>
+                <a:latin typeface="+mn-lt"/>
+                <a:ea typeface="+mn-ea"/>
+                <a:cs typeface="+mn-cs"/>
+              </a:rPr>
+              <a:t>“</a:t>
+            </a:r>
+            <a:r>
+              <a:rPr lang="pt-BR" sz="1200" kern="1200" dirty="0" err="1" smtClean="0">
+                <a:solidFill>
+                  <a:schemeClr val="tx1"/>
+                </a:solidFill>
+                <a:effectLst/>
+                <a:latin typeface="+mn-lt"/>
+                <a:ea typeface="+mn-ea"/>
+                <a:cs typeface="+mn-cs"/>
+              </a:rPr>
+              <a:t>GameCanvas</a:t>
+            </a:r>
+            <a:r>
+              <a:rPr lang="pt-BR" sz="1200" kern="1200" dirty="0" smtClean="0">
+                <a:solidFill>
+                  <a:schemeClr val="tx1"/>
+                </a:solidFill>
+                <a:effectLst/>
+                <a:latin typeface="+mn-lt"/>
+                <a:ea typeface="+mn-ea"/>
+                <a:cs typeface="+mn-cs"/>
+              </a:rPr>
+              <a:t>”, onde são armazenados todas as fases  e os  menus no jogo.</a:t>
+            </a:r>
+            <a:endParaRPr lang="pt-BR" dirty="0"/>
+          </a:p>
+        </p:txBody>
+      </p:sp>
+      <p:sp>
+        <p:nvSpPr>
+          <p:cNvPr id="4" name="Espaço Reservado para Número de Slide 3"/>
+          <p:cNvSpPr>
+            <a:spLocks noGrp="1"/>
+          </p:cNvSpPr>
+          <p:nvPr>
+            <p:ph type="sldNum" sz="quarter" idx="10"/>
+          </p:nvPr>
+        </p:nvSpPr>
+        <p:spPr/>
+        <p:txBody>
+          <a:bodyPr/>
+          <a:lstStyle/>
+          <a:p>
+            <a:fld id="{530C4847-FAA1-4AA7-B363-411CE4C88175}" type="slidenum">
+              <a:rPr lang="pt-BR" smtClean="0"/>
+              <a:pPr/>
+              <a:t>11</a:t>
+            </a:fld>
+            <a:endParaRPr lang="pt-BR"/>
+          </a:p>
+        </p:txBody>
+      </p:sp>
+    </p:spTree>
+    <p:extLst>
+      <p:ext uri="{BB962C8B-B14F-4D97-AF65-F5344CB8AC3E}">
+        <p14:creationId xmlns:p14="http://schemas.microsoft.com/office/powerpoint/2010/main" val="3454799671"/>
+      </p:ext>
+    </p:extLst>
+  </p:cSld>
+  <p:clrMapOvr>
+    <a:masterClrMapping/>
+  </p:clrMapOvr>
+</p:notes>
+</file>
+
+<file path=ppt/notesSlides/notesSlide5.xml><?xml version="1.0" encoding="utf-8"?>
+<p:notes xmlns:a="http://schemas.openxmlformats.org/drawingml/2006/main" xmlns:r="http://schemas.openxmlformats.org/officeDocument/2006/relationships" xmlns:p="http://schemas.openxmlformats.org/presentationml/2006/main">
+  <p:cSld>
+    <p:spTree>
+      <p:nvGrpSpPr>
+        <p:cNvPr id="1" name=""/>
+        <p:cNvGrpSpPr/>
+        <p:nvPr/>
+      </p:nvGrpSpPr>
+      <p:grpSpPr>
+        <a:xfrm>
+          <a:off x="0" y="0"/>
+          <a:ext cx="0" cy="0"/>
+          <a:chOff x="0" y="0"/>
+          <a:chExt cx="0" cy="0"/>
+        </a:xfrm>
+      </p:grpSpPr>
+      <p:sp>
+        <p:nvSpPr>
+          <p:cNvPr id="2" name="Espaço Reservado para Imagem de Slide 1"/>
+          <p:cNvSpPr>
+            <a:spLocks noGrp="1" noRot="1" noChangeAspect="1"/>
+          </p:cNvSpPr>
+          <p:nvPr>
+            <p:ph type="sldImg"/>
+          </p:nvPr>
+        </p:nvSpPr>
+        <p:spPr/>
+      </p:sp>
+      <p:sp>
+        <p:nvSpPr>
+          <p:cNvPr id="3" name="Espaço Reservado para Anotações 2"/>
+          <p:cNvSpPr>
+            <a:spLocks noGrp="1"/>
+          </p:cNvSpPr>
+          <p:nvPr>
+            <p:ph type="body" idx="1"/>
+          </p:nvPr>
+        </p:nvSpPr>
+        <p:spPr/>
+        <p:txBody>
+          <a:bodyPr/>
+          <a:lstStyle/>
+          <a:p>
+            <a:r>
+              <a:rPr lang="pt-BR" dirty="0" smtClean="0"/>
+              <a:t>- Com cores bem vivas</a:t>
+            </a:r>
+            <a:r>
+              <a:rPr lang="pt-BR" baseline="0" dirty="0" smtClean="0"/>
+              <a:t> para chamar a atenção do jogador</a:t>
+            </a:r>
+          </a:p>
+          <a:p>
+            <a:r>
+              <a:rPr lang="pt-BR" baseline="0" dirty="0" smtClean="0"/>
+              <a:t>- Todas as fases e interfaces do jogo herdam da classe “</a:t>
+            </a:r>
+            <a:r>
+              <a:rPr lang="pt-BR" sz="1200" kern="1200" dirty="0" err="1" smtClean="0">
+                <a:solidFill>
+                  <a:schemeClr val="tx1"/>
+                </a:solidFill>
+                <a:effectLst/>
+                <a:latin typeface="+mn-lt"/>
+                <a:ea typeface="+mn-ea"/>
+                <a:cs typeface="+mn-cs"/>
+              </a:rPr>
+              <a:t>GameCanvas</a:t>
+            </a:r>
+            <a:r>
               <a:rPr lang="pt-BR" baseline="0" dirty="0" smtClean="0"/>
               <a:t>”</a:t>
             </a:r>
@@ -833,7 +1279,8 @@
           <a:p>
             <a:fld id="{530C4847-FAA1-4AA7-B363-411CE4C88175}" type="slidenum">
               <a:rPr lang="pt-BR" smtClean="0"/>
-              <a:t>14</a:t>
+              <a:pPr/>
+              <a:t>12</a:t>
             </a:fld>
             <a:endParaRPr lang="pt-BR"/>
           </a:p>
@@ -843,6 +1290,415 @@
     <p:extLst>
       <p:ext uri="{BB962C8B-B14F-4D97-AF65-F5344CB8AC3E}">
         <p14:creationId xmlns:p14="http://schemas.microsoft.com/office/powerpoint/2010/main" val="600041335"/>
+      </p:ext>
+    </p:extLst>
+  </p:cSld>
+  <p:clrMapOvr>
+    <a:masterClrMapping/>
+  </p:clrMapOvr>
+</p:notes>
+</file>
+
+<file path=ppt/notesSlides/notesSlide6.xml><?xml version="1.0" encoding="utf-8"?>
+<p:notes xmlns:a="http://schemas.openxmlformats.org/drawingml/2006/main" xmlns:r="http://schemas.openxmlformats.org/officeDocument/2006/relationships" xmlns:p="http://schemas.openxmlformats.org/presentationml/2006/main">
+  <p:cSld>
+    <p:spTree>
+      <p:nvGrpSpPr>
+        <p:cNvPr id="1" name=""/>
+        <p:cNvGrpSpPr/>
+        <p:nvPr/>
+      </p:nvGrpSpPr>
+      <p:grpSpPr>
+        <a:xfrm>
+          <a:off x="0" y="0"/>
+          <a:ext cx="0" cy="0"/>
+          <a:chOff x="0" y="0"/>
+          <a:chExt cx="0" cy="0"/>
+        </a:xfrm>
+      </p:grpSpPr>
+      <p:sp>
+        <p:nvSpPr>
+          <p:cNvPr id="2" name="Espaço Reservado para Imagem de Slide 1"/>
+          <p:cNvSpPr>
+            <a:spLocks noGrp="1" noRot="1" noChangeAspect="1"/>
+          </p:cNvSpPr>
+          <p:nvPr>
+            <p:ph type="sldImg"/>
+          </p:nvPr>
+        </p:nvSpPr>
+        <p:spPr/>
+      </p:sp>
+      <p:sp>
+        <p:nvSpPr>
+          <p:cNvPr id="3" name="Espaço Reservado para Anotações 2"/>
+          <p:cNvSpPr>
+            <a:spLocks noGrp="1"/>
+          </p:cNvSpPr>
+          <p:nvPr>
+            <p:ph type="body" idx="1"/>
+          </p:nvPr>
+        </p:nvSpPr>
+        <p:spPr/>
+        <p:txBody>
+          <a:bodyPr/>
+          <a:lstStyle/>
+          <a:p>
+            <a:r>
+              <a:rPr lang="pt-BR" dirty="0" smtClean="0"/>
+              <a:t>- Com cores bem vivas</a:t>
+            </a:r>
+            <a:r>
+              <a:rPr lang="pt-BR" baseline="0" dirty="0" smtClean="0"/>
+              <a:t> para chamar a atenção do jogador</a:t>
+            </a:r>
+          </a:p>
+          <a:p>
+            <a:r>
+              <a:rPr lang="pt-BR" baseline="0" dirty="0" smtClean="0"/>
+              <a:t>- Todas as fases e interfaces do jogo herdam da classe “</a:t>
+            </a:r>
+            <a:r>
+              <a:rPr lang="pt-BR" sz="1200" kern="1200" dirty="0" err="1" smtClean="0">
+                <a:solidFill>
+                  <a:schemeClr val="tx1"/>
+                </a:solidFill>
+                <a:effectLst/>
+                <a:latin typeface="+mn-lt"/>
+                <a:ea typeface="+mn-ea"/>
+                <a:cs typeface="+mn-cs"/>
+              </a:rPr>
+              <a:t>GameCanvas</a:t>
+            </a:r>
+            <a:r>
+              <a:rPr lang="pt-BR" baseline="0" dirty="0" smtClean="0"/>
+              <a:t>”</a:t>
+            </a:r>
+            <a:endParaRPr lang="pt-BR" dirty="0"/>
+          </a:p>
+        </p:txBody>
+      </p:sp>
+      <p:sp>
+        <p:nvSpPr>
+          <p:cNvPr id="4" name="Espaço Reservado para Número de Slide 3"/>
+          <p:cNvSpPr>
+            <a:spLocks noGrp="1"/>
+          </p:cNvSpPr>
+          <p:nvPr>
+            <p:ph type="sldNum" sz="quarter" idx="10"/>
+          </p:nvPr>
+        </p:nvSpPr>
+        <p:spPr/>
+        <p:txBody>
+          <a:bodyPr/>
+          <a:lstStyle/>
+          <a:p>
+            <a:fld id="{530C4847-FAA1-4AA7-B363-411CE4C88175}" type="slidenum">
+              <a:rPr lang="pt-BR" smtClean="0"/>
+              <a:pPr/>
+              <a:t>13</a:t>
+            </a:fld>
+            <a:endParaRPr lang="pt-BR"/>
+          </a:p>
+        </p:txBody>
+      </p:sp>
+    </p:spTree>
+    <p:extLst>
+      <p:ext uri="{BB962C8B-B14F-4D97-AF65-F5344CB8AC3E}">
+        <p14:creationId xmlns:p14="http://schemas.microsoft.com/office/powerpoint/2010/main" val="600041335"/>
+      </p:ext>
+    </p:extLst>
+  </p:cSld>
+  <p:clrMapOvr>
+    <a:masterClrMapping/>
+  </p:clrMapOvr>
+</p:notes>
+</file>
+
+<file path=ppt/notesSlides/notesSlide7.xml><?xml version="1.0" encoding="utf-8"?>
+<p:notes xmlns:a="http://schemas.openxmlformats.org/drawingml/2006/main" xmlns:r="http://schemas.openxmlformats.org/officeDocument/2006/relationships" xmlns:p="http://schemas.openxmlformats.org/presentationml/2006/main">
+  <p:cSld>
+    <p:spTree>
+      <p:nvGrpSpPr>
+        <p:cNvPr id="1" name=""/>
+        <p:cNvGrpSpPr/>
+        <p:nvPr/>
+      </p:nvGrpSpPr>
+      <p:grpSpPr>
+        <a:xfrm>
+          <a:off x="0" y="0"/>
+          <a:ext cx="0" cy="0"/>
+          <a:chOff x="0" y="0"/>
+          <a:chExt cx="0" cy="0"/>
+        </a:xfrm>
+      </p:grpSpPr>
+      <p:sp>
+        <p:nvSpPr>
+          <p:cNvPr id="2" name="Espaço Reservado para Imagem de Slide 1"/>
+          <p:cNvSpPr>
+            <a:spLocks noGrp="1" noRot="1" noChangeAspect="1"/>
+          </p:cNvSpPr>
+          <p:nvPr>
+            <p:ph type="sldImg"/>
+          </p:nvPr>
+        </p:nvSpPr>
+        <p:spPr/>
+      </p:sp>
+      <p:sp>
+        <p:nvSpPr>
+          <p:cNvPr id="3" name="Espaço Reservado para Anotações 2"/>
+          <p:cNvSpPr>
+            <a:spLocks noGrp="1"/>
+          </p:cNvSpPr>
+          <p:nvPr>
+            <p:ph type="body" idx="1"/>
+          </p:nvPr>
+        </p:nvSpPr>
+        <p:spPr/>
+        <p:txBody>
+          <a:bodyPr/>
+          <a:lstStyle/>
+          <a:p>
+            <a:endParaRPr lang="pt-BR" dirty="0"/>
+          </a:p>
+        </p:txBody>
+      </p:sp>
+      <p:sp>
+        <p:nvSpPr>
+          <p:cNvPr id="4" name="Espaço Reservado para Número de Slide 3"/>
+          <p:cNvSpPr>
+            <a:spLocks noGrp="1"/>
+          </p:cNvSpPr>
+          <p:nvPr>
+            <p:ph type="sldNum" sz="quarter" idx="10"/>
+          </p:nvPr>
+        </p:nvSpPr>
+        <p:spPr/>
+        <p:txBody>
+          <a:bodyPr/>
+          <a:lstStyle/>
+          <a:p>
+            <a:fld id="{530C4847-FAA1-4AA7-B363-411CE4C88175}" type="slidenum">
+              <a:rPr lang="pt-BR" smtClean="0"/>
+              <a:pPr/>
+              <a:t>21</a:t>
+            </a:fld>
+            <a:endParaRPr lang="pt-BR"/>
+          </a:p>
+        </p:txBody>
+      </p:sp>
+    </p:spTree>
+    <p:extLst>
+      <p:ext uri="{BB962C8B-B14F-4D97-AF65-F5344CB8AC3E}">
+        <p14:creationId xmlns:p14="http://schemas.microsoft.com/office/powerpoint/2010/main" val="4046861234"/>
+      </p:ext>
+    </p:extLst>
+  </p:cSld>
+  <p:clrMapOvr>
+    <a:masterClrMapping/>
+  </p:clrMapOvr>
+</p:notes>
+</file>
+
+<file path=ppt/notesSlides/notesSlide8.xml><?xml version="1.0" encoding="utf-8"?>
+<p:notes xmlns:a="http://schemas.openxmlformats.org/drawingml/2006/main" xmlns:r="http://schemas.openxmlformats.org/officeDocument/2006/relationships" xmlns:p="http://schemas.openxmlformats.org/presentationml/2006/main">
+  <p:cSld>
+    <p:spTree>
+      <p:nvGrpSpPr>
+        <p:cNvPr id="1" name=""/>
+        <p:cNvGrpSpPr/>
+        <p:nvPr/>
+      </p:nvGrpSpPr>
+      <p:grpSpPr>
+        <a:xfrm>
+          <a:off x="0" y="0"/>
+          <a:ext cx="0" cy="0"/>
+          <a:chOff x="0" y="0"/>
+          <a:chExt cx="0" cy="0"/>
+        </a:xfrm>
+      </p:grpSpPr>
+      <p:sp>
+        <p:nvSpPr>
+          <p:cNvPr id="2" name="Espaço Reservado para Imagem de Slide 1"/>
+          <p:cNvSpPr>
+            <a:spLocks noGrp="1" noRot="1" noChangeAspect="1"/>
+          </p:cNvSpPr>
+          <p:nvPr>
+            <p:ph type="sldImg"/>
+          </p:nvPr>
+        </p:nvSpPr>
+        <p:spPr/>
+      </p:sp>
+      <p:sp>
+        <p:nvSpPr>
+          <p:cNvPr id="3" name="Espaço Reservado para Anotações 2"/>
+          <p:cNvSpPr>
+            <a:spLocks noGrp="1"/>
+          </p:cNvSpPr>
+          <p:nvPr>
+            <p:ph type="body" idx="1"/>
+          </p:nvPr>
+        </p:nvSpPr>
+        <p:spPr/>
+        <p:txBody>
+          <a:bodyPr/>
+          <a:lstStyle/>
+          <a:p>
+            <a:r>
+              <a:rPr lang="pt-BR" sz="1200" b="1" kern="1200" dirty="0" smtClean="0">
+                <a:solidFill>
+                  <a:schemeClr val="tx1"/>
+                </a:solidFill>
+                <a:effectLst/>
+                <a:latin typeface="+mn-lt"/>
+                <a:ea typeface="+mn-ea"/>
+                <a:cs typeface="+mn-cs"/>
+              </a:rPr>
+              <a:t>foram estudados conceitos e técnicas que aliam o aprendizado com a diversão.</a:t>
+            </a:r>
+          </a:p>
+          <a:p>
+            <a:r>
+              <a:rPr lang="pt-BR" sz="1200" b="1" kern="1200" dirty="0" smtClean="0">
+                <a:solidFill>
+                  <a:schemeClr val="tx1"/>
+                </a:solidFill>
+                <a:effectLst/>
+                <a:latin typeface="+mn-lt"/>
+                <a:ea typeface="+mn-ea"/>
+                <a:cs typeface="+mn-cs"/>
+              </a:rPr>
+              <a:t>Estimular os jogadores</a:t>
+            </a:r>
+            <a:r>
+              <a:rPr lang="pt-BR" sz="1200" b="1" kern="1200" baseline="0" dirty="0" smtClean="0">
+                <a:solidFill>
+                  <a:schemeClr val="tx1"/>
+                </a:solidFill>
+                <a:effectLst/>
+                <a:latin typeface="+mn-lt"/>
+                <a:ea typeface="+mn-ea"/>
+                <a:cs typeface="+mn-cs"/>
+              </a:rPr>
+              <a:t> </a:t>
+            </a:r>
+            <a:r>
+              <a:rPr lang="pt-BR" sz="1200" b="1" kern="1200" baseline="0" dirty="0" err="1" smtClean="0">
+                <a:solidFill>
+                  <a:schemeClr val="tx1"/>
+                </a:solidFill>
+                <a:effectLst/>
+                <a:latin typeface="+mn-lt"/>
+                <a:ea typeface="+mn-ea"/>
+                <a:cs typeface="+mn-cs"/>
+              </a:rPr>
+              <a:t>atraves</a:t>
+            </a:r>
+            <a:r>
+              <a:rPr lang="pt-BR" sz="1200" b="1" kern="1200" baseline="0" dirty="0" smtClean="0">
+                <a:solidFill>
+                  <a:schemeClr val="tx1"/>
+                </a:solidFill>
+                <a:effectLst/>
+                <a:latin typeface="+mn-lt"/>
+                <a:ea typeface="+mn-ea"/>
+                <a:cs typeface="+mn-cs"/>
+              </a:rPr>
+              <a:t> do uso da </a:t>
+            </a:r>
+            <a:r>
+              <a:rPr lang="pt-BR" sz="1200" b="1" kern="1200" baseline="0" dirty="0" err="1" smtClean="0">
+                <a:solidFill>
+                  <a:schemeClr val="tx1"/>
+                </a:solidFill>
+                <a:effectLst/>
+                <a:latin typeface="+mn-lt"/>
+                <a:ea typeface="+mn-ea"/>
+                <a:cs typeface="+mn-cs"/>
+              </a:rPr>
+              <a:t>inteligencia</a:t>
+            </a:r>
+            <a:r>
+              <a:rPr lang="pt-BR" sz="1200" b="1" kern="1200" baseline="0" dirty="0" smtClean="0">
+                <a:solidFill>
+                  <a:schemeClr val="tx1"/>
+                </a:solidFill>
+                <a:effectLst/>
+                <a:latin typeface="+mn-lt"/>
+                <a:ea typeface="+mn-ea"/>
+                <a:cs typeface="+mn-cs"/>
+              </a:rPr>
+              <a:t> artificial cores vivas.</a:t>
+            </a:r>
+          </a:p>
+          <a:p>
+            <a:r>
+              <a:rPr lang="pt-BR" sz="1200" b="1" kern="1200" baseline="0" dirty="0" smtClean="0">
+                <a:solidFill>
+                  <a:schemeClr val="tx1"/>
+                </a:solidFill>
+                <a:effectLst/>
+                <a:latin typeface="+mn-lt"/>
+                <a:ea typeface="+mn-ea"/>
+                <a:cs typeface="+mn-cs"/>
+              </a:rPr>
+              <a:t>Desafio Estimulo pra mim </a:t>
+            </a:r>
+            <a:r>
+              <a:rPr lang="pt-BR" sz="1200" b="1" kern="1200" baseline="0" dirty="0" err="1" smtClean="0">
+                <a:solidFill>
+                  <a:schemeClr val="tx1"/>
+                </a:solidFill>
+                <a:effectLst/>
+                <a:latin typeface="+mn-lt"/>
+                <a:ea typeface="+mn-ea"/>
+                <a:cs typeface="+mn-cs"/>
+              </a:rPr>
+              <a:t>area</a:t>
+            </a:r>
+            <a:r>
+              <a:rPr lang="pt-BR" sz="1200" b="1" kern="1200" baseline="0" dirty="0" smtClean="0">
+                <a:solidFill>
+                  <a:schemeClr val="tx1"/>
+                </a:solidFill>
+                <a:effectLst/>
+                <a:latin typeface="+mn-lt"/>
+                <a:ea typeface="+mn-ea"/>
+                <a:cs typeface="+mn-cs"/>
+              </a:rPr>
+              <a:t> nova que não sabia como funcionava.</a:t>
+            </a:r>
+            <a:endParaRPr lang="pt-BR" b="1" dirty="0"/>
+          </a:p>
+        </p:txBody>
+      </p:sp>
+      <p:sp>
+        <p:nvSpPr>
+          <p:cNvPr id="4" name="Espaço Reservado para Número de Slide 3"/>
+          <p:cNvSpPr>
+            <a:spLocks noGrp="1"/>
+          </p:cNvSpPr>
+          <p:nvPr>
+            <p:ph type="sldNum" sz="quarter" idx="10"/>
+          </p:nvPr>
+        </p:nvSpPr>
+        <p:spPr/>
+        <p:txBody>
+          <a:bodyPr/>
+          <a:lstStyle/>
+          <a:p>
+            <a:fld id="{530C4847-FAA1-4AA7-B363-411CE4C88175}" type="slidenum">
+              <a:rPr lang="pt-BR" smtClean="0"/>
+              <a:pPr/>
+              <a:t>22</a:t>
+            </a:fld>
+            <a:endParaRPr lang="pt-BR"/>
+          </a:p>
+        </p:txBody>
+      </p:sp>
+    </p:spTree>
+    <p:extLst>
+      <p:ext uri="{BB962C8B-B14F-4D97-AF65-F5344CB8AC3E}">
+        <p14:creationId xmlns:p14="http://schemas.microsoft.com/office/powerpoint/2010/main" val="2714978827"/>
       </p:ext>
     </p:extLst>
   </p:cSld>
@@ -1063,7 +1919,7 @@
             <a:fld id="{8B4871E2-8122-4BB0-BB9B-267F182E014E}" type="datetimeFigureOut">
               <a:rPr lang="pt-BR" smtClean="0"/>
               <a:pPr/>
-              <a:t>20/11/2012</a:t>
+              <a:t>23/11/2012</a:t>
             </a:fld>
             <a:endParaRPr lang="pt-BR"/>
           </a:p>
@@ -1251,7 +2107,7 @@
             <a:fld id="{8B4871E2-8122-4BB0-BB9B-267F182E014E}" type="datetimeFigureOut">
               <a:rPr lang="pt-BR" smtClean="0"/>
               <a:pPr/>
-              <a:t>20/11/2012</a:t>
+              <a:t>23/11/2012</a:t>
             </a:fld>
             <a:endParaRPr lang="pt-BR"/>
           </a:p>
@@ -1435,7 +2291,7 @@
             <a:fld id="{8B4871E2-8122-4BB0-BB9B-267F182E014E}" type="datetimeFigureOut">
               <a:rPr lang="pt-BR" smtClean="0"/>
               <a:pPr/>
-              <a:t>20/11/2012</a:t>
+              <a:t>23/11/2012</a:t>
             </a:fld>
             <a:endParaRPr lang="pt-BR"/>
           </a:p>
@@ -1630,7 +2486,7 @@
             <a:fld id="{8B4871E2-8122-4BB0-BB9B-267F182E014E}" type="datetimeFigureOut">
               <a:rPr lang="pt-BR" smtClean="0"/>
               <a:pPr/>
-              <a:t>20/11/2012</a:t>
+              <a:t>23/11/2012</a:t>
             </a:fld>
             <a:endParaRPr lang="pt-BR"/>
           </a:p>
@@ -1758,7 +2614,7 @@
             <a:fld id="{8B4871E2-8122-4BB0-BB9B-267F182E014E}" type="datetimeFigureOut">
               <a:rPr lang="pt-BR" smtClean="0"/>
               <a:pPr/>
-              <a:t>20/11/2012</a:t>
+              <a:t>23/11/2012</a:t>
             </a:fld>
             <a:endParaRPr lang="pt-BR"/>
           </a:p>
@@ -2149,7 +3005,7 @@
             <a:fld id="{8B4871E2-8122-4BB0-BB9B-267F182E014E}" type="datetimeFigureOut">
               <a:rPr lang="pt-BR" smtClean="0"/>
               <a:pPr/>
-              <a:t>20/11/2012</a:t>
+              <a:t>23/11/2012</a:t>
             </a:fld>
             <a:endParaRPr lang="pt-BR"/>
           </a:p>
@@ -2596,7 +3452,7 @@
             <a:fld id="{8B4871E2-8122-4BB0-BB9B-267F182E014E}" type="datetimeFigureOut">
               <a:rPr lang="pt-BR" smtClean="0"/>
               <a:pPr/>
-              <a:t>20/11/2012</a:t>
+              <a:t>23/11/2012</a:t>
             </a:fld>
             <a:endParaRPr lang="pt-BR"/>
           </a:p>
@@ -2723,7 +3579,7 @@
             <a:fld id="{8B4871E2-8122-4BB0-BB9B-267F182E014E}" type="datetimeFigureOut">
               <a:rPr lang="pt-BR" smtClean="0"/>
               <a:pPr/>
-              <a:t>20/11/2012</a:t>
+              <a:t>23/11/2012</a:t>
             </a:fld>
             <a:endParaRPr lang="pt-BR"/>
           </a:p>
@@ -2822,7 +3678,7 @@
             <a:fld id="{8B4871E2-8122-4BB0-BB9B-267F182E014E}" type="datetimeFigureOut">
               <a:rPr lang="pt-BR" smtClean="0"/>
               <a:pPr/>
-              <a:t>20/11/2012</a:t>
+              <a:t>23/11/2012</a:t>
             </a:fld>
             <a:endParaRPr lang="pt-BR"/>
           </a:p>
@@ -3115,7 +3971,7 @@
             <a:fld id="{8B4871E2-8122-4BB0-BB9B-267F182E014E}" type="datetimeFigureOut">
               <a:rPr lang="pt-BR" smtClean="0"/>
               <a:pPr/>
-              <a:t>20/11/2012</a:t>
+              <a:t>23/11/2012</a:t>
             </a:fld>
             <a:endParaRPr lang="pt-BR"/>
           </a:p>
@@ -3386,7 +4242,7 @@
             <a:fld id="{8B4871E2-8122-4BB0-BB9B-267F182E014E}" type="datetimeFigureOut">
               <a:rPr lang="pt-BR" smtClean="0"/>
               <a:pPr/>
-              <a:t>20/11/2012</a:t>
+              <a:t>23/11/2012</a:t>
             </a:fld>
             <a:endParaRPr lang="pt-BR"/>
           </a:p>
@@ -3671,7 +4527,7 @@
             <a:fld id="{8B4871E2-8122-4BB0-BB9B-267F182E014E}" type="datetimeFigureOut">
               <a:rPr lang="pt-BR" smtClean="0"/>
               <a:pPr/>
-              <a:t>20/11/2012</a:t>
+              <a:t>23/11/2012</a:t>
             </a:fld>
             <a:endParaRPr lang="pt-BR"/>
           </a:p>
@@ -4149,12 +5005,16 @@
           <a:lstStyle/>
           <a:p>
             <a:r>
-              <a:rPr lang="pt-BR" sz="4000" b="1" dirty="0" err="1" smtClean="0"/>
+              <a:rPr lang="pt-BR" sz="4000" b="1" i="1" dirty="0" err="1" smtClean="0"/>
               <a:t>Serious</a:t>
             </a:r>
             <a:r>
+              <a:rPr lang="pt-BR" sz="4000" b="1" i="1" dirty="0" smtClean="0"/>
+              <a:t> game </a:t>
+            </a:r>
+            <a:r>
               <a:rPr lang="pt-BR" sz="4000" b="1" dirty="0" smtClean="0"/>
-              <a:t> game para a área de nutrição infantil</a:t>
+              <a:t>para a área de nutrição infantil</a:t>
             </a:r>
             <a:endParaRPr lang="pt-BR" sz="4000" b="1" dirty="0"/>
           </a:p>
@@ -4217,8 +5077,109 @@
         </p:nvSpPr>
         <p:spPr>
           <a:xfrm>
-            <a:off x="457200" y="1628800"/>
-            <a:ext cx="8003232" cy="4543399"/>
+            <a:off x="457200" y="1412776"/>
+            <a:ext cx="8003232" cy="4759423"/>
+          </a:xfrm>
+        </p:spPr>
+        <p:txBody>
+          <a:bodyPr anchor="t" anchorCtr="0">
+            <a:noAutofit/>
+          </a:bodyPr>
+          <a:lstStyle/>
+          <a:p>
+            <a:pPr marL="717550" indent="-4763">
+              <a:buNone/>
+              <a:tabLst>
+                <a:tab pos="534988" algn="l"/>
+              </a:tabLst>
+            </a:pPr>
+            <a:r>
+              <a:rPr lang="pt-BR" sz="2400" dirty="0" smtClean="0"/>
+              <a:t>O jogo proposto teve como objetivo o ensino nutricional e se enquadra como um jogo de ação, para a WEB.</a:t>
+            </a:r>
+          </a:p>
+          <a:p>
+            <a:pPr marL="717550" indent="-4763">
+              <a:buNone/>
+              <a:tabLst>
+                <a:tab pos="534988" algn="l"/>
+              </a:tabLst>
+            </a:pPr>
+            <a:endParaRPr lang="pt-BR" sz="2400" dirty="0" smtClean="0"/>
+          </a:p>
+          <a:p>
+            <a:pPr marL="717550" indent="-4763">
+              <a:buNone/>
+              <a:tabLst>
+                <a:tab pos="534988" algn="l"/>
+              </a:tabLst>
+            </a:pPr>
+            <a:r>
+              <a:rPr lang="pt-BR" sz="2400" i="1" dirty="0" err="1" smtClean="0"/>
+              <a:t>Document</a:t>
+            </a:r>
+            <a:r>
+              <a:rPr lang="pt-BR" sz="2400" i="1" dirty="0" smtClean="0"/>
+              <a:t> design</a:t>
+            </a:r>
+          </a:p>
+          <a:p>
+            <a:pPr marL="1341438" indent="0">
+              <a:buNone/>
+            </a:pPr>
+            <a:r>
+              <a:rPr lang="pt-BR" sz="2400" dirty="0" smtClean="0"/>
+              <a:t>Conceito, características, gênero, público alvo, fluxo do jogo, visual e estilo, fases, níveis, objetos, </a:t>
+            </a:r>
+            <a:r>
+              <a:rPr lang="pt-BR" sz="2400" dirty="0" err="1" smtClean="0"/>
+              <a:t>NPC´s</a:t>
+            </a:r>
+            <a:r>
+              <a:rPr lang="pt-BR" sz="2400" dirty="0" smtClean="0"/>
+              <a:t>, física, movimentação, mapa</a:t>
+            </a:r>
+          </a:p>
+          <a:p>
+            <a:pPr>
+              <a:buNone/>
+            </a:pPr>
+            <a:endParaRPr lang="pt-BR" sz="3800" dirty="0" smtClean="0"/>
+          </a:p>
+          <a:p>
+            <a:pPr>
+              <a:buNone/>
+            </a:pPr>
+            <a:endParaRPr lang="pt-BR" sz="3800" dirty="0" smtClean="0"/>
+          </a:p>
+          <a:p>
+            <a:pPr>
+              <a:buNone/>
+            </a:pPr>
+            <a:endParaRPr lang="pt-BR" sz="3800" dirty="0" smtClean="0"/>
+          </a:p>
+          <a:p>
+            <a:endParaRPr lang="pt-BR" sz="3600" dirty="0" smtClean="0"/>
+          </a:p>
+          <a:p>
+            <a:endParaRPr lang="pt-BR" dirty="0" smtClean="0"/>
+          </a:p>
+        </p:txBody>
+      </p:sp>
+      <p:sp>
+        <p:nvSpPr>
+          <p:cNvPr id="3" name="Título 2"/>
+          <p:cNvSpPr>
+            <a:spLocks noGrp="1"/>
+          </p:cNvSpPr>
+          <p:nvPr>
+            <p:ph type="title"/>
+          </p:nvPr>
+        </p:nvSpPr>
+        <p:spPr>
+          <a:xfrm>
+            <a:off x="395536" y="457200"/>
+            <a:ext cx="7200800" cy="1027584"/>
           </a:xfrm>
         </p:spPr>
         <p:txBody>
@@ -4227,88 +5188,10 @@
           </a:bodyPr>
           <a:lstStyle/>
           <a:p>
-            <a:pPr algn="just"/>
-            <a:r>
-              <a:rPr lang="pt-BR" sz="3000" dirty="0" smtClean="0"/>
-              <a:t>Máquina de Estados Finitos </a:t>
-            </a:r>
-          </a:p>
-          <a:p>
-            <a:pPr algn="just"/>
-            <a:r>
-              <a:rPr lang="pt-BR" sz="3000" dirty="0" smtClean="0"/>
-              <a:t>Sistema Baseado em Regras </a:t>
-            </a:r>
-          </a:p>
-          <a:p>
-            <a:pPr algn="just"/>
-            <a:r>
-              <a:rPr lang="pt-BR" sz="3000" dirty="0" smtClean="0"/>
-              <a:t>Algoritmos de busca (</a:t>
-            </a:r>
-            <a:r>
-              <a:rPr lang="pt-BR" sz="3000" dirty="0" err="1" smtClean="0"/>
-              <a:t>Minimax</a:t>
-            </a:r>
-            <a:r>
-              <a:rPr lang="pt-BR" sz="3000" dirty="0" smtClean="0"/>
-              <a:t>, </a:t>
-            </a:r>
-            <a:r>
-              <a:rPr lang="pt-BR" sz="3000" dirty="0" err="1" smtClean="0"/>
-              <a:t>Dijkstra</a:t>
-            </a:r>
-            <a:r>
-              <a:rPr lang="pt-BR" sz="3000" dirty="0" smtClean="0"/>
-              <a:t>, A*)</a:t>
-            </a:r>
-          </a:p>
-          <a:p>
-            <a:pPr algn="just"/>
-            <a:r>
-              <a:rPr lang="pt-BR" sz="3000" dirty="0" smtClean="0"/>
-              <a:t>Redes Neurais Artificiais </a:t>
-            </a:r>
-          </a:p>
-          <a:p>
-            <a:pPr algn="just"/>
-            <a:r>
-              <a:rPr lang="pt-BR" sz="3000" dirty="0" smtClean="0"/>
-              <a:t>...</a:t>
-            </a:r>
-          </a:p>
-          <a:p>
-            <a:pPr algn="just"/>
-            <a:endParaRPr lang="pt-BR" sz="3200" dirty="0" smtClean="0"/>
-          </a:p>
-        </p:txBody>
-      </p:sp>
-      <p:sp>
-        <p:nvSpPr>
-          <p:cNvPr id="3" name="Título 2"/>
-          <p:cNvSpPr>
-            <a:spLocks noGrp="1"/>
-          </p:cNvSpPr>
-          <p:nvPr>
-            <p:ph type="title"/>
-          </p:nvPr>
-        </p:nvSpPr>
-        <p:spPr>
-          <a:xfrm>
-            <a:off x="395536" y="457200"/>
-            <a:ext cx="7992888" cy="1027584"/>
-          </a:xfrm>
-        </p:spPr>
-        <p:txBody>
-          <a:bodyPr>
-            <a:noAutofit/>
-          </a:bodyPr>
-          <a:lstStyle/>
-          <a:p>
-            <a:pPr algn="just"/>
+            <a:pPr algn="l"/>
             <a:r>
               <a:rPr lang="pt-BR" sz="4000" dirty="0" smtClean="0"/>
-              <a:t>Jogos Digitais e Inteligência Artificial</a:t>
+              <a:t>Projeto</a:t>
             </a:r>
             <a:endParaRPr lang="pt-BR" sz="4000" dirty="0"/>
           </a:p>
@@ -4317,7 +5200,7 @@
     </p:spTree>
     <p:extLst>
       <p:ext uri="{BB962C8B-B14F-4D97-AF65-F5344CB8AC3E}">
-        <p14:creationId xmlns:p14="http://schemas.microsoft.com/office/powerpoint/2010/main" val="4284669737"/>
+        <p14:creationId xmlns:p14="http://schemas.microsoft.com/office/powerpoint/2010/main" val="1936931045"/>
       </p:ext>
     </p:extLst>
   </p:cSld>
@@ -4363,8 +5246,106 @@
         </p:nvSpPr>
         <p:spPr>
           <a:xfrm>
-            <a:off x="457200" y="1628800"/>
-            <a:ext cx="8003232" cy="4543399"/>
+            <a:off x="467544" y="1844824"/>
+            <a:ext cx="7211144" cy="3744416"/>
+          </a:xfrm>
+          <a:noFill/>
+        </p:spPr>
+        <p:txBody>
+          <a:bodyPr anchor="t" anchorCtr="0">
+            <a:normAutofit/>
+          </a:bodyPr>
+          <a:lstStyle/>
+          <a:p>
+            <a:pPr marL="355600" indent="-355600"/>
+            <a:r>
+              <a:rPr lang="pt-BR" sz="3200" dirty="0" smtClean="0"/>
+              <a:t> Histórico desenvolvimento</a:t>
+            </a:r>
+          </a:p>
+          <a:p>
+            <a:pPr marL="355600" lvl="1" indent="-355600"/>
+            <a:r>
+              <a:rPr lang="pt-BR" sz="2800" dirty="0" smtClean="0"/>
+              <a:t>Curso extensão </a:t>
+            </a:r>
+          </a:p>
+          <a:p>
+            <a:pPr marL="355600" lvl="1" indent="-355600"/>
+            <a:r>
+              <a:rPr lang="pt-BR" sz="2800" dirty="0" smtClean="0"/>
+              <a:t> Nenhum recurso externo</a:t>
+            </a:r>
+          </a:p>
+          <a:p>
+            <a:pPr marL="355600" lvl="1" indent="-355600"/>
+            <a:r>
+              <a:rPr lang="pt-BR" sz="2800" dirty="0" smtClean="0"/>
+              <a:t>Classes </a:t>
+            </a:r>
+            <a:r>
+              <a:rPr lang="pt-BR" sz="2400" dirty="0" smtClean="0">
+                <a:solidFill>
+                  <a:schemeClr val="tx1"/>
+                </a:solidFill>
+              </a:rPr>
+              <a:t>“</a:t>
+            </a:r>
+            <a:r>
+              <a:rPr lang="pt-BR" sz="2400" dirty="0" err="1">
+                <a:solidFill>
+                  <a:schemeClr val="tx1"/>
+                </a:solidFill>
+              </a:rPr>
+              <a:t>GameCanvas</a:t>
+            </a:r>
+            <a:r>
+              <a:rPr lang="pt-BR" sz="2400" dirty="0" smtClean="0">
+                <a:solidFill>
+                  <a:schemeClr val="tx1"/>
+                </a:solidFill>
+              </a:rPr>
+              <a:t>”, “</a:t>
+            </a:r>
+            <a:r>
+              <a:rPr lang="pt-BR" sz="2400" dirty="0" err="1" smtClean="0">
+                <a:solidFill>
+                  <a:schemeClr val="tx1"/>
+                </a:solidFill>
+              </a:rPr>
+              <a:t>GamePanel</a:t>
+            </a:r>
+            <a:r>
+              <a:rPr lang="pt-BR" sz="2400" dirty="0" smtClean="0">
+                <a:solidFill>
+                  <a:schemeClr val="tx1"/>
+                </a:solidFill>
+              </a:rPr>
+              <a:t>”</a:t>
+            </a:r>
+          </a:p>
+          <a:p>
+            <a:endParaRPr lang="pt-BR" sz="3600" dirty="0" smtClean="0"/>
+          </a:p>
+          <a:p>
+            <a:endParaRPr lang="pt-BR" dirty="0" smtClean="0"/>
+          </a:p>
+        </p:txBody>
+      </p:sp>
+      <p:sp>
+        <p:nvSpPr>
+          <p:cNvPr id="3" name="Título 2"/>
+          <p:cNvSpPr>
+            <a:spLocks noGrp="1"/>
+          </p:cNvSpPr>
+          <p:nvPr>
+            <p:ph type="title"/>
+          </p:nvPr>
+        </p:nvSpPr>
+        <p:spPr>
+          <a:xfrm>
+            <a:off x="395536" y="457200"/>
+            <a:ext cx="7200800" cy="1027584"/>
           </a:xfrm>
         </p:spPr>
         <p:txBody>
@@ -4373,110 +5354,10 @@
           </a:bodyPr>
           <a:lstStyle/>
           <a:p>
-            <a:endParaRPr lang="pt-BR" sz="3000" dirty="0" smtClean="0"/>
-          </a:p>
-          <a:p>
-            <a:endParaRPr lang="pt-BR" sz="3000" dirty="0"/>
-          </a:p>
-          <a:p>
-            <a:pPr marL="0" indent="0">
-              <a:buNone/>
-            </a:pPr>
-            <a:endParaRPr lang="pt-BR" sz="3000" dirty="0"/>
-          </a:p>
-          <a:p>
-            <a:r>
-              <a:rPr lang="pt-BR" sz="3000" dirty="0" smtClean="0"/>
-              <a:t>Tríade Revolução francesa;</a:t>
-            </a:r>
-          </a:p>
-          <a:p>
-            <a:r>
-              <a:rPr lang="pt-BR" sz="3000" dirty="0" err="1"/>
-              <a:t>Kinble</a:t>
-            </a:r>
-            <a:r>
-              <a:rPr lang="pt-BR" sz="3000" dirty="0"/>
-              <a:t> – Prova do </a:t>
-            </a:r>
-            <a:r>
-              <a:rPr lang="pt-BR" sz="3000" dirty="0" smtClean="0"/>
-              <a:t>Vestibular;</a:t>
-            </a:r>
-          </a:p>
-          <a:p>
-            <a:r>
-              <a:rPr lang="pt-BR" sz="3000" dirty="0"/>
-              <a:t>Revolta da </a:t>
-            </a:r>
-            <a:r>
-              <a:rPr lang="pt-BR" sz="3000" dirty="0" smtClean="0"/>
-              <a:t>Cabanagem;</a:t>
-            </a:r>
-          </a:p>
-          <a:p>
-            <a:r>
-              <a:rPr lang="pt-BR" sz="3000" dirty="0"/>
-              <a:t>Calangos – ecologia, </a:t>
-            </a:r>
-            <a:r>
-              <a:rPr lang="pt-BR" sz="3000" dirty="0" smtClean="0"/>
-              <a:t>evolução;</a:t>
-            </a:r>
-          </a:p>
-          <a:p>
-            <a:r>
-              <a:rPr lang="pt-BR" sz="3000" dirty="0" err="1"/>
-              <a:t>Jokenpo</a:t>
-            </a:r>
-            <a:r>
-              <a:rPr lang="pt-BR" sz="3000" dirty="0"/>
-              <a:t> – diversão </a:t>
-            </a:r>
-          </a:p>
-          <a:p>
-            <a:endParaRPr lang="pt-BR" sz="3000" dirty="0" smtClean="0"/>
-          </a:p>
-          <a:p>
-            <a:endParaRPr lang="pt-BR" sz="3000" dirty="0" smtClean="0"/>
-          </a:p>
-          <a:p>
-            <a:endParaRPr lang="pt-BR" sz="3000" dirty="0"/>
-          </a:p>
-          <a:p>
-            <a:endParaRPr lang="pt-BR" dirty="0" smtClean="0"/>
-          </a:p>
-          <a:p>
-            <a:endParaRPr lang="pt-BR" dirty="0"/>
-          </a:p>
-        </p:txBody>
-      </p:sp>
-      <p:sp>
-        <p:nvSpPr>
-          <p:cNvPr id="3" name="Título 2"/>
-          <p:cNvSpPr>
-            <a:spLocks noGrp="1"/>
-          </p:cNvSpPr>
-          <p:nvPr>
-            <p:ph type="title"/>
-          </p:nvPr>
-        </p:nvSpPr>
-        <p:spPr>
-          <a:xfrm>
-            <a:off x="395536" y="457200"/>
-            <a:ext cx="7200800" cy="1027584"/>
-          </a:xfrm>
-        </p:spPr>
-        <p:txBody>
-          <a:bodyPr>
-            <a:normAutofit/>
-          </a:bodyPr>
-          <a:lstStyle/>
-          <a:p>
             <a:pPr algn="l"/>
             <a:r>
               <a:rPr lang="pt-BR" sz="4000" dirty="0" smtClean="0"/>
-              <a:t>Ferramentas de Ensino </a:t>
+              <a:t>Desenvolvimento </a:t>
             </a:r>
             <a:endParaRPr lang="pt-BR" sz="4000" dirty="0"/>
           </a:p>
@@ -4485,7 +5366,7 @@
     </p:spTree>
     <p:extLst>
       <p:ext uri="{BB962C8B-B14F-4D97-AF65-F5344CB8AC3E}">
-        <p14:creationId xmlns:p14="http://schemas.microsoft.com/office/powerpoint/2010/main" val="1432901655"/>
+        <p14:creationId xmlns:p14="http://schemas.microsoft.com/office/powerpoint/2010/main" val="722848786"/>
       </p:ext>
     </p:extLst>
   </p:cSld>
@@ -4531,8 +5412,8 @@
         </p:nvSpPr>
         <p:spPr>
           <a:xfrm>
-            <a:off x="457200" y="1628800"/>
-            <a:ext cx="8003232" cy="4543399"/>
+            <a:off x="457200" y="1628801"/>
+            <a:ext cx="5554960" cy="1656184"/>
           </a:xfrm>
         </p:spPr>
         <p:txBody>
@@ -4541,44 +5422,7 @@
           </a:bodyPr>
           <a:lstStyle/>
           <a:p>
-            <a:endParaRPr lang="pt-BR" sz="3800" dirty="0" smtClean="0"/>
-          </a:p>
-          <a:p>
-            <a:r>
-              <a:rPr lang="pt-BR" sz="3200" dirty="0" smtClean="0"/>
-              <a:t>Jogo educacional </a:t>
-            </a:r>
-            <a:endParaRPr lang="pt-BR" sz="3200" dirty="0"/>
-          </a:p>
-          <a:p>
-            <a:r>
-              <a:rPr lang="pt-BR" sz="3200" dirty="0" smtClean="0"/>
-              <a:t>Área de Nutrição</a:t>
-            </a:r>
-          </a:p>
-          <a:p>
-            <a:r>
-              <a:rPr lang="pt-BR" sz="3200" dirty="0" smtClean="0"/>
-              <a:t>Público alvo = crianças de 6 a 10 anos </a:t>
-            </a:r>
-          </a:p>
-          <a:p>
-            <a:r>
-              <a:rPr lang="pt-BR" sz="3200" dirty="0" smtClean="0"/>
-              <a:t>Gênero</a:t>
-            </a:r>
-          </a:p>
-          <a:p>
-            <a:r>
-              <a:rPr lang="pt-BR" sz="3200" dirty="0" smtClean="0"/>
-              <a:t>Objetivo </a:t>
-            </a:r>
-          </a:p>
-          <a:p>
-            <a:r>
-              <a:rPr lang="pt-BR" sz="3200" dirty="0" smtClean="0"/>
-              <a:t>Java</a:t>
-            </a:r>
+            <a:endParaRPr lang="pt-BR" sz="3200" dirty="0" smtClean="0"/>
           </a:p>
           <a:p>
             <a:endParaRPr lang="pt-BR" sz="3600" dirty="0" smtClean="0"/>
@@ -4613,16 +5457,70 @@
             <a:pPr algn="l"/>
             <a:r>
               <a:rPr lang="pt-BR" sz="4000" dirty="0" smtClean="0"/>
-              <a:t>Projeto/Desenvolvimento </a:t>
+              <a:t>Interface </a:t>
             </a:r>
             <a:endParaRPr lang="pt-BR" sz="4000" dirty="0"/>
           </a:p>
         </p:txBody>
       </p:sp>
+      <p:pic>
+        <p:nvPicPr>
+          <p:cNvPr id="1026" name="Imagem 1"/>
+          <p:cNvPicPr>
+            <a:picLocks noChangeAspect="1" noChangeArrowheads="1"/>
+          </p:cNvPicPr>
+          <p:nvPr/>
+        </p:nvPicPr>
+        <p:blipFill>
+          <a:blip r:embed="rId3" cstate="print">
+            <a:extLst>
+              <a:ext uri="{28A0092B-C50C-407E-A947-70E740481C1C}">
+                <a14:useLocalDpi xmlns:a14="http://schemas.microsoft.com/office/drawing/2010/main" val="0"/>
+              </a:ext>
+            </a:extLst>
+          </a:blip>
+          <a:srcRect/>
+          <a:stretch>
+            <a:fillRect/>
+          </a:stretch>
+        </p:blipFill>
+        <p:spPr bwMode="auto">
+          <a:xfrm>
+            <a:off x="1452439" y="1628800"/>
+            <a:ext cx="6534885" cy="4536504"/>
+          </a:xfrm>
+          <a:prstGeom prst="rect">
+            <a:avLst/>
+          </a:prstGeom>
+          <a:noFill/>
+          <a:ln>
+            <a:noFill/>
+          </a:ln>
+          <a:extLst>
+            <a:ext uri="{909E8E84-426E-40DD-AFC4-6F175D3DCCD1}">
+              <a14:hiddenFill xmlns:a14="http://schemas.microsoft.com/office/drawing/2010/main">
+                <a:solidFill>
+                  <a:srgbClr val="FFFFFF"/>
+                </a:solidFill>
+              </a14:hiddenFill>
+            </a:ext>
+            <a:ext uri="{91240B29-F687-4F45-9708-019B960494DF}">
+              <a14:hiddenLine xmlns:a14="http://schemas.microsoft.com/office/drawing/2010/main" w="9525">
+                <a:solidFill>
+                  <a:srgbClr val="000000"/>
+                </a:solidFill>
+                <a:miter lim="800000"/>
+                <a:headEnd/>
+                <a:tailEnd/>
+              </a14:hiddenLine>
+            </a:ext>
+          </a:extLst>
+        </p:spPr>
+      </p:pic>
     </p:spTree>
     <p:extLst>
       <p:ext uri="{BB962C8B-B14F-4D97-AF65-F5344CB8AC3E}">
-        <p14:creationId xmlns:p14="http://schemas.microsoft.com/office/powerpoint/2010/main" val="1936931045"/>
+        <p14:creationId xmlns:p14="http://schemas.microsoft.com/office/powerpoint/2010/main" val="1422756804"/>
       </p:ext>
     </p:extLst>
   </p:cSld>
@@ -4668,8 +5566,8 @@
         </p:nvSpPr>
         <p:spPr>
           <a:xfrm>
-            <a:off x="457200" y="1628800"/>
-            <a:ext cx="7211144" cy="3744416"/>
+            <a:off x="457200" y="1628801"/>
+            <a:ext cx="5554960" cy="1656184"/>
           </a:xfrm>
         </p:spPr>
         <p:txBody>
@@ -4681,82 +5579,6 @@
             <a:endParaRPr lang="pt-BR" sz="3200" dirty="0" smtClean="0"/>
           </a:p>
           <a:p>
-            <a:r>
-              <a:rPr lang="pt-BR" sz="3200" dirty="0"/>
-              <a:t> </a:t>
-            </a:r>
-            <a:r>
-              <a:rPr lang="pt-BR" sz="3200" dirty="0" smtClean="0"/>
-              <a:t>Histórico desenvolvimento</a:t>
-            </a:r>
-          </a:p>
-          <a:p>
-            <a:pPr lvl="1"/>
-            <a:r>
-              <a:rPr lang="pt-BR" sz="2800" dirty="0" smtClean="0"/>
-              <a:t>Curso extensão </a:t>
-            </a:r>
-          </a:p>
-          <a:p>
-            <a:pPr lvl="1"/>
-            <a:r>
-              <a:rPr lang="pt-BR" sz="2800" dirty="0" smtClean="0"/>
-              <a:t> Nenhum recurso externo</a:t>
-            </a:r>
-          </a:p>
-          <a:p>
-            <a:pPr lvl="1"/>
-            <a:r>
-              <a:rPr lang="pt-BR" sz="2800" dirty="0" smtClean="0"/>
-              <a:t>Classes</a:t>
-            </a:r>
-          </a:p>
-          <a:p>
-            <a:pPr marL="228600" lvl="1" indent="0">
-              <a:buNone/>
-            </a:pPr>
-            <a:r>
-              <a:rPr lang="pt-BR" sz="2400" dirty="0" smtClean="0">
-                <a:solidFill>
-                  <a:schemeClr val="tx1"/>
-                </a:solidFill>
-              </a:rPr>
-              <a:t>“</a:t>
-            </a:r>
-            <a:r>
-              <a:rPr lang="pt-BR" sz="2400" dirty="0" err="1">
-                <a:solidFill>
-                  <a:schemeClr val="tx1"/>
-                </a:solidFill>
-              </a:rPr>
-              <a:t>GameCanvas</a:t>
-            </a:r>
-            <a:r>
-              <a:rPr lang="pt-BR" sz="2400" dirty="0" smtClean="0">
-                <a:solidFill>
-                  <a:schemeClr val="tx1"/>
-                </a:solidFill>
-              </a:rPr>
-              <a:t>”, “</a:t>
-            </a:r>
-            <a:r>
-              <a:rPr lang="pt-BR" sz="2400" dirty="0" err="1" smtClean="0">
-                <a:solidFill>
-                  <a:schemeClr val="tx1"/>
-                </a:solidFill>
-              </a:rPr>
-              <a:t>GamePanel</a:t>
-            </a:r>
-            <a:r>
-              <a:rPr lang="pt-BR" sz="2400" dirty="0" smtClean="0">
-                <a:solidFill>
-                  <a:schemeClr val="tx1"/>
-                </a:solidFill>
-              </a:rPr>
-              <a:t>”</a:t>
-            </a:r>
-          </a:p>
-          <a:p>
             <a:endParaRPr lang="pt-BR" sz="3600" dirty="0" smtClean="0"/>
           </a:p>
           <a:p>
@@ -4788,16 +5610,71 @@
           <a:p>
             <a:pPr algn="l"/>
             <a:r>
-              <a:rPr lang="pt-BR" sz="4000" dirty="0"/>
-              <a:t>Projeto/Desenvolvimento </a:t>
-            </a:r>
-          </a:p>
-        </p:txBody>
-      </p:sp>
+              <a:rPr lang="pt-BR" sz="4000" dirty="0" smtClean="0"/>
+              <a:t>Interface </a:t>
+            </a:r>
+            <a:endParaRPr lang="pt-BR" sz="4000" dirty="0"/>
+          </a:p>
+        </p:txBody>
+      </p:sp>
+      <p:pic>
+        <p:nvPicPr>
+          <p:cNvPr id="4098" name="Imagem 1"/>
+          <p:cNvPicPr>
+            <a:picLocks noChangeAspect="1" noChangeArrowheads="1"/>
+          </p:cNvPicPr>
+          <p:nvPr/>
+        </p:nvPicPr>
+        <p:blipFill>
+          <a:blip r:embed="rId3">
+            <a:extLst>
+              <a:ext uri="{28A0092B-C50C-407E-A947-70E740481C1C}">
+                <a14:useLocalDpi xmlns:a14="http://schemas.microsoft.com/office/drawing/2010/main" val="0"/>
+              </a:ext>
+            </a:extLst>
+          </a:blip>
+          <a:srcRect/>
+          <a:stretch>
+            <a:fillRect/>
+          </a:stretch>
+        </p:blipFill>
+        <p:spPr bwMode="auto">
+          <a:xfrm>
+            <a:off x="1450835" y="1628800"/>
+            <a:ext cx="6540429" cy="4536504"/>
+          </a:xfrm>
+          <a:prstGeom prst="rect">
+            <a:avLst/>
+          </a:prstGeom>
+          <a:noFill/>
+          <a:ln>
+            <a:noFill/>
+          </a:ln>
+          <a:extLst>
+            <a:ext uri="{909E8E84-426E-40DD-AFC4-6F175D3DCCD1}">
+              <a14:hiddenFill xmlns:a14="http://schemas.microsoft.com/office/drawing/2010/main">
+                <a:solidFill>
+                  <a:srgbClr val="FFFFFF"/>
+                </a:solidFill>
+              </a14:hiddenFill>
+            </a:ext>
+            <a:ext uri="{91240B29-F687-4F45-9708-019B960494DF}">
+              <a14:hiddenLine xmlns:a14="http://schemas.microsoft.com/office/drawing/2010/main" w="9525">
+                <a:solidFill>
+                  <a:srgbClr val="000000"/>
+                </a:solidFill>
+                <a:miter lim="800000"/>
+                <a:headEnd/>
+                <a:tailEnd/>
+              </a14:hiddenLine>
+            </a:ext>
+          </a:extLst>
+        </p:spPr>
+      </p:pic>
     </p:spTree>
     <p:extLst>
       <p:ext uri="{BB962C8B-B14F-4D97-AF65-F5344CB8AC3E}">
-        <p14:creationId xmlns:p14="http://schemas.microsoft.com/office/powerpoint/2010/main" val="722848786"/>
+        <p14:creationId xmlns:p14="http://schemas.microsoft.com/office/powerpoint/2010/main" val="465836315"/>
       </p:ext>
     </p:extLst>
   </p:cSld>
@@ -4888,7 +5765,7 @@
             <a:pPr algn="l"/>
             <a:r>
               <a:rPr lang="pt-BR" sz="4000" dirty="0" smtClean="0"/>
-              <a:t>Interface </a:t>
+              <a:t>Interface</a:t>
             </a:r>
             <a:endParaRPr lang="pt-BR" sz="4000" dirty="0"/>
           </a:p>
@@ -4903,7 +5780,7 @@
           <p:nvPr/>
         </p:nvPicPr>
         <p:blipFill>
-          <a:blip r:embed="rId3">
+          <a:blip r:embed="rId2">
             <a:extLst>
               <a:ext uri="{28A0092B-C50C-407E-A947-70E740481C1C}">
                 <a14:useLocalDpi xmlns:a14="http://schemas.microsoft.com/office/drawing/2010/main" val="0"/>
@@ -4917,8 +5794,8 @@
         </p:blipFill>
         <p:spPr bwMode="auto">
           <a:xfrm>
-            <a:off x="1475656" y="1772816"/>
-            <a:ext cx="5976664" cy="4148988"/>
+            <a:off x="1547664" y="1556792"/>
+            <a:ext cx="6533334" cy="4536504"/>
           </a:xfrm>
           <a:prstGeom prst="rect">
             <a:avLst/>
@@ -4951,7 +5828,7 @@
     </p:spTree>
     <p:extLst>
       <p:ext uri="{BB962C8B-B14F-4D97-AF65-F5344CB8AC3E}">
-        <p14:creationId xmlns:p14="http://schemas.microsoft.com/office/powerpoint/2010/main" val="1422756804"/>
+        <p14:creationId xmlns:p14="http://schemas.microsoft.com/office/powerpoint/2010/main" val="2382076033"/>
       </p:ext>
     </p:extLst>
   </p:cSld>
@@ -5042,7 +5919,7 @@
             <a:pPr algn="l"/>
             <a:r>
               <a:rPr lang="pt-BR" sz="4000" dirty="0" smtClean="0"/>
-              <a:t>Fases</a:t>
+              <a:t>Interface</a:t>
             </a:r>
             <a:endParaRPr lang="pt-BR" sz="4000" dirty="0"/>
           </a:p>
@@ -5057,7 +5934,7 @@
           <p:nvPr/>
         </p:nvPicPr>
         <p:blipFill>
-          <a:blip r:embed="rId2" cstate="print">
+          <a:blip r:embed="rId2">
             <a:extLst>
               <a:ext uri="{28A0092B-C50C-407E-A947-70E740481C1C}">
                 <a14:useLocalDpi xmlns:a14="http://schemas.microsoft.com/office/drawing/2010/main" val="0"/>
@@ -5071,8 +5948,8 @@
         </p:blipFill>
         <p:spPr bwMode="auto">
           <a:xfrm>
-            <a:off x="683569" y="1484784"/>
-            <a:ext cx="3600400" cy="2499984"/>
+            <a:off x="1531161" y="1539367"/>
+            <a:ext cx="6740738" cy="4680520"/>
           </a:xfrm>
           <a:prstGeom prst="rect">
             <a:avLst/>
@@ -5102,118 +5979,10 @@
           </a:extLst>
         </p:spPr>
       </p:pic>
-      <p:pic>
-        <p:nvPicPr>
-          <p:cNvPr id="2051" name="Imagem 1"/>
-          <p:cNvPicPr>
-            <a:picLocks noChangeAspect="1" noChangeArrowheads="1"/>
-          </p:cNvPicPr>
-          <p:nvPr/>
-        </p:nvPicPr>
-        <p:blipFill>
-          <a:blip r:embed="rId3" cstate="print">
-            <a:extLst>
-              <a:ext uri="{28A0092B-C50C-407E-A947-70E740481C1C}">
-                <a14:useLocalDpi xmlns:a14="http://schemas.microsoft.com/office/drawing/2010/main" val="0"/>
-              </a:ext>
-            </a:extLst>
-          </a:blip>
-          <a:srcRect/>
-          <a:stretch>
-            <a:fillRect/>
-          </a:stretch>
-        </p:blipFill>
-        <p:spPr bwMode="auto">
-          <a:xfrm>
-            <a:off x="4860032" y="1484784"/>
-            <a:ext cx="3656844" cy="2539178"/>
-          </a:xfrm>
-          <a:prstGeom prst="rect">
-            <a:avLst/>
-          </a:prstGeom>
-          <a:noFill/>
-          <a:ln>
-            <a:noFill/>
-          </a:ln>
-          <a:extLst>
-            <a:ext uri="{909E8E84-426E-40DD-AFC4-6F175D3DCCD1}">
-              <a14:hiddenFill xmlns:a14="http://schemas.microsoft.com/office/drawing/2010/main">
-                <a:solidFill>
-                  <a:srgbClr val="FFFFFF"/>
-                </a:solidFill>
-              </a14:hiddenFill>
-            </a:ext>
-            <a:ext uri="{91240B29-F687-4F45-9708-019B960494DF}">
-              <a14:hiddenLine xmlns:a14="http://schemas.microsoft.com/office/drawing/2010/main" w="9525">
-                <a:solidFill>
-                  <a:srgbClr val="000000"/>
-                </a:solidFill>
-                <a:miter lim="800000"/>
-                <a:headEnd/>
-                <a:tailEnd/>
-              </a14:hiddenLine>
-            </a:ext>
-          </a:extLst>
-        </p:spPr>
-      </p:pic>
-      <p:pic>
-        <p:nvPicPr>
-          <p:cNvPr id="2052" name="Imagem 1"/>
-          <p:cNvPicPr>
-            <a:picLocks noChangeAspect="1" noChangeArrowheads="1"/>
-          </p:cNvPicPr>
-          <p:nvPr/>
-        </p:nvPicPr>
-        <p:blipFill>
-          <a:blip r:embed="rId4" cstate="print">
-            <a:extLst>
-              <a:ext uri="{28A0092B-C50C-407E-A947-70E740481C1C}">
-                <a14:useLocalDpi xmlns:a14="http://schemas.microsoft.com/office/drawing/2010/main" val="0"/>
-              </a:ext>
-            </a:extLst>
-          </a:blip>
-          <a:srcRect/>
-          <a:stretch>
-            <a:fillRect/>
-          </a:stretch>
-        </p:blipFill>
-        <p:spPr bwMode="auto">
-          <a:xfrm>
-            <a:off x="2504419" y="4293095"/>
-            <a:ext cx="3559100" cy="2464847"/>
-          </a:xfrm>
-          <a:prstGeom prst="rect">
-            <a:avLst/>
-          </a:prstGeom>
-          <a:noFill/>
-          <a:ln>
-            <a:noFill/>
-          </a:ln>
-          <a:extLst>
-            <a:ext uri="{909E8E84-426E-40DD-AFC4-6F175D3DCCD1}">
-              <a14:hiddenFill xmlns:a14="http://schemas.microsoft.com/office/drawing/2010/main">
-                <a:solidFill>
-                  <a:srgbClr val="FFFFFF"/>
-                </a:solidFill>
-              </a14:hiddenFill>
-            </a:ext>
-            <a:ext uri="{91240B29-F687-4F45-9708-019B960494DF}">
-              <a14:hiddenLine xmlns:a14="http://schemas.microsoft.com/office/drawing/2010/main" w="9525">
-                <a:solidFill>
-                  <a:srgbClr val="000000"/>
-                </a:solidFill>
-                <a:miter lim="800000"/>
-                <a:headEnd/>
-                <a:tailEnd/>
-              </a14:hiddenLine>
-            </a:ext>
-          </a:extLst>
-        </p:spPr>
-      </p:pic>
     </p:spTree>
     <p:extLst>
       <p:ext uri="{BB962C8B-B14F-4D97-AF65-F5344CB8AC3E}">
-        <p14:creationId xmlns:p14="http://schemas.microsoft.com/office/powerpoint/2010/main" val="2382076033"/>
+        <p14:creationId xmlns:p14="http://schemas.microsoft.com/office/powerpoint/2010/main" val="1308515646"/>
       </p:ext>
     </p:extLst>
   </p:cSld>
@@ -5304,7 +6073,7 @@
             <a:pPr algn="l"/>
             <a:r>
               <a:rPr lang="pt-BR" sz="4000" dirty="0" smtClean="0"/>
-              <a:t>Fases</a:t>
+              <a:t>Interface</a:t>
             </a:r>
             <a:endParaRPr lang="pt-BR" sz="4000" dirty="0"/>
           </a:p>
@@ -5319,7 +6088,7 @@
           <p:nvPr/>
         </p:nvPicPr>
         <p:blipFill>
-          <a:blip r:embed="rId2" cstate="print">
+          <a:blip r:embed="rId2">
             <a:extLst>
               <a:ext uri="{28A0092B-C50C-407E-A947-70E740481C1C}">
                 <a14:useLocalDpi xmlns:a14="http://schemas.microsoft.com/office/drawing/2010/main" val="0"/>
@@ -5333,8 +6102,8 @@
         </p:blipFill>
         <p:spPr bwMode="auto">
           <a:xfrm>
-            <a:off x="539553" y="1451278"/>
-            <a:ext cx="3744416" cy="2598737"/>
+            <a:off x="1531161" y="1559393"/>
+            <a:ext cx="6754652" cy="4677919"/>
           </a:xfrm>
           <a:prstGeom prst="rect">
             <a:avLst/>
@@ -5364,118 +6133,10 @@
           </a:extLst>
         </p:spPr>
       </p:pic>
-      <p:pic>
-        <p:nvPicPr>
-          <p:cNvPr id="3075" name="Picture 3"/>
-          <p:cNvPicPr>
-            <a:picLocks noChangeAspect="1" noChangeArrowheads="1"/>
-          </p:cNvPicPr>
-          <p:nvPr/>
-        </p:nvPicPr>
-        <p:blipFill>
-          <a:blip r:embed="rId3" cstate="print">
-            <a:extLst>
-              <a:ext uri="{28A0092B-C50C-407E-A947-70E740481C1C}">
-                <a14:useLocalDpi xmlns:a14="http://schemas.microsoft.com/office/drawing/2010/main" val="0"/>
-              </a:ext>
-            </a:extLst>
-          </a:blip>
-          <a:srcRect/>
-          <a:stretch>
-            <a:fillRect/>
-          </a:stretch>
-        </p:blipFill>
-        <p:spPr bwMode="auto">
-          <a:xfrm>
-            <a:off x="4716016" y="1451279"/>
-            <a:ext cx="3762039" cy="2598737"/>
-          </a:xfrm>
-          <a:prstGeom prst="rect">
-            <a:avLst/>
-          </a:prstGeom>
-          <a:noFill/>
-          <a:ln>
-            <a:noFill/>
-          </a:ln>
-          <a:extLst>
-            <a:ext uri="{909E8E84-426E-40DD-AFC4-6F175D3DCCD1}">
-              <a14:hiddenFill xmlns:a14="http://schemas.microsoft.com/office/drawing/2010/main">
-                <a:solidFill>
-                  <a:srgbClr val="FFFFFF"/>
-                </a:solidFill>
-              </a14:hiddenFill>
-            </a:ext>
-            <a:ext uri="{91240B29-F687-4F45-9708-019B960494DF}">
-              <a14:hiddenLine xmlns:a14="http://schemas.microsoft.com/office/drawing/2010/main" w="9525">
-                <a:solidFill>
-                  <a:srgbClr val="000000"/>
-                </a:solidFill>
-                <a:miter lim="800000"/>
-                <a:headEnd/>
-                <a:tailEnd/>
-              </a14:hiddenLine>
-            </a:ext>
-          </a:extLst>
-        </p:spPr>
-      </p:pic>
-      <p:pic>
-        <p:nvPicPr>
-          <p:cNvPr id="3076" name="Picture 4"/>
-          <p:cNvPicPr>
-            <a:picLocks noChangeAspect="1" noChangeArrowheads="1"/>
-          </p:cNvPicPr>
-          <p:nvPr/>
-        </p:nvPicPr>
-        <p:blipFill>
-          <a:blip r:embed="rId4" cstate="print">
-            <a:extLst>
-              <a:ext uri="{28A0092B-C50C-407E-A947-70E740481C1C}">
-                <a14:useLocalDpi xmlns:a14="http://schemas.microsoft.com/office/drawing/2010/main" val="0"/>
-              </a:ext>
-            </a:extLst>
-          </a:blip>
-          <a:srcRect/>
-          <a:stretch>
-            <a:fillRect/>
-          </a:stretch>
-        </p:blipFill>
-        <p:spPr bwMode="auto">
-          <a:xfrm>
-            <a:off x="2267744" y="4154582"/>
-            <a:ext cx="3816424" cy="2630907"/>
-          </a:xfrm>
-          <a:prstGeom prst="rect">
-            <a:avLst/>
-          </a:prstGeom>
-          <a:noFill/>
-          <a:ln>
-            <a:noFill/>
-          </a:ln>
-          <a:extLst>
-            <a:ext uri="{909E8E84-426E-40DD-AFC4-6F175D3DCCD1}">
-              <a14:hiddenFill xmlns:a14="http://schemas.microsoft.com/office/drawing/2010/main">
-                <a:solidFill>
-                  <a:srgbClr val="FFFFFF"/>
-                </a:solidFill>
-              </a14:hiddenFill>
-            </a:ext>
-            <a:ext uri="{91240B29-F687-4F45-9708-019B960494DF}">
-              <a14:hiddenLine xmlns:a14="http://schemas.microsoft.com/office/drawing/2010/main" w="9525">
-                <a:solidFill>
-                  <a:srgbClr val="000000"/>
-                </a:solidFill>
-                <a:miter lim="800000"/>
-                <a:headEnd/>
-                <a:tailEnd/>
-              </a14:hiddenLine>
-            </a:ext>
-          </a:extLst>
-        </p:spPr>
-      </p:pic>
     </p:spTree>
     <p:extLst>
       <p:ext uri="{BB962C8B-B14F-4D97-AF65-F5344CB8AC3E}">
-        <p14:creationId xmlns:p14="http://schemas.microsoft.com/office/powerpoint/2010/main" val="3483655616"/>
+        <p14:creationId xmlns:p14="http://schemas.microsoft.com/office/powerpoint/2010/main" val="1235072843"/>
       </p:ext>
     </p:extLst>
   </p:cSld>
@@ -5566,7 +6227,7 @@
             <a:pPr algn="l"/>
             <a:r>
               <a:rPr lang="pt-BR" sz="4000" dirty="0" smtClean="0"/>
-              <a:t>Personagens</a:t>
+              <a:t>Interface</a:t>
             </a:r>
             <a:endParaRPr lang="pt-BR" sz="4000" dirty="0"/>
           </a:p>
@@ -5574,7 +6235,7 @@
       </p:sp>
       <p:pic>
         <p:nvPicPr>
-          <p:cNvPr id="4098" name="Picture 2" descr="pnovo"/>
+          <p:cNvPr id="5122" name="Imagem 1"/>
           <p:cNvPicPr>
             <a:picLocks noChangeAspect="1" noChangeArrowheads="1"/>
           </p:cNvPicPr>
@@ -5595,8 +6256,8 @@
         </p:blipFill>
         <p:spPr bwMode="auto">
           <a:xfrm>
-            <a:off x="1187624" y="1628800"/>
-            <a:ext cx="2978150" cy="2289175"/>
+            <a:off x="1547663" y="1537358"/>
+            <a:ext cx="6775445" cy="4699953"/>
           </a:xfrm>
           <a:prstGeom prst="rect">
             <a:avLst/>
@@ -5626,64 +6287,10 @@
           </a:extLst>
         </p:spPr>
       </p:pic>
-      <p:pic>
-        <p:nvPicPr>
-          <p:cNvPr id="4099" name="Picture 3" descr="bruxa"/>
-          <p:cNvPicPr>
-            <a:picLocks noChangeAspect="1" noChangeArrowheads="1"/>
-          </p:cNvPicPr>
-          <p:nvPr/>
-        </p:nvPicPr>
-        <p:blipFill>
-          <a:blip r:embed="rId3">
-            <a:extLst>
-              <a:ext uri="{28A0092B-C50C-407E-A947-70E740481C1C}">
-                <a14:useLocalDpi xmlns:a14="http://schemas.microsoft.com/office/drawing/2010/main" val="0"/>
-              </a:ext>
-            </a:extLst>
-          </a:blip>
-          <a:srcRect/>
-          <a:stretch>
-            <a:fillRect/>
-          </a:stretch>
-        </p:blipFill>
-        <p:spPr bwMode="auto">
-          <a:xfrm>
-            <a:off x="4499992" y="4077072"/>
-            <a:ext cx="3098800" cy="2071687"/>
-          </a:xfrm>
-          <a:prstGeom prst="rect">
-            <a:avLst/>
-          </a:prstGeom>
-          <a:noFill/>
-          <a:ln>
-            <a:noFill/>
-          </a:ln>
-          <a:extLst>
-            <a:ext uri="{909E8E84-426E-40DD-AFC4-6F175D3DCCD1}">
-              <a14:hiddenFill xmlns:a14="http://schemas.microsoft.com/office/drawing/2010/main">
-                <a:solidFill>
-                  <a:srgbClr val="FFFFFF"/>
-                </a:solidFill>
-              </a14:hiddenFill>
-            </a:ext>
-            <a:ext uri="{91240B29-F687-4F45-9708-019B960494DF}">
-              <a14:hiddenLine xmlns:a14="http://schemas.microsoft.com/office/drawing/2010/main" w="9525">
-                <a:solidFill>
-                  <a:srgbClr val="000000"/>
-                </a:solidFill>
-                <a:miter lim="800000"/>
-                <a:headEnd/>
-                <a:tailEnd/>
-              </a14:hiddenLine>
-            </a:ext>
-          </a:extLst>
-        </p:spPr>
-      </p:pic>
     </p:spTree>
     <p:extLst>
       <p:ext uri="{BB962C8B-B14F-4D97-AF65-F5344CB8AC3E}">
-        <p14:creationId xmlns:p14="http://schemas.microsoft.com/office/powerpoint/2010/main" val="226371856"/>
+        <p14:creationId xmlns:p14="http://schemas.microsoft.com/office/powerpoint/2010/main" val="3483655616"/>
       </p:ext>
     </p:extLst>
   </p:cSld>
@@ -5729,59 +6336,8 @@
         </p:nvSpPr>
         <p:spPr>
           <a:xfrm>
-            <a:off x="457200" y="1628800"/>
-            <a:ext cx="5554960" cy="2088232"/>
-          </a:xfrm>
-        </p:spPr>
-        <p:txBody>
-          <a:bodyPr>
-            <a:normAutofit fontScale="92500" lnSpcReduction="10000"/>
-          </a:bodyPr>
-          <a:lstStyle/>
-          <a:p>
-            <a:endParaRPr lang="pt-BR" sz="3200" dirty="0" smtClean="0"/>
-          </a:p>
-          <a:p>
-            <a:r>
-              <a:rPr lang="pt-BR" sz="3200" dirty="0" smtClean="0"/>
-              <a:t> Selecionados Nutricionista</a:t>
-            </a:r>
-          </a:p>
-          <a:p>
-            <a:r>
-              <a:rPr lang="pt-BR" sz="3200" dirty="0" smtClean="0"/>
-              <a:t>Bons Ruins</a:t>
-            </a:r>
-          </a:p>
-          <a:p>
-            <a:r>
-              <a:rPr lang="pt-BR" sz="3200" dirty="0" smtClean="0"/>
-              <a:t>Posições</a:t>
-            </a:r>
-            <a:endParaRPr lang="pt-BR" sz="3200" dirty="0"/>
-          </a:p>
-          <a:p>
-            <a:endParaRPr lang="pt-BR" sz="3600" dirty="0" smtClean="0"/>
-          </a:p>
-          <a:p>
-            <a:endParaRPr lang="pt-BR" dirty="0" smtClean="0"/>
-          </a:p>
-        </p:txBody>
-      </p:sp>
-      <p:sp>
-        <p:nvSpPr>
-          <p:cNvPr id="3" name="Título 2"/>
-          <p:cNvSpPr>
-            <a:spLocks noGrp="1"/>
-          </p:cNvSpPr>
-          <p:nvPr>
-            <p:ph type="title"/>
-          </p:nvPr>
-        </p:nvSpPr>
-        <p:spPr>
-          <a:xfrm>
-            <a:off x="395536" y="457200"/>
-            <a:ext cx="7200800" cy="1027584"/>
+            <a:off x="457200" y="1628801"/>
+            <a:ext cx="5554960" cy="1656184"/>
           </a:xfrm>
         </p:spPr>
         <p:txBody>
@@ -5790,10 +6346,42 @@
           </a:bodyPr>
           <a:lstStyle/>
           <a:p>
+            <a:endParaRPr lang="pt-BR" sz="3200" dirty="0" smtClean="0"/>
+          </a:p>
+          <a:p>
+            <a:endParaRPr lang="pt-BR" sz="3600" dirty="0" smtClean="0"/>
+          </a:p>
+          <a:p>
+            <a:endParaRPr lang="pt-BR" dirty="0" smtClean="0"/>
+          </a:p>
+        </p:txBody>
+      </p:sp>
+      <p:sp>
+        <p:nvSpPr>
+          <p:cNvPr id="3" name="Título 2"/>
+          <p:cNvSpPr>
+            <a:spLocks noGrp="1"/>
+          </p:cNvSpPr>
+          <p:nvPr>
+            <p:ph type="title"/>
+          </p:nvPr>
+        </p:nvSpPr>
+        <p:spPr>
+          <a:xfrm>
+            <a:off x="395536" y="457200"/>
+            <a:ext cx="7200800" cy="1027584"/>
+          </a:xfrm>
+        </p:spPr>
+        <p:txBody>
+          <a:bodyPr>
+            <a:normAutofit/>
+          </a:bodyPr>
+          <a:lstStyle/>
+          <a:p>
             <a:pPr algn="l"/>
             <a:r>
               <a:rPr lang="pt-BR" sz="4000" dirty="0" smtClean="0"/>
-              <a:t>Alimentos</a:t>
+              <a:t>Interface</a:t>
             </a:r>
             <a:endParaRPr lang="pt-BR" sz="4000" dirty="0"/>
           </a:p>
@@ -5801,7 +6389,7 @@
       </p:sp>
       <p:pic>
         <p:nvPicPr>
-          <p:cNvPr id="6146" name="Picture 2" descr="bons"/>
+          <p:cNvPr id="6146" name="Picture 2"/>
           <p:cNvPicPr>
             <a:picLocks noChangeAspect="1" noChangeArrowheads="1"/>
           </p:cNvPicPr>
@@ -5822,8 +6410,8 @@
         </p:blipFill>
         <p:spPr bwMode="auto">
           <a:xfrm>
-            <a:off x="1691680" y="3705343"/>
-            <a:ext cx="5930900" cy="300038"/>
+            <a:off x="1475656" y="1412776"/>
+            <a:ext cx="6624736" cy="4576227"/>
           </a:xfrm>
           <a:prstGeom prst="rect">
             <a:avLst/>
@@ -5853,64 +6441,10 @@
           </a:extLst>
         </p:spPr>
       </p:pic>
-      <p:pic>
-        <p:nvPicPr>
-          <p:cNvPr id="6147" name="Picture 3" descr="ruins"/>
-          <p:cNvPicPr>
-            <a:picLocks noChangeAspect="1" noChangeArrowheads="1"/>
-          </p:cNvPicPr>
-          <p:nvPr/>
-        </p:nvPicPr>
-        <p:blipFill>
-          <a:blip r:embed="rId3">
-            <a:extLst>
-              <a:ext uri="{28A0092B-C50C-407E-A947-70E740481C1C}">
-                <a14:useLocalDpi xmlns:a14="http://schemas.microsoft.com/office/drawing/2010/main" val="0"/>
-              </a:ext>
-            </a:extLst>
-          </a:blip>
-          <a:srcRect/>
-          <a:stretch>
-            <a:fillRect/>
-          </a:stretch>
-        </p:blipFill>
-        <p:spPr bwMode="auto">
-          <a:xfrm>
-            <a:off x="2051720" y="4411265"/>
-            <a:ext cx="4498975" cy="339725"/>
-          </a:xfrm>
-          <a:prstGeom prst="rect">
-            <a:avLst/>
-          </a:prstGeom>
-          <a:noFill/>
-          <a:ln>
-            <a:noFill/>
-          </a:ln>
-          <a:extLst>
-            <a:ext uri="{909E8E84-426E-40DD-AFC4-6F175D3DCCD1}">
-              <a14:hiddenFill xmlns:a14="http://schemas.microsoft.com/office/drawing/2010/main">
-                <a:solidFill>
-                  <a:srgbClr val="FFFFFF"/>
-                </a:solidFill>
-              </a14:hiddenFill>
-            </a:ext>
-            <a:ext uri="{91240B29-F687-4F45-9708-019B960494DF}">
-              <a14:hiddenLine xmlns:a14="http://schemas.microsoft.com/office/drawing/2010/main" w="9525">
-                <a:solidFill>
-                  <a:srgbClr val="000000"/>
-                </a:solidFill>
-                <a:miter lim="800000"/>
-                <a:headEnd/>
-                <a:tailEnd/>
-              </a14:hiddenLine>
-            </a:ext>
-          </a:extLst>
-        </p:spPr>
-      </p:pic>
     </p:spTree>
     <p:extLst>
       <p:ext uri="{BB962C8B-B14F-4D97-AF65-F5344CB8AC3E}">
-        <p14:creationId xmlns:p14="http://schemas.microsoft.com/office/powerpoint/2010/main" val="2776454512"/>
+        <p14:creationId xmlns:p14="http://schemas.microsoft.com/office/powerpoint/2010/main" val="1424180926"/>
       </p:ext>
     </p:extLst>
   </p:cSld>
@@ -5956,8 +6490,8 @@
         </p:nvSpPr>
         <p:spPr>
           <a:xfrm>
-            <a:off x="457200" y="1628800"/>
-            <a:ext cx="7211144" cy="3744416"/>
+            <a:off x="457200" y="1628801"/>
+            <a:ext cx="5554960" cy="1656184"/>
           </a:xfrm>
         </p:spPr>
         <p:txBody>
@@ -5969,31 +6503,6 @@
             <a:endParaRPr lang="pt-BR" sz="3200" dirty="0" smtClean="0"/>
           </a:p>
           <a:p>
-            <a:r>
-              <a:rPr lang="pt-BR" sz="3200" dirty="0" smtClean="0"/>
-              <a:t> Mapa</a:t>
-            </a:r>
-          </a:p>
-          <a:p>
-            <a:r>
-              <a:rPr lang="pt-BR" sz="3200" dirty="0" smtClean="0"/>
-              <a:t> Pontuação</a:t>
-            </a:r>
-          </a:p>
-          <a:p>
-            <a:r>
-              <a:rPr lang="pt-BR" sz="3200" dirty="0" smtClean="0"/>
-              <a:t> Níveis dificuldade</a:t>
-            </a:r>
-          </a:p>
-          <a:p>
-            <a:r>
-              <a:rPr lang="pt-BR" sz="3200" dirty="0" smtClean="0"/>
-              <a:t> Colisão</a:t>
-            </a:r>
-            <a:endParaRPr lang="pt-BR" sz="3200" dirty="0"/>
-          </a:p>
-          <a:p>
             <a:endParaRPr lang="pt-BR" sz="3600" dirty="0" smtClean="0"/>
           </a:p>
           <a:p>
@@ -6025,16 +6534,71 @@
           <a:p>
             <a:pPr algn="l"/>
             <a:r>
-              <a:rPr lang="pt-BR" sz="4000" dirty="0"/>
-              <a:t>Projeto/Desenvolvimento </a:t>
-            </a:r>
-          </a:p>
-        </p:txBody>
-      </p:sp>
+              <a:rPr lang="pt-BR" sz="4000" dirty="0" smtClean="0"/>
+              <a:t>Interface</a:t>
+            </a:r>
+            <a:endParaRPr lang="pt-BR" sz="4000" dirty="0"/>
+          </a:p>
+        </p:txBody>
+      </p:sp>
+      <p:pic>
+        <p:nvPicPr>
+          <p:cNvPr id="7170" name="Picture 2"/>
+          <p:cNvPicPr>
+            <a:picLocks noChangeAspect="1" noChangeArrowheads="1"/>
+          </p:cNvPicPr>
+          <p:nvPr/>
+        </p:nvPicPr>
+        <p:blipFill>
+          <a:blip r:embed="rId2">
+            <a:extLst>
+              <a:ext uri="{28A0092B-C50C-407E-A947-70E740481C1C}">
+                <a14:useLocalDpi xmlns:a14="http://schemas.microsoft.com/office/drawing/2010/main" val="0"/>
+              </a:ext>
+            </a:extLst>
+          </a:blip>
+          <a:srcRect/>
+          <a:stretch>
+            <a:fillRect/>
+          </a:stretch>
+        </p:blipFill>
+        <p:spPr bwMode="auto">
+          <a:xfrm>
+            <a:off x="1475656" y="1470160"/>
+            <a:ext cx="6601917" cy="4551127"/>
+          </a:xfrm>
+          <a:prstGeom prst="rect">
+            <a:avLst/>
+          </a:prstGeom>
+          <a:noFill/>
+          <a:ln>
+            <a:noFill/>
+          </a:ln>
+          <a:extLst>
+            <a:ext uri="{909E8E84-426E-40DD-AFC4-6F175D3DCCD1}">
+              <a14:hiddenFill xmlns:a14="http://schemas.microsoft.com/office/drawing/2010/main">
+                <a:solidFill>
+                  <a:srgbClr val="FFFFFF"/>
+                </a:solidFill>
+              </a14:hiddenFill>
+            </a:ext>
+            <a:ext uri="{91240B29-F687-4F45-9708-019B960494DF}">
+              <a14:hiddenLine xmlns:a14="http://schemas.microsoft.com/office/drawing/2010/main" w="9525">
+                <a:solidFill>
+                  <a:srgbClr val="000000"/>
+                </a:solidFill>
+                <a:miter lim="800000"/>
+                <a:headEnd/>
+                <a:tailEnd/>
+              </a14:hiddenLine>
+            </a:ext>
+          </a:extLst>
+        </p:spPr>
+      </p:pic>
     </p:spTree>
     <p:extLst>
       <p:ext uri="{BB962C8B-B14F-4D97-AF65-F5344CB8AC3E}">
-        <p14:creationId xmlns:p14="http://schemas.microsoft.com/office/powerpoint/2010/main" val="994906556"/>
+        <p14:creationId xmlns:p14="http://schemas.microsoft.com/office/powerpoint/2010/main" val="1910388027"/>
       </p:ext>
     </p:extLst>
   </p:cSld>
@@ -6090,64 +6654,54 @@
           </a:bodyPr>
           <a:lstStyle/>
           <a:p>
+            <a:pPr marL="355600" indent="-355600"/>
             <a:r>
               <a:rPr lang="pt-BR" sz="2800" dirty="0" smtClean="0"/>
               <a:t>Problema </a:t>
             </a:r>
           </a:p>
           <a:p>
+            <a:pPr marL="355600" indent="-355600"/>
             <a:r>
               <a:rPr lang="pt-BR" sz="2800" dirty="0" smtClean="0"/>
               <a:t>Objetivos </a:t>
             </a:r>
           </a:p>
           <a:p>
-            <a:r>
-              <a:rPr lang="pt-BR" sz="2800" dirty="0" smtClean="0"/>
-              <a:t>Jogos </a:t>
-            </a:r>
-          </a:p>
-          <a:p>
+            <a:pPr marL="355600" indent="-355600"/>
             <a:r>
               <a:rPr lang="pt-BR" sz="2800" dirty="0" smtClean="0"/>
               <a:t>Jogos Digitais </a:t>
             </a:r>
           </a:p>
           <a:p>
-            <a:pPr marL="541338" indent="-269875"/>
+            <a:pPr marL="355600" indent="-355600"/>
             <a:r>
               <a:rPr lang="pt-BR" sz="2800" dirty="0" smtClean="0"/>
-              <a:t>Jogos Digitais Educacionais </a:t>
-            </a:r>
-          </a:p>
-          <a:p>
-            <a:pPr marL="541338" indent="-269875">
-              <a:tabLst>
-                <a:tab pos="541338" algn="l"/>
-              </a:tabLst>
-            </a:pPr>
-            <a:r>
-              <a:rPr lang="pt-BR" sz="2800" dirty="0" smtClean="0"/>
-              <a:t>Jogos Digitais Inteligência Artificial </a:t>
-            </a:r>
-          </a:p>
-          <a:p>
-            <a:r>
-              <a:rPr lang="pt-BR" sz="2800" dirty="0" smtClean="0"/>
-              <a:t>Projeto/Desenvolvimento</a:t>
-            </a:r>
-          </a:p>
-          <a:p>
+              <a:t>Projeto</a:t>
+            </a:r>
+          </a:p>
+          <a:p>
+            <a:pPr marL="355600" indent="-355600"/>
             <a:r>
               <a:rPr lang="pt-BR" sz="2800" dirty="0" smtClean="0"/>
               <a:t>Considerações Finais </a:t>
             </a:r>
           </a:p>
           <a:p>
+            <a:pPr marL="355600" indent="-355600"/>
             <a:r>
               <a:rPr lang="pt-BR" sz="2800" dirty="0" smtClean="0"/>
               <a:t>Trabalhos Futuros</a:t>
             </a:r>
+          </a:p>
+          <a:p>
+            <a:pPr marL="355600" indent="-355600"/>
+            <a:endParaRPr lang="pt-BR" sz="2800" dirty="0" smtClean="0"/>
+          </a:p>
+          <a:p>
+            <a:pPr marL="355600" indent="-355600"/>
+            <a:endParaRPr lang="pt-BR" sz="2800" dirty="0" smtClean="0"/>
           </a:p>
           <a:p>
             <a:endParaRPr lang="pt-BR" dirty="0"/>
@@ -6235,70 +6789,44 @@
         <p:spPr>
           <a:xfrm>
             <a:off x="457200" y="1628800"/>
-            <a:ext cx="8003232" cy="4543399"/>
-          </a:xfrm>
-        </p:spPr>
-        <p:txBody>
-          <a:bodyPr/>
+            <a:ext cx="5554960" cy="2088232"/>
+          </a:xfrm>
+        </p:spPr>
+        <p:txBody>
+          <a:bodyPr>
+            <a:normAutofit fontScale="92500" lnSpcReduction="10000"/>
+          </a:bodyPr>
           <a:lstStyle/>
           <a:p>
             <a:endParaRPr lang="pt-BR" sz="3200" dirty="0" smtClean="0"/>
           </a:p>
           <a:p>
+            <a:pPr marL="273050" indent="-273050"/>
             <a:r>
               <a:rPr lang="pt-BR" sz="3200" dirty="0" smtClean="0"/>
-              <a:t>Mercado </a:t>
-            </a:r>
-            <a:r>
-              <a:rPr lang="pt-BR" sz="3200" dirty="0"/>
-              <a:t>lucrativo </a:t>
-            </a:r>
-          </a:p>
-          <a:p>
+              <a:t> Selecionados Nutricionista</a:t>
+            </a:r>
+          </a:p>
+          <a:p>
+            <a:pPr marL="273050" indent="-273050"/>
             <a:r>
               <a:rPr lang="pt-BR" sz="3200" dirty="0" smtClean="0"/>
-              <a:t>Ferramentas similares</a:t>
+              <a:t>Bons Ruins</a:t>
+            </a:r>
+          </a:p>
+          <a:p>
+            <a:pPr marL="273050" indent="-273050"/>
+            <a:r>
+              <a:rPr lang="pt-BR" sz="3200" dirty="0" smtClean="0"/>
+              <a:t>Posições</a:t>
             </a:r>
             <a:endParaRPr lang="pt-BR" sz="3200" dirty="0"/>
           </a:p>
           <a:p>
-            <a:r>
-              <a:rPr lang="pt-BR" sz="3200" dirty="0" smtClean="0"/>
-              <a:t>Conceito e técnicas dos jogos </a:t>
-            </a:r>
-            <a:r>
-              <a:rPr lang="pt-BR" sz="3200" dirty="0"/>
-              <a:t>educacionais</a:t>
-            </a:r>
-          </a:p>
-          <a:p>
-            <a:r>
-              <a:rPr lang="pt-BR" sz="3200" dirty="0" smtClean="0"/>
-              <a:t>Estimulo </a:t>
-            </a:r>
-            <a:endParaRPr lang="pt-BR" sz="3200" dirty="0"/>
-          </a:p>
-          <a:p>
-            <a:r>
-              <a:rPr lang="pt-BR" sz="3200" dirty="0" smtClean="0"/>
-              <a:t>Desafios</a:t>
-            </a:r>
-          </a:p>
-          <a:p>
-            <a:r>
-              <a:rPr lang="pt-BR" sz="3200" dirty="0" smtClean="0"/>
-              <a:t>Objetivo final</a:t>
-            </a:r>
-            <a:endParaRPr lang="pt-BR" sz="3200" dirty="0"/>
-          </a:p>
-          <a:p>
-            <a:endParaRPr lang="pt-BR" sz="3200" dirty="0" smtClean="0"/>
-          </a:p>
-          <a:p>
-            <a:endParaRPr lang="pt-BR" sz="3200" dirty="0" smtClean="0"/>
-          </a:p>
-          <a:p>
-            <a:endParaRPr lang="pt-BR" dirty="0"/>
+            <a:endParaRPr lang="pt-BR" sz="3600" dirty="0" smtClean="0"/>
+          </a:p>
+          <a:p>
+            <a:endParaRPr lang="pt-BR" dirty="0" smtClean="0"/>
           </a:p>
         </p:txBody>
       </p:sp>
@@ -6327,16 +6855,124 @@
             <a:pPr algn="l"/>
             <a:r>
               <a:rPr lang="pt-BR" sz="4000" dirty="0" smtClean="0"/>
-              <a:t>Considerações Finais</a:t>
+              <a:t>Alimentos</a:t>
             </a:r>
             <a:endParaRPr lang="pt-BR" sz="4000" dirty="0"/>
           </a:p>
         </p:txBody>
       </p:sp>
+      <p:pic>
+        <p:nvPicPr>
+          <p:cNvPr id="6146" name="Picture 2" descr="bons"/>
+          <p:cNvPicPr>
+            <a:picLocks noChangeAspect="1" noChangeArrowheads="1"/>
+          </p:cNvPicPr>
+          <p:nvPr/>
+        </p:nvPicPr>
+        <p:blipFill>
+          <a:blip r:embed="rId2" cstate="print">
+            <a:extLst>
+              <a:ext uri="{28A0092B-C50C-407E-A947-70E740481C1C}">
+                <a14:useLocalDpi xmlns:a14="http://schemas.microsoft.com/office/drawing/2010/main" val="0"/>
+              </a:ext>
+            </a:extLst>
+          </a:blip>
+          <a:srcRect/>
+          <a:stretch>
+            <a:fillRect/>
+          </a:stretch>
+        </p:blipFill>
+        <p:spPr bwMode="auto">
+          <a:xfrm>
+            <a:off x="1691680" y="3705343"/>
+            <a:ext cx="5930900" cy="300038"/>
+          </a:xfrm>
+          <a:prstGeom prst="rect">
+            <a:avLst/>
+          </a:prstGeom>
+          <a:noFill/>
+          <a:ln>
+            <a:noFill/>
+          </a:ln>
+          <a:extLst>
+            <a:ext uri="{909E8E84-426E-40DD-AFC4-6F175D3DCCD1}">
+              <a14:hiddenFill xmlns:a14="http://schemas.microsoft.com/office/drawing/2010/main">
+                <a:solidFill>
+                  <a:srgbClr val="FFFFFF"/>
+                </a:solidFill>
+              </a14:hiddenFill>
+            </a:ext>
+            <a:ext uri="{91240B29-F687-4F45-9708-019B960494DF}">
+              <a14:hiddenLine xmlns:a14="http://schemas.microsoft.com/office/drawing/2010/main" w="9525">
+                <a:solidFill>
+                  <a:srgbClr val="000000"/>
+                </a:solidFill>
+                <a:miter lim="800000"/>
+                <a:headEnd/>
+                <a:tailEnd/>
+              </a14:hiddenLine>
+            </a:ext>
+          </a:extLst>
+        </p:spPr>
+      </p:pic>
+      <p:pic>
+        <p:nvPicPr>
+          <p:cNvPr id="6147" name="Picture 3" descr="ruins"/>
+          <p:cNvPicPr>
+            <a:picLocks noChangeAspect="1" noChangeArrowheads="1"/>
+          </p:cNvPicPr>
+          <p:nvPr/>
+        </p:nvPicPr>
+        <p:blipFill>
+          <a:blip r:embed="rId3" cstate="print">
+            <a:extLst>
+              <a:ext uri="{28A0092B-C50C-407E-A947-70E740481C1C}">
+                <a14:useLocalDpi xmlns:a14="http://schemas.microsoft.com/office/drawing/2010/main" val="0"/>
+              </a:ext>
+            </a:extLst>
+          </a:blip>
+          <a:srcRect/>
+          <a:stretch>
+            <a:fillRect/>
+          </a:stretch>
+        </p:blipFill>
+        <p:spPr bwMode="auto">
+          <a:xfrm>
+            <a:off x="2051720" y="4411265"/>
+            <a:ext cx="4498975" cy="339725"/>
+          </a:xfrm>
+          <a:prstGeom prst="rect">
+            <a:avLst/>
+          </a:prstGeom>
+          <a:noFill/>
+          <a:ln>
+            <a:noFill/>
+          </a:ln>
+          <a:extLst>
+            <a:ext uri="{909E8E84-426E-40DD-AFC4-6F175D3DCCD1}">
+              <a14:hiddenFill xmlns:a14="http://schemas.microsoft.com/office/drawing/2010/main">
+                <a:solidFill>
+                  <a:srgbClr val="FFFFFF"/>
+                </a:solidFill>
+              </a14:hiddenFill>
+            </a:ext>
+            <a:ext uri="{91240B29-F687-4F45-9708-019B960494DF}">
+              <a14:hiddenLine xmlns:a14="http://schemas.microsoft.com/office/drawing/2010/main" w="9525">
+                <a:solidFill>
+                  <a:srgbClr val="000000"/>
+                </a:solidFill>
+                <a:miter lim="800000"/>
+                <a:headEnd/>
+                <a:tailEnd/>
+              </a14:hiddenLine>
+            </a:ext>
+          </a:extLst>
+        </p:spPr>
+      </p:pic>
     </p:spTree>
     <p:extLst>
       <p:ext uri="{BB962C8B-B14F-4D97-AF65-F5344CB8AC3E}">
-        <p14:creationId xmlns:p14="http://schemas.microsoft.com/office/powerpoint/2010/main" val="3116934594"/>
+        <p14:creationId xmlns:p14="http://schemas.microsoft.com/office/powerpoint/2010/main" val="2776454512"/>
       </p:ext>
     </p:extLst>
   </p:cSld>
@@ -6382,8 +7018,62 @@
         </p:nvSpPr>
         <p:spPr>
           <a:xfrm>
-            <a:off x="457200" y="1628800"/>
-            <a:ext cx="8003232" cy="4543399"/>
+            <a:off x="467544" y="1916832"/>
+            <a:ext cx="7211144" cy="3744416"/>
+          </a:xfrm>
+        </p:spPr>
+        <p:txBody>
+          <a:bodyPr anchor="t" anchorCtr="0">
+            <a:normAutofit/>
+          </a:bodyPr>
+          <a:lstStyle/>
+          <a:p>
+            <a:r>
+              <a:rPr lang="pt-BR" sz="3200" dirty="0" smtClean="0"/>
+              <a:t> Mapa</a:t>
+            </a:r>
+          </a:p>
+          <a:p>
+            <a:r>
+              <a:rPr lang="pt-BR" sz="3200" dirty="0" smtClean="0"/>
+              <a:t> Pontuação</a:t>
+            </a:r>
+          </a:p>
+          <a:p>
+            <a:r>
+              <a:rPr lang="pt-BR" sz="3200" dirty="0" smtClean="0"/>
+              <a:t> Níveis dificuldade</a:t>
+            </a:r>
+          </a:p>
+          <a:p>
+            <a:r>
+              <a:rPr lang="pt-BR" sz="3200" dirty="0" smtClean="0"/>
+              <a:t> Colisão</a:t>
+            </a:r>
+            <a:endParaRPr lang="pt-BR" sz="3200" dirty="0"/>
+          </a:p>
+          <a:p>
+            <a:endParaRPr lang="pt-BR" sz="3600" dirty="0" smtClean="0"/>
+          </a:p>
+          <a:p>
+            <a:endParaRPr lang="pt-BR" dirty="0" smtClean="0"/>
+          </a:p>
+        </p:txBody>
+      </p:sp>
+      <p:sp>
+        <p:nvSpPr>
+          <p:cNvPr id="3" name="Título 2"/>
+          <p:cNvSpPr>
+            <a:spLocks noGrp="1"/>
+          </p:cNvSpPr>
+          <p:nvPr>
+            <p:ph type="title"/>
+          </p:nvPr>
+        </p:nvSpPr>
+        <p:spPr>
+          <a:xfrm>
+            <a:off x="395536" y="457200"/>
+            <a:ext cx="7200800" cy="1027584"/>
           </a:xfrm>
         </p:spPr>
         <p:txBody>
@@ -6392,6 +7082,214 @@
           </a:bodyPr>
           <a:lstStyle/>
           <a:p>
+            <a:pPr algn="l"/>
+            <a:r>
+              <a:rPr lang="pt-BR" sz="4000" dirty="0"/>
+              <a:t>Projeto/Desenvolvimento </a:t>
+            </a:r>
+          </a:p>
+        </p:txBody>
+      </p:sp>
+    </p:spTree>
+    <p:extLst>
+      <p:ext uri="{BB962C8B-B14F-4D97-AF65-F5344CB8AC3E}">
+        <p14:creationId xmlns:p14="http://schemas.microsoft.com/office/powerpoint/2010/main" val="994906556"/>
+      </p:ext>
+    </p:extLst>
+  </p:cSld>
+  <p:clrMapOvr>
+    <a:masterClrMapping/>
+  </p:clrMapOvr>
+  <p:timing>
+    <p:tnLst>
+      <p:par>
+        <p:cTn id="1" dur="indefinite" restart="never" nodeType="tmRoot"/>
+      </p:par>
+    </p:tnLst>
+  </p:timing>
+</p:sld>
+</file>
+
+<file path=ppt/slides/slide22.xml><?xml version="1.0" encoding="utf-8"?>
+<p:sld xmlns:a="http://schemas.openxmlformats.org/drawingml/2006/main" xmlns:r="http://schemas.openxmlformats.org/officeDocument/2006/relationships" xmlns:p="http://schemas.openxmlformats.org/presentationml/2006/main">
+  <p:cSld>
+    <p:spTree>
+      <p:nvGrpSpPr>
+        <p:cNvPr id="1" name=""/>
+        <p:cNvGrpSpPr/>
+        <p:nvPr/>
+      </p:nvGrpSpPr>
+      <p:grpSpPr>
+        <a:xfrm>
+          <a:off x="0" y="0"/>
+          <a:ext cx="0" cy="0"/>
+          <a:chOff x="0" y="0"/>
+          <a:chExt cx="0" cy="0"/>
+        </a:xfrm>
+      </p:grpSpPr>
+      <p:sp>
+        <p:nvSpPr>
+          <p:cNvPr id="2" name="Espaço Reservado para Conteúdo 1"/>
+          <p:cNvSpPr>
+            <a:spLocks noGrp="1"/>
+          </p:cNvSpPr>
+          <p:nvPr>
+            <p:ph idx="1"/>
+          </p:nvPr>
+        </p:nvSpPr>
+        <p:spPr>
+          <a:xfrm>
+            <a:off x="467544" y="1844824"/>
+            <a:ext cx="8003232" cy="4543399"/>
+          </a:xfrm>
+        </p:spPr>
+        <p:txBody>
+          <a:bodyPr anchor="t" anchorCtr="0"/>
+          <a:lstStyle/>
+          <a:p>
+            <a:pPr marL="355600" indent="-355600"/>
+            <a:r>
+              <a:rPr lang="pt-BR" sz="3200" dirty="0" smtClean="0"/>
+              <a:t>Ferramentas similares</a:t>
+            </a:r>
+            <a:endParaRPr lang="pt-BR" sz="3200" dirty="0"/>
+          </a:p>
+          <a:p>
+            <a:pPr marL="355600" indent="-355600"/>
+            <a:r>
+              <a:rPr lang="pt-BR" sz="3200" dirty="0" smtClean="0"/>
+              <a:t>Conceito e técnicas dos jogos </a:t>
+            </a:r>
+            <a:r>
+              <a:rPr lang="pt-BR" sz="3200" dirty="0"/>
+              <a:t>educacionais</a:t>
+            </a:r>
+          </a:p>
+          <a:p>
+            <a:pPr marL="355600" indent="-355600"/>
+            <a:r>
+              <a:rPr lang="pt-BR" sz="3200" dirty="0" smtClean="0"/>
+              <a:t>Estímulo </a:t>
+            </a:r>
+            <a:endParaRPr lang="pt-BR" sz="3200" dirty="0"/>
+          </a:p>
+          <a:p>
+            <a:pPr marL="355600" indent="-355600"/>
+            <a:r>
+              <a:rPr lang="pt-BR" sz="3200" dirty="0" smtClean="0"/>
+              <a:t>Desafios</a:t>
+            </a:r>
+          </a:p>
+          <a:p>
+            <a:pPr marL="355600" indent="-355600"/>
+            <a:r>
+              <a:rPr lang="pt-BR" sz="3200" dirty="0" smtClean="0"/>
+              <a:t>Objetivo final</a:t>
+            </a:r>
+            <a:endParaRPr lang="pt-BR" sz="3200" dirty="0"/>
+          </a:p>
+          <a:p>
+            <a:endParaRPr lang="pt-BR" sz="3200" dirty="0" smtClean="0"/>
+          </a:p>
+          <a:p>
+            <a:endParaRPr lang="pt-BR" sz="3200" dirty="0" smtClean="0"/>
+          </a:p>
+          <a:p>
+            <a:endParaRPr lang="pt-BR" dirty="0"/>
+          </a:p>
+        </p:txBody>
+      </p:sp>
+      <p:sp>
+        <p:nvSpPr>
+          <p:cNvPr id="3" name="Título 2"/>
+          <p:cNvSpPr>
+            <a:spLocks noGrp="1"/>
+          </p:cNvSpPr>
+          <p:nvPr>
+            <p:ph type="title"/>
+          </p:nvPr>
+        </p:nvSpPr>
+        <p:spPr>
+          <a:xfrm>
+            <a:off x="395536" y="457200"/>
+            <a:ext cx="7200800" cy="1027584"/>
+          </a:xfrm>
+        </p:spPr>
+        <p:txBody>
+          <a:bodyPr>
+            <a:normAutofit/>
+          </a:bodyPr>
+          <a:lstStyle/>
+          <a:p>
+            <a:pPr algn="l"/>
+            <a:r>
+              <a:rPr lang="pt-BR" sz="4000" dirty="0" smtClean="0"/>
+              <a:t>Considerações Finais</a:t>
+            </a:r>
+            <a:endParaRPr lang="pt-BR" sz="4000" dirty="0"/>
+          </a:p>
+        </p:txBody>
+      </p:sp>
+    </p:spTree>
+    <p:extLst>
+      <p:ext uri="{BB962C8B-B14F-4D97-AF65-F5344CB8AC3E}">
+        <p14:creationId xmlns:p14="http://schemas.microsoft.com/office/powerpoint/2010/main" val="3116934594"/>
+      </p:ext>
+    </p:extLst>
+  </p:cSld>
+  <p:clrMapOvr>
+    <a:masterClrMapping/>
+  </p:clrMapOvr>
+  <p:timing>
+    <p:tnLst>
+      <p:par>
+        <p:cTn id="1" dur="indefinite" restart="never" nodeType="tmRoot"/>
+      </p:par>
+    </p:tnLst>
+  </p:timing>
+</p:sld>
+</file>
+
+<file path=ppt/slides/slide23.xml><?xml version="1.0" encoding="utf-8"?>
+<p:sld xmlns:a="http://schemas.openxmlformats.org/drawingml/2006/main" xmlns:r="http://schemas.openxmlformats.org/officeDocument/2006/relationships" xmlns:p="http://schemas.openxmlformats.org/presentationml/2006/main">
+  <p:cSld>
+    <p:spTree>
+      <p:nvGrpSpPr>
+        <p:cNvPr id="1" name=""/>
+        <p:cNvGrpSpPr/>
+        <p:nvPr/>
+      </p:nvGrpSpPr>
+      <p:grpSpPr>
+        <a:xfrm>
+          <a:off x="0" y="0"/>
+          <a:ext cx="0" cy="0"/>
+          <a:chOff x="0" y="0"/>
+          <a:chExt cx="0" cy="0"/>
+        </a:xfrm>
+      </p:grpSpPr>
+      <p:sp>
+        <p:nvSpPr>
+          <p:cNvPr id="2" name="Espaço Reservado para Conteúdo 1"/>
+          <p:cNvSpPr>
+            <a:spLocks noGrp="1"/>
+          </p:cNvSpPr>
+          <p:nvPr>
+            <p:ph idx="1"/>
+          </p:nvPr>
+        </p:nvSpPr>
+        <p:spPr>
+          <a:xfrm>
+            <a:off x="467544" y="1844824"/>
+            <a:ext cx="8003232" cy="4543399"/>
+          </a:xfrm>
+        </p:spPr>
+        <p:txBody>
+          <a:bodyPr anchor="t" anchorCtr="0">
+            <a:normAutofit/>
+          </a:bodyPr>
+          <a:lstStyle/>
+          <a:p>
+            <a:pPr marL="355600" indent="-355600"/>
             <a:r>
               <a:rPr lang="pt-BR" sz="3200" i="1" dirty="0"/>
               <a:t>Design</a:t>
@@ -6402,12 +7300,14 @@
             </a:r>
           </a:p>
           <a:p>
+            <a:pPr marL="355600" indent="-355600"/>
             <a:r>
               <a:rPr lang="pt-BR" sz="3200" dirty="0"/>
               <a:t>Aumentar o número de fases</a:t>
             </a:r>
           </a:p>
           <a:p>
+            <a:pPr marL="355600" indent="-355600"/>
             <a:r>
               <a:rPr lang="pt-BR" sz="3200" i="1" dirty="0"/>
               <a:t>Ranking</a:t>
@@ -6482,7 +7382,7 @@
 </p:sld>
 </file>
 
-<file path=ppt/slides/slide22.xml><?xml version="1.0" encoding="utf-8"?>
+<file path=ppt/slides/slide24.xml><?xml version="1.0" encoding="utf-8"?>
 <p:sld xmlns:a="http://schemas.openxmlformats.org/drawingml/2006/main" xmlns:r="http://schemas.openxmlformats.org/officeDocument/2006/relationships" xmlns:p="http://schemas.openxmlformats.org/presentationml/2006/main">
   <p:cSld>
     <p:spTree>
@@ -6579,8 +7479,100 @@
         </p:nvSpPr>
         <p:spPr>
           <a:xfrm>
-            <a:off x="457200" y="1628800"/>
-            <a:ext cx="8003232" cy="4543399"/>
+            <a:off x="251520" y="1268760"/>
+            <a:ext cx="8136904" cy="5184576"/>
+          </a:xfrm>
+        </p:spPr>
+        <p:txBody>
+          <a:bodyPr>
+            <a:noAutofit/>
+          </a:bodyPr>
+          <a:lstStyle/>
+          <a:p>
+            <a:endParaRPr lang="pt-BR" sz="3000" dirty="0" smtClean="0"/>
+          </a:p>
+          <a:p>
+            <a:endParaRPr lang="pt-BR" sz="3000" dirty="0" smtClean="0"/>
+          </a:p>
+          <a:p>
+            <a:pPr marL="808038" indent="0" algn="just">
+              <a:buNone/>
+            </a:pPr>
+            <a:endParaRPr lang="pt-BR" sz="2200" dirty="0" smtClean="0"/>
+          </a:p>
+          <a:p>
+            <a:pPr marL="808038" indent="0" algn="just">
+              <a:buNone/>
+            </a:pPr>
+            <a:endParaRPr lang="pt-BR" sz="2200" dirty="0" smtClean="0"/>
+          </a:p>
+          <a:p>
+            <a:pPr marL="808038" indent="0" algn="just">
+              <a:buNone/>
+            </a:pPr>
+            <a:r>
+              <a:rPr lang="pt-BR" sz="2200" dirty="0" smtClean="0"/>
+              <a:t>O número de meninos acima do peso mais que dobrou entre 1989 e 2009, passando de 15% para 34,8%, respectivamente. Já o número de obesos teve um aumento de mais de 300% nesse mesmo grupo etário, indo de 4,1% em 1989 para 16,6% em 2008-2009. Entre as meninas esta variação foi ainda maior. (MELO, 2010, p.1)</a:t>
+            </a:r>
+          </a:p>
+          <a:p>
+            <a:endParaRPr lang="pt-BR" sz="2400" dirty="0" smtClean="0"/>
+          </a:p>
+          <a:p>
+            <a:pPr>
+              <a:buNone/>
+            </a:pPr>
+            <a:r>
+              <a:rPr lang="pt-BR" sz="2200" dirty="0" smtClean="0"/>
+              <a:t>Jogos digitais            ferramenta de promoção do aprendizado.</a:t>
+            </a:r>
+          </a:p>
+          <a:p>
+            <a:pPr>
+              <a:buNone/>
+            </a:pPr>
+            <a:endParaRPr lang="pt-BR" sz="2200" dirty="0" smtClean="0"/>
+          </a:p>
+          <a:p>
+            <a:pPr marL="712788" indent="0">
+              <a:buNone/>
+            </a:pPr>
+            <a:endParaRPr lang="pt-BR" sz="2200" dirty="0" smtClean="0"/>
+          </a:p>
+          <a:p>
+            <a:pPr marL="712788" indent="0">
+              <a:buNone/>
+            </a:pPr>
+            <a:r>
+              <a:rPr lang="pt-BR" sz="2200" dirty="0" smtClean="0"/>
+              <a:t>alternativa divertida para possibilitar que crianças adquiram hábitos alimentares mais saudáveis.</a:t>
+            </a:r>
+          </a:p>
+          <a:p>
+            <a:endParaRPr lang="pt-BR" sz="3200" dirty="0" smtClean="0"/>
+          </a:p>
+          <a:p>
+            <a:endParaRPr lang="pt-BR" sz="3600" dirty="0" smtClean="0"/>
+          </a:p>
+          <a:p>
+            <a:endParaRPr lang="pt-BR" sz="3600" dirty="0"/>
+          </a:p>
+        </p:txBody>
+      </p:sp>
+      <p:sp>
+        <p:nvSpPr>
+          <p:cNvPr id="3" name="Título 2"/>
+          <p:cNvSpPr>
+            <a:spLocks noGrp="1"/>
+          </p:cNvSpPr>
+          <p:nvPr>
+            <p:ph type="title"/>
+          </p:nvPr>
+        </p:nvSpPr>
+        <p:spPr>
+          <a:xfrm>
+            <a:off x="395536" y="457200"/>
+            <a:ext cx="7200800" cy="1027584"/>
           </a:xfrm>
         </p:spPr>
         <p:txBody>
@@ -6589,68 +7581,98 @@
           </a:bodyPr>
           <a:lstStyle/>
           <a:p>
-            <a:r>
-              <a:rPr lang="pt-BR" sz="3000" dirty="0" smtClean="0"/>
-              <a:t>Número de crianças acima do peso</a:t>
-            </a:r>
-          </a:p>
-          <a:p>
-            <a:r>
-              <a:rPr lang="pt-BR" sz="3000" dirty="0" smtClean="0"/>
-              <a:t>Falta de exercícios físicos </a:t>
-            </a:r>
-          </a:p>
-          <a:p>
-            <a:r>
-              <a:rPr lang="pt-BR" sz="3000" dirty="0" smtClean="0"/>
-              <a:t>Alimentação inadequada</a:t>
-            </a:r>
-          </a:p>
-          <a:p>
-            <a:r>
-              <a:rPr lang="pt-BR" sz="3000" dirty="0" smtClean="0"/>
-              <a:t>Horários inadequados </a:t>
-            </a:r>
-          </a:p>
-          <a:p>
-            <a:endParaRPr lang="pt-BR" sz="3200" dirty="0" smtClean="0"/>
-          </a:p>
-          <a:p>
-            <a:endParaRPr lang="pt-BR" sz="3600" dirty="0" smtClean="0"/>
-          </a:p>
-          <a:p>
-            <a:endParaRPr lang="pt-BR" sz="3600" dirty="0"/>
-          </a:p>
-        </p:txBody>
-      </p:sp>
-      <p:sp>
-        <p:nvSpPr>
-          <p:cNvPr id="3" name="Título 2"/>
-          <p:cNvSpPr>
-            <a:spLocks noGrp="1"/>
-          </p:cNvSpPr>
-          <p:nvPr>
-            <p:ph type="title"/>
-          </p:nvPr>
-        </p:nvSpPr>
-        <p:spPr>
-          <a:xfrm>
-            <a:off x="395536" y="457200"/>
-            <a:ext cx="7200800" cy="1027584"/>
-          </a:xfrm>
-        </p:spPr>
-        <p:txBody>
-          <a:bodyPr>
-            <a:normAutofit/>
-          </a:bodyPr>
-          <a:lstStyle/>
-          <a:p>
             <a:pPr algn="l"/>
             <a:r>
               <a:rPr lang="pt-BR" sz="4000" dirty="0" smtClean="0"/>
               <a:t>Problema</a:t>
             </a:r>
             <a:endParaRPr lang="pt-BR" sz="4000" dirty="0"/>
+          </a:p>
+        </p:txBody>
+      </p:sp>
+      <p:sp>
+        <p:nvSpPr>
+          <p:cNvPr id="4" name="Seta para a direita 3"/>
+          <p:cNvSpPr/>
+          <p:nvPr/>
+        </p:nvSpPr>
+        <p:spPr>
+          <a:xfrm>
+            <a:off x="2051720" y="4221088"/>
+            <a:ext cx="432048" cy="360040"/>
+          </a:xfrm>
+          <a:prstGeom prst="rightArrow">
+            <a:avLst/>
+          </a:prstGeom>
+          <a:solidFill>
+            <a:srgbClr val="FF0000"/>
+          </a:solidFill>
+        </p:spPr>
+        <p:style>
+          <a:lnRef idx="2">
+            <a:schemeClr val="accent1">
+              <a:shade val="50000"/>
+            </a:schemeClr>
+          </a:lnRef>
+          <a:fillRef idx="1">
+            <a:schemeClr val="accent1"/>
+          </a:fillRef>
+          <a:effectRef idx="0">
+            <a:schemeClr val="accent1"/>
+          </a:effectRef>
+          <a:fontRef idx="minor">
+            <a:schemeClr val="lt1"/>
+          </a:fontRef>
+        </p:style>
+        <p:txBody>
+          <a:bodyPr rtlCol="0" anchor="ctr"/>
+          <a:lstStyle/>
+          <a:p>
+            <a:pPr algn="ctr"/>
+            <a:endParaRPr lang="pt-BR"/>
+          </a:p>
+        </p:txBody>
+      </p:sp>
+      <p:sp>
+        <p:nvSpPr>
+          <p:cNvPr id="5" name="Seta para a direita 4"/>
+          <p:cNvSpPr/>
+          <p:nvPr/>
+        </p:nvSpPr>
+        <p:spPr>
+          <a:xfrm rot="5400000">
+            <a:off x="1170890" y="4741878"/>
+            <a:ext cx="612648" cy="435164"/>
+          </a:xfrm>
+          <a:prstGeom prst="rightArrow">
+            <a:avLst/>
+          </a:prstGeom>
+          <a:solidFill>
+            <a:srgbClr val="FF0000"/>
+          </a:solidFill>
+        </p:spPr>
+        <p:style>
+          <a:lnRef idx="2">
+            <a:schemeClr val="accent1">
+              <a:shade val="50000"/>
+            </a:schemeClr>
+          </a:lnRef>
+          <a:fillRef idx="1">
+            <a:schemeClr val="accent1"/>
+          </a:fillRef>
+          <a:effectRef idx="0">
+            <a:schemeClr val="accent1"/>
+          </a:effectRef>
+          <a:fontRef idx="minor">
+            <a:schemeClr val="lt1"/>
+          </a:fontRef>
+        </p:style>
+        <p:txBody>
+          <a:bodyPr rtlCol="0" anchor="ctr"/>
+          <a:lstStyle/>
+          <a:p>
+            <a:pPr algn="ctr"/>
+            <a:endParaRPr lang="pt-BR"/>
           </a:p>
         </p:txBody>
       </p:sp>
@@ -6703,49 +7725,71 @@
         </p:nvSpPr>
         <p:spPr>
           <a:xfrm>
-            <a:off x="457200" y="1628800"/>
-            <a:ext cx="8003232" cy="4543399"/>
-          </a:xfrm>
-        </p:spPr>
-        <p:txBody>
-          <a:bodyPr/>
-          <a:lstStyle/>
-          <a:p>
-            <a:pPr marL="0" indent="0" algn="just">
+            <a:off x="251520" y="1268760"/>
+            <a:ext cx="8136904" cy="4903439"/>
+          </a:xfrm>
+        </p:spPr>
+        <p:txBody>
+          <a:bodyPr>
+            <a:noAutofit/>
+          </a:bodyPr>
+          <a:lstStyle/>
+          <a:p>
+            <a:endParaRPr lang="pt-BR" sz="3000" dirty="0" smtClean="0"/>
+          </a:p>
+          <a:p>
+            <a:endParaRPr lang="pt-BR" sz="3000" dirty="0" smtClean="0"/>
+          </a:p>
+          <a:p>
+            <a:pPr marL="985838" indent="0" algn="just">
               <a:buNone/>
             </a:pPr>
-            <a:r>
-              <a:rPr lang="pt-BR" sz="2800" dirty="0" smtClean="0"/>
-              <a:t>Desenvolver </a:t>
-            </a:r>
-            <a:r>
-              <a:rPr lang="pt-BR" sz="2800" dirty="0"/>
-              <a:t>um jogo digital </a:t>
-            </a:r>
-            <a:r>
-              <a:rPr lang="pt-BR" sz="2800" dirty="0" smtClean="0"/>
-              <a:t>para Internet com </a:t>
-            </a:r>
-            <a:r>
-              <a:rPr lang="pt-BR" sz="2800" dirty="0"/>
-              <a:t>fins educacionais na área de nutrição, para crianças de 6 a 10 anos</a:t>
-            </a:r>
-            <a:r>
-              <a:rPr lang="pt-BR" sz="2800" dirty="0" smtClean="0"/>
-              <a:t>.</a:t>
-            </a:r>
-          </a:p>
-          <a:p>
-            <a:pPr marL="0" indent="0" algn="just">
+            <a:endParaRPr lang="pt-BR" sz="2400" dirty="0" smtClean="0"/>
+          </a:p>
+          <a:p>
+            <a:pPr marL="534988" indent="0" algn="just">
               <a:buNone/>
             </a:pPr>
-            <a:endParaRPr lang="pt-BR" sz="3200" dirty="0" smtClean="0"/>
-          </a:p>
-          <a:p>
-            <a:pPr marL="0" indent="0" algn="just">
+            <a:r>
+              <a:rPr lang="pt-BR" sz="2400" dirty="0" smtClean="0"/>
+              <a:t>Jogo digital educacional para crianças de 6 a 10 anos. </a:t>
+            </a:r>
+          </a:p>
+          <a:p>
+            <a:pPr marL="355600" indent="0" algn="just">
               <a:buNone/>
             </a:pPr>
-            <a:endParaRPr lang="pt-BR" sz="3200" dirty="0" smtClean="0"/>
+            <a:endParaRPr lang="pt-BR" sz="2400" dirty="0" smtClean="0"/>
+          </a:p>
+          <a:p>
+            <a:pPr marL="355600" indent="0" algn="just">
+              <a:buNone/>
+            </a:pPr>
+            <a:endParaRPr lang="pt-BR" sz="2400" dirty="0" smtClean="0"/>
+          </a:p>
+          <a:p>
+            <a:pPr marL="2149475" indent="0" algn="just">
+              <a:buNone/>
+            </a:pPr>
+            <a:r>
+              <a:rPr lang="pt-BR" sz="2200" dirty="0" smtClean="0"/>
+              <a:t>A perspectiva é que a aplicação desenvolvida contribua para que crianças aprendam a ter hábitos alimentares saudáveis, a partir das situações apresentadas na história do jogo.</a:t>
+            </a:r>
+          </a:p>
+          <a:p>
+            <a:pPr marL="808038" indent="0" algn="just">
+              <a:buNone/>
+            </a:pPr>
+            <a:endParaRPr lang="pt-BR" sz="2400" dirty="0" smtClean="0"/>
+          </a:p>
+          <a:p>
+            <a:pPr marL="808038" indent="0" algn="just">
+              <a:buNone/>
+            </a:pPr>
+            <a:r>
+              <a:rPr lang="pt-BR" sz="2400" dirty="0" smtClean="0"/>
+              <a:t>Jogo educacional para área de nutrição, com a execução na Internet, que utiliza à técnica de busca do Algoritmo A*, tornando o aplicativo atrativo para o público alvo.</a:t>
+            </a:r>
           </a:p>
           <a:p>
             <a:endParaRPr lang="pt-BR" sz="3600" dirty="0" smtClean="0"/>
@@ -6753,9 +7797,6 @@
           <a:p>
             <a:endParaRPr lang="pt-BR" sz="3600" dirty="0"/>
           </a:p>
-          <a:p>
-            <a:endParaRPr lang="pt-BR" dirty="0"/>
-          </a:p>
         </p:txBody>
       </p:sp>
       <p:sp>
@@ -6770,7 +7811,7 @@
         </p:nvSpPr>
         <p:spPr>
           <a:xfrm>
-            <a:off x="323528" y="476672"/>
+            <a:off x="395536" y="457200"/>
             <a:ext cx="7200800" cy="1027584"/>
           </a:xfrm>
         </p:spPr>
@@ -6783,16 +7824,102 @@
             <a:pPr algn="l"/>
             <a:r>
               <a:rPr lang="pt-BR" sz="4000" dirty="0" smtClean="0"/>
-              <a:t>Objetivo Geral</a:t>
+              <a:t>Solução proposta</a:t>
             </a:r>
             <a:endParaRPr lang="pt-BR" sz="4000" dirty="0"/>
+          </a:p>
+        </p:txBody>
+      </p:sp>
+      <p:sp>
+        <p:nvSpPr>
+          <p:cNvPr id="5" name="Seta para a direita 4"/>
+          <p:cNvSpPr/>
+          <p:nvPr/>
+        </p:nvSpPr>
+        <p:spPr>
+          <a:xfrm rot="5400000">
+            <a:off x="3509592" y="2259160"/>
+            <a:ext cx="684656" cy="576064"/>
+          </a:xfrm>
+          <a:prstGeom prst="rightArrow">
+            <a:avLst/>
+          </a:prstGeom>
+          <a:solidFill>
+            <a:srgbClr val="FF0000"/>
+          </a:solidFill>
+        </p:spPr>
+        <p:style>
+          <a:lnRef idx="2">
+            <a:schemeClr val="accent1">
+              <a:shade val="50000"/>
+            </a:schemeClr>
+          </a:lnRef>
+          <a:fillRef idx="1">
+            <a:schemeClr val="accent1"/>
+          </a:fillRef>
+          <a:effectRef idx="0">
+            <a:schemeClr val="accent1"/>
+          </a:effectRef>
+          <a:fontRef idx="minor">
+            <a:schemeClr val="lt1"/>
+          </a:fontRef>
+        </p:style>
+        <p:txBody>
+          <a:bodyPr rtlCol="0" anchor="ctr"/>
+          <a:lstStyle/>
+          <a:p>
+            <a:pPr algn="ctr"/>
+            <a:endParaRPr lang="pt-BR"/>
+          </a:p>
+        </p:txBody>
+      </p:sp>
+      <p:sp>
+        <p:nvSpPr>
+          <p:cNvPr id="6" name="Seta para a direita 5"/>
+          <p:cNvSpPr/>
+          <p:nvPr/>
+        </p:nvSpPr>
+        <p:spPr>
+          <a:xfrm rot="5400000">
+            <a:off x="143508" y="3248980"/>
+            <a:ext cx="2520280" cy="576064"/>
+          </a:xfrm>
+          <a:prstGeom prst="rightArrow">
+            <a:avLst/>
+          </a:prstGeom>
+          <a:solidFill>
+            <a:srgbClr val="FF0000"/>
+          </a:solidFill>
+        </p:spPr>
+        <p:style>
+          <a:lnRef idx="2">
+            <a:schemeClr val="accent1">
+              <a:shade val="50000"/>
+            </a:schemeClr>
+          </a:lnRef>
+          <a:fillRef idx="1">
+            <a:schemeClr val="accent1"/>
+          </a:fillRef>
+          <a:effectRef idx="0">
+            <a:schemeClr val="accent1"/>
+          </a:effectRef>
+          <a:fontRef idx="minor">
+            <a:schemeClr val="lt1"/>
+          </a:fontRef>
+        </p:style>
+        <p:txBody>
+          <a:bodyPr rtlCol="0" anchor="ctr"/>
+          <a:lstStyle/>
+          <a:p>
+            <a:pPr algn="ctr"/>
+            <a:endParaRPr lang="pt-BR"/>
           </a:p>
         </p:txBody>
       </p:sp>
     </p:spTree>
     <p:extLst>
       <p:ext uri="{BB962C8B-B14F-4D97-AF65-F5344CB8AC3E}">
-        <p14:creationId xmlns:p14="http://schemas.microsoft.com/office/powerpoint/2010/main" val="784312168"/>
+        <p14:creationId xmlns:p14="http://schemas.microsoft.com/office/powerpoint/2010/main" val="2306328330"/>
       </p:ext>
     </p:extLst>
   </p:cSld>
@@ -6838,116 +7965,105 @@
         </p:nvSpPr>
         <p:spPr>
           <a:xfrm>
-            <a:off x="457200" y="1628800"/>
-            <a:ext cx="8003232" cy="5040560"/>
-          </a:xfrm>
-        </p:spPr>
-        <p:txBody>
-          <a:bodyPr>
-            <a:noAutofit/>
-          </a:bodyPr>
-          <a:lstStyle/>
-          <a:p>
-            <a:pPr lvl="0"/>
-            <a:endParaRPr lang="pt-BR" sz="3200" dirty="0" smtClean="0"/>
-          </a:p>
-          <a:p>
-            <a:pPr lvl="0"/>
-            <a:endParaRPr lang="pt-BR" sz="3200" dirty="0" smtClean="0"/>
-          </a:p>
-          <a:p>
-            <a:pPr lvl="0"/>
-            <a:endParaRPr lang="pt-BR" sz="3200" dirty="0" smtClean="0"/>
-          </a:p>
-          <a:p>
-            <a:pPr lvl="0" algn="just"/>
-            <a:r>
-              <a:rPr lang="pt-BR" sz="2800" dirty="0" smtClean="0"/>
-              <a:t>Pesquisar </a:t>
-            </a:r>
-            <a:r>
-              <a:rPr lang="pt-BR" sz="2800" dirty="0"/>
-              <a:t>sobre jogos digitais </a:t>
-            </a:r>
-            <a:r>
-              <a:rPr lang="pt-BR" sz="2800" dirty="0" smtClean="0"/>
-              <a:t>educacionais;</a:t>
-            </a:r>
-            <a:endParaRPr lang="pt-BR" sz="2800" dirty="0"/>
-          </a:p>
-          <a:p>
-            <a:pPr lvl="0" algn="just"/>
-            <a:r>
-              <a:rPr lang="pt-BR" sz="2800" dirty="0"/>
-              <a:t>Estudar técnicas de Inteligência Artificial no desenvolvimento de jogos educacionais;</a:t>
-            </a:r>
-          </a:p>
-          <a:p>
-            <a:pPr lvl="0" algn="just"/>
-            <a:r>
-              <a:rPr lang="pt-BR" sz="2800" dirty="0"/>
-              <a:t>Elaborar o </a:t>
-            </a:r>
-            <a:r>
-              <a:rPr lang="pt-BR" sz="2800" i="1" dirty="0"/>
-              <a:t>game design </a:t>
-            </a:r>
-            <a:r>
-              <a:rPr lang="pt-BR" sz="2800" i="1" dirty="0" err="1"/>
-              <a:t>document</a:t>
-            </a:r>
-            <a:r>
-              <a:rPr lang="pt-BR" sz="2800" dirty="0" smtClean="0"/>
-              <a:t>;</a:t>
-            </a:r>
-          </a:p>
-          <a:p>
-            <a:pPr lvl="0" algn="just"/>
-            <a:r>
-              <a:rPr lang="pt-BR" sz="2800" dirty="0" smtClean="0"/>
-              <a:t>Elaborar a arte do jogo digital;</a:t>
-            </a:r>
-          </a:p>
-          <a:p>
-            <a:pPr lvl="0" algn="just"/>
-            <a:r>
-              <a:rPr lang="pt-BR" sz="2800" dirty="0" smtClean="0"/>
-              <a:t>Implementar o jogo digital;</a:t>
-            </a:r>
-          </a:p>
-          <a:p>
-            <a:pPr lvl="0" algn="just"/>
-            <a:r>
-              <a:rPr lang="pt-BR" sz="2800" dirty="0" smtClean="0"/>
-              <a:t>Realizar testes de verificação lógica do jogo digital </a:t>
-            </a:r>
-          </a:p>
-          <a:p>
-            <a:pPr algn="just"/>
-            <a:r>
-              <a:rPr lang="pt-BR" sz="2800" dirty="0" smtClean="0"/>
-              <a:t>Documentar o Trabalho de Conclusão de Curso</a:t>
-            </a:r>
-          </a:p>
-          <a:p>
-            <a:pPr lvl="0"/>
-            <a:endParaRPr lang="pt-BR" sz="3200" dirty="0" smtClean="0"/>
-          </a:p>
-          <a:p>
-            <a:pPr lvl="0"/>
-            <a:endParaRPr lang="pt-BR" sz="3200" dirty="0" smtClean="0"/>
-          </a:p>
-          <a:p>
-            <a:pPr lvl="0"/>
-            <a:endParaRPr lang="pt-BR" sz="3200" dirty="0" smtClean="0"/>
-          </a:p>
-          <a:p>
-            <a:pPr lvl="0"/>
-            <a:endParaRPr lang="pt-BR" sz="3200" dirty="0" smtClean="0"/>
-          </a:p>
-          <a:p>
-            <a:pPr lvl="0"/>
-            <a:endParaRPr lang="pt-BR" sz="3200" dirty="0"/>
+            <a:off x="457200" y="1340768"/>
+            <a:ext cx="8003232" cy="4831431"/>
+          </a:xfrm>
+        </p:spPr>
+        <p:txBody>
+          <a:bodyPr/>
+          <a:lstStyle/>
+          <a:p>
+            <a:pPr marL="273050" indent="0" algn="just">
+              <a:buNone/>
+            </a:pPr>
+            <a:r>
+              <a:rPr lang="pt-BR" sz="2200" dirty="0" smtClean="0"/>
+              <a:t>O cenário e os personagens foram construídos em uma </a:t>
+            </a:r>
+            <a:r>
+              <a:rPr lang="pt-BR" sz="2200" b="1" dirty="0" smtClean="0"/>
+              <a:t>abordagem 2D </a:t>
+            </a:r>
+            <a:r>
+              <a:rPr lang="pt-BR" sz="2200" dirty="0" smtClean="0"/>
+              <a:t>e o jogo digital deve ser utilizado por um usuário de cada vez, na </a:t>
+            </a:r>
+            <a:r>
+              <a:rPr lang="pt-BR" sz="2200" b="1" dirty="0" smtClean="0"/>
+              <a:t>modalidade </a:t>
+            </a:r>
+            <a:r>
+              <a:rPr lang="pt-BR" sz="2200" b="1" i="1" dirty="0" err="1" smtClean="0"/>
+              <a:t>single</a:t>
+            </a:r>
+            <a:r>
+              <a:rPr lang="pt-BR" sz="2200" b="1" i="1" dirty="0" smtClean="0"/>
+              <a:t> player</a:t>
+            </a:r>
+            <a:r>
+              <a:rPr lang="pt-BR" sz="2200" dirty="0" smtClean="0"/>
+              <a:t>.</a:t>
+            </a:r>
+          </a:p>
+          <a:p>
+            <a:pPr marL="0" indent="0" algn="just">
+              <a:buNone/>
+            </a:pPr>
+            <a:endParaRPr lang="pt-BR" sz="2200" dirty="0" smtClean="0"/>
+          </a:p>
+          <a:p>
+            <a:pPr marL="273050" indent="0" algn="just">
+              <a:buNone/>
+            </a:pPr>
+            <a:r>
+              <a:rPr lang="pt-BR" sz="2200" dirty="0" smtClean="0"/>
+              <a:t>A </a:t>
+            </a:r>
+            <a:r>
+              <a:rPr lang="pt-BR" sz="2200" b="1" dirty="0" smtClean="0"/>
+              <a:t>arte do jogo digital </a:t>
+            </a:r>
+            <a:r>
+              <a:rPr lang="pt-BR" sz="2200" dirty="0" smtClean="0"/>
+              <a:t>não foi o aspecto de maior relevância da pesquisa.</a:t>
+            </a:r>
+          </a:p>
+          <a:p>
+            <a:pPr marL="0" indent="0" algn="just">
+              <a:buNone/>
+            </a:pPr>
+            <a:endParaRPr lang="pt-BR" sz="2200" dirty="0" smtClean="0"/>
+          </a:p>
+          <a:p>
+            <a:pPr marL="273050" indent="0" algn="just">
+              <a:buNone/>
+            </a:pPr>
+            <a:r>
+              <a:rPr lang="pt-BR" sz="2200" dirty="0" smtClean="0"/>
+              <a:t>Não fez parte do escopo do trabalho a </a:t>
+            </a:r>
+            <a:r>
+              <a:rPr lang="pt-BR" sz="2200" b="1" dirty="0" smtClean="0"/>
+              <a:t>aplicação concreta </a:t>
+            </a:r>
+            <a:r>
+              <a:rPr lang="pt-BR" sz="2200" dirty="0" smtClean="0"/>
+              <a:t>e tampouco o acompanhamento e </a:t>
+            </a:r>
+            <a:r>
+              <a:rPr lang="pt-BR" sz="2200" b="1" dirty="0" smtClean="0"/>
+              <a:t>tratamento estatístico </a:t>
+            </a:r>
+            <a:r>
+              <a:rPr lang="pt-BR" sz="2200" dirty="0" smtClean="0"/>
+              <a:t>dos efeitos da utilização do jogo digital pelo público alvo.</a:t>
+            </a:r>
+          </a:p>
+          <a:p>
+            <a:endParaRPr lang="pt-BR" sz="3600" dirty="0"/>
+          </a:p>
+          <a:p>
+            <a:endParaRPr lang="pt-BR" dirty="0"/>
           </a:p>
         </p:txBody>
       </p:sp>
@@ -6963,7 +8079,7 @@
         </p:nvSpPr>
         <p:spPr>
           <a:xfrm>
-            <a:off x="395536" y="457200"/>
+            <a:off x="323528" y="476672"/>
             <a:ext cx="7200800" cy="1027584"/>
           </a:xfrm>
         </p:spPr>
@@ -6976,7 +8092,7 @@
             <a:pPr algn="l"/>
             <a:r>
               <a:rPr lang="pt-BR" sz="4000" dirty="0" smtClean="0"/>
-              <a:t>Objetivo Específicos </a:t>
+              <a:t>Delimitação do escopo</a:t>
             </a:r>
             <a:endParaRPr lang="pt-BR" sz="4000" dirty="0"/>
           </a:p>
@@ -6985,7 +8101,7 @@
     </p:spTree>
     <p:extLst>
       <p:ext uri="{BB962C8B-B14F-4D97-AF65-F5344CB8AC3E}">
-        <p14:creationId xmlns:p14="http://schemas.microsoft.com/office/powerpoint/2010/main" val="2410203479"/>
+        <p14:creationId xmlns:p14="http://schemas.microsoft.com/office/powerpoint/2010/main" val="784312168"/>
       </p:ext>
     </p:extLst>
   </p:cSld>
@@ -7036,84 +8152,53 @@
           </a:xfrm>
         </p:spPr>
         <p:txBody>
-          <a:bodyPr>
-            <a:normAutofit lnSpcReduction="10000"/>
-          </a:bodyPr>
-          <a:lstStyle/>
-          <a:p>
-            <a:pPr algn="just"/>
-            <a:endParaRPr lang="pt-BR" sz="3000" dirty="0" smtClean="0"/>
-          </a:p>
-          <a:p>
-            <a:pPr algn="just"/>
-            <a:endParaRPr lang="pt-BR" sz="3000" dirty="0" smtClean="0"/>
-          </a:p>
-          <a:p>
-            <a:pPr algn="just"/>
-            <a:r>
-              <a:rPr lang="pt-BR" sz="2800" dirty="0" smtClean="0"/>
-              <a:t>Divertimento ou exercício</a:t>
-            </a:r>
-          </a:p>
-          <a:p>
-            <a:pPr algn="just"/>
-            <a:r>
-              <a:rPr lang="pt-BR" sz="2800" dirty="0" smtClean="0"/>
-              <a:t>O jogador tem consciência de que é um ambiente fictício</a:t>
-            </a:r>
-            <a:endParaRPr lang="pt-BR" sz="2800" dirty="0"/>
-          </a:p>
-          <a:p>
-            <a:pPr algn="just"/>
-            <a:r>
-              <a:rPr lang="pt-BR" sz="2800" dirty="0" smtClean="0"/>
-              <a:t>Ocorre dentro de um espaço tempo definido </a:t>
-            </a:r>
-          </a:p>
-          <a:p>
-            <a:pPr algn="just"/>
-            <a:r>
-              <a:rPr lang="pt-BR" sz="2800" dirty="0" smtClean="0"/>
-              <a:t>Seriedade </a:t>
-            </a:r>
-            <a:r>
-              <a:rPr lang="pt-BR" sz="2800" dirty="0"/>
-              <a:t>e imersão das </a:t>
-            </a:r>
-            <a:r>
-              <a:rPr lang="pt-BR" sz="2800" dirty="0" smtClean="0"/>
-              <a:t>atividades</a:t>
-            </a:r>
-          </a:p>
-          <a:p>
-            <a:r>
-              <a:rPr lang="pt-BR" sz="2800" dirty="0" smtClean="0"/>
-              <a:t>Metas e objetivo</a:t>
-            </a:r>
-          </a:p>
-          <a:p>
-            <a:r>
-              <a:rPr lang="pt-BR" sz="2800" dirty="0" smtClean="0"/>
-              <a:t>Regras e certa ordem</a:t>
-            </a:r>
-          </a:p>
-          <a:p>
-            <a:pPr algn="just"/>
-            <a:endParaRPr lang="pt-BR" sz="3000" dirty="0" smtClean="0"/>
-          </a:p>
-          <a:p>
-            <a:pPr algn="just"/>
-            <a:endParaRPr lang="pt-BR" sz="3200" dirty="0" smtClean="0"/>
-          </a:p>
-          <a:p>
-            <a:pPr algn="just"/>
-            <a:endParaRPr lang="pt-BR" sz="3200" dirty="0" smtClean="0"/>
-          </a:p>
-          <a:p>
-            <a:pPr marL="0" indent="0">
+          <a:bodyPr/>
+          <a:lstStyle/>
+          <a:p>
+            <a:pPr marL="450850" indent="0" algn="just">
               <a:buNone/>
             </a:pPr>
-            <a:endParaRPr lang="pt-BR" dirty="0" smtClean="0"/>
+            <a:r>
+              <a:rPr lang="pt-BR" sz="2800" dirty="0" smtClean="0"/>
+              <a:t>Desenvolver </a:t>
+            </a:r>
+            <a:r>
+              <a:rPr lang="pt-BR" sz="2800" dirty="0"/>
+              <a:t>um jogo digital </a:t>
+            </a:r>
+            <a:r>
+              <a:rPr lang="pt-BR" sz="2800" dirty="0" smtClean="0"/>
+              <a:t>para Internet com </a:t>
+            </a:r>
+            <a:r>
+              <a:rPr lang="pt-BR" sz="2800" dirty="0"/>
+              <a:t>fins educacionais na área de nutrição, para crianças de 6 a 10 anos</a:t>
+            </a:r>
+            <a:r>
+              <a:rPr lang="pt-BR" sz="2800" dirty="0" smtClean="0"/>
+              <a:t>.</a:t>
+            </a:r>
+          </a:p>
+          <a:p>
+            <a:pPr marL="0" indent="0" algn="just">
+              <a:buNone/>
+            </a:pPr>
+            <a:endParaRPr lang="pt-BR" sz="3200" dirty="0" smtClean="0"/>
+          </a:p>
+          <a:p>
+            <a:pPr marL="0" indent="0" algn="just">
+              <a:buNone/>
+            </a:pPr>
+            <a:endParaRPr lang="pt-BR" sz="3200" dirty="0" smtClean="0"/>
+          </a:p>
+          <a:p>
+            <a:endParaRPr lang="pt-BR" sz="3600" dirty="0" smtClean="0"/>
+          </a:p>
+          <a:p>
+            <a:endParaRPr lang="pt-BR" sz="3600" dirty="0"/>
+          </a:p>
+          <a:p>
+            <a:endParaRPr lang="pt-BR" dirty="0"/>
           </a:p>
         </p:txBody>
       </p:sp>
@@ -7129,61 +8214,29 @@
         </p:nvSpPr>
         <p:spPr>
           <a:xfrm>
-            <a:off x="395536" y="457200"/>
+            <a:off x="323528" y="476672"/>
             <a:ext cx="7200800" cy="1027584"/>
           </a:xfrm>
         </p:spPr>
         <p:txBody>
-          <a:bodyPr/>
+          <a:bodyPr>
+            <a:normAutofit/>
+          </a:bodyPr>
           <a:lstStyle/>
           <a:p>
             <a:pPr algn="l"/>
             <a:r>
               <a:rPr lang="pt-BR" sz="4000" dirty="0" smtClean="0"/>
-              <a:t>Jogos </a:t>
-            </a:r>
-            <a:r>
-              <a:rPr lang="pt-BR" sz="3200" dirty="0" smtClean="0"/>
-              <a:t> </a:t>
-            </a:r>
-            <a:endParaRPr lang="pt-BR" sz="3200" dirty="0"/>
-          </a:p>
-        </p:txBody>
-      </p:sp>
-      <p:pic>
-        <p:nvPicPr>
-          <p:cNvPr id="4" name="Imagem 3"/>
-          <p:cNvPicPr>
-            <a:picLocks noChangeAspect="1"/>
-          </p:cNvPicPr>
-          <p:nvPr/>
-        </p:nvPicPr>
-        <p:blipFill>
-          <a:blip r:embed="rId2" cstate="print">
-            <a:extLst>
-              <a:ext uri="{28A0092B-C50C-407E-A947-70E740481C1C}">
-                <a14:useLocalDpi xmlns:a14="http://schemas.microsoft.com/office/drawing/2010/main" val="0"/>
-              </a:ext>
-            </a:extLst>
-          </a:blip>
-          <a:stretch>
-            <a:fillRect/>
-          </a:stretch>
-        </p:blipFill>
-        <p:spPr>
-          <a:xfrm>
-            <a:off x="6228184" y="4365104"/>
-            <a:ext cx="2281441" cy="2160240"/>
-          </a:xfrm>
-          <a:prstGeom prst="rect">
-            <a:avLst/>
-          </a:prstGeom>
-        </p:spPr>
-      </p:pic>
+              <a:t>Objetivo Geral</a:t>
+            </a:r>
+            <a:endParaRPr lang="pt-BR" sz="4000" dirty="0"/>
+          </a:p>
+        </p:txBody>
+      </p:sp>
     </p:spTree>
     <p:extLst>
       <p:ext uri="{BB962C8B-B14F-4D97-AF65-F5344CB8AC3E}">
-        <p14:creationId xmlns:p14="http://schemas.microsoft.com/office/powerpoint/2010/main" val="942526603"/>
+        <p14:creationId xmlns:p14="http://schemas.microsoft.com/office/powerpoint/2010/main" val="784312168"/>
       </p:ext>
     </p:extLst>
   </p:cSld>
@@ -7229,76 +8282,116 @@
         </p:nvSpPr>
         <p:spPr>
           <a:xfrm>
-            <a:off x="457200" y="1628801"/>
-            <a:ext cx="8003232" cy="3816423"/>
+            <a:off x="457200" y="1628800"/>
+            <a:ext cx="8003232" cy="5040560"/>
           </a:xfrm>
         </p:spPr>
         <p:txBody>
           <a:bodyPr>
-            <a:normAutofit fontScale="85000" lnSpcReduction="10000"/>
+            <a:noAutofit/>
           </a:bodyPr>
           <a:lstStyle/>
           <a:p>
-            <a:pPr algn="just"/>
-            <a:endParaRPr lang="pt-BR" sz="2800" dirty="0" smtClean="0"/>
-          </a:p>
-          <a:p>
-            <a:pPr algn="just"/>
-            <a:endParaRPr lang="pt-BR" sz="2800" dirty="0" smtClean="0"/>
-          </a:p>
-          <a:p>
-            <a:pPr algn="just"/>
-            <a:r>
-              <a:rPr lang="pt-BR" sz="3300" dirty="0" smtClean="0"/>
-              <a:t>Ganharam espaço vida das crianças jovens e adultos</a:t>
-            </a:r>
-          </a:p>
-          <a:p>
-            <a:pPr algn="just"/>
-            <a:r>
-              <a:rPr lang="pt-BR" sz="3300" dirty="0" smtClean="0"/>
-              <a:t>Interação do jogador com a máquina</a:t>
-            </a:r>
-          </a:p>
-          <a:p>
-            <a:pPr algn="just"/>
-            <a:r>
-              <a:rPr lang="pt-BR" sz="3300" dirty="0" smtClean="0"/>
-              <a:t>Início na década de 40 </a:t>
-            </a:r>
-          </a:p>
-          <a:p>
-            <a:pPr algn="just"/>
-            <a:r>
-              <a:rPr lang="pt-BR" sz="3300" dirty="0" smtClean="0"/>
-              <a:t>Universidade e centros militares</a:t>
-            </a:r>
-          </a:p>
-          <a:p>
-            <a:r>
-              <a:rPr lang="pt-BR" sz="3300" dirty="0" smtClean="0"/>
-              <a:t>Popularização na década de 70</a:t>
-            </a:r>
-          </a:p>
-          <a:p>
-            <a:r>
-              <a:rPr lang="pt-BR" sz="3300" dirty="0" smtClean="0"/>
-              <a:t>Gênero  </a:t>
-            </a:r>
-          </a:p>
-          <a:p>
-            <a:pPr algn="just"/>
-            <a:endParaRPr lang="pt-BR" sz="2800" dirty="0" smtClean="0"/>
-          </a:p>
-          <a:p>
-            <a:pPr algn="just"/>
-            <a:endParaRPr lang="pt-BR" sz="2800" dirty="0" smtClean="0"/>
-          </a:p>
-          <a:p>
-            <a:endParaRPr lang="pt-BR" dirty="0" smtClean="0"/>
-          </a:p>
-          <a:p>
-            <a:endParaRPr lang="pt-BR" dirty="0"/>
+            <a:pPr lvl="0"/>
+            <a:endParaRPr lang="pt-BR" sz="3200" dirty="0" smtClean="0"/>
+          </a:p>
+          <a:p>
+            <a:pPr lvl="0"/>
+            <a:endParaRPr lang="pt-BR" sz="3200" dirty="0" smtClean="0"/>
+          </a:p>
+          <a:p>
+            <a:pPr lvl="0"/>
+            <a:endParaRPr lang="pt-BR" sz="3200" dirty="0" smtClean="0"/>
+          </a:p>
+          <a:p>
+            <a:pPr marL="534988" lvl="0" indent="-534988" algn="just"/>
+            <a:r>
+              <a:rPr lang="pt-BR" sz="2800" dirty="0" smtClean="0"/>
+              <a:t>Pesquisar </a:t>
+            </a:r>
+            <a:r>
+              <a:rPr lang="pt-BR" sz="2800" dirty="0"/>
+              <a:t>sobre jogos digitais </a:t>
+            </a:r>
+            <a:r>
+              <a:rPr lang="pt-BR" sz="2800" dirty="0" smtClean="0"/>
+              <a:t>educacionais;</a:t>
+            </a:r>
+            <a:endParaRPr lang="pt-BR" sz="2800" dirty="0"/>
+          </a:p>
+          <a:p>
+            <a:pPr marL="534988" lvl="0" indent="-534988" algn="just"/>
+            <a:r>
+              <a:rPr lang="pt-BR" sz="2800" dirty="0"/>
+              <a:t>Estudar técnicas de Inteligência Artificial no desenvolvimento de jogos educacionais;</a:t>
+            </a:r>
+          </a:p>
+          <a:p>
+            <a:pPr marL="534988" lvl="0" indent="-534988" algn="just"/>
+            <a:r>
+              <a:rPr lang="pt-BR" sz="2800" dirty="0"/>
+              <a:t>Elaborar o </a:t>
+            </a:r>
+            <a:r>
+              <a:rPr lang="pt-BR" sz="2800" i="1" dirty="0"/>
+              <a:t>game design </a:t>
+            </a:r>
+            <a:r>
+              <a:rPr lang="pt-BR" sz="2800" i="1" dirty="0" err="1"/>
+              <a:t>document</a:t>
+            </a:r>
+            <a:r>
+              <a:rPr lang="pt-BR" sz="2800" dirty="0" smtClean="0"/>
+              <a:t>;</a:t>
+            </a:r>
+          </a:p>
+          <a:p>
+            <a:pPr marL="534988" lvl="0" indent="-534988" algn="just"/>
+            <a:r>
+              <a:rPr lang="pt-BR" sz="2800" dirty="0" smtClean="0"/>
+              <a:t>Elaborar a arte do jogo digital;</a:t>
+            </a:r>
+          </a:p>
+          <a:p>
+            <a:pPr marL="534988" lvl="0" indent="-534988" algn="just"/>
+            <a:r>
+              <a:rPr lang="pt-BR" sz="2800" dirty="0" smtClean="0"/>
+              <a:t>Implementar o jogo digital;</a:t>
+            </a:r>
+          </a:p>
+          <a:p>
+            <a:pPr marL="534988" lvl="0" indent="-534988" algn="just"/>
+            <a:r>
+              <a:rPr lang="pt-BR" sz="2800" dirty="0" smtClean="0"/>
+              <a:t>Realizar testes de verificação lógica do jogo digital </a:t>
+            </a:r>
+          </a:p>
+          <a:p>
+            <a:pPr marL="534988" indent="-534988" algn="just"/>
+            <a:r>
+              <a:rPr lang="pt-BR" sz="2800" dirty="0" smtClean="0"/>
+              <a:t>Documentar o Trabalho de Conclusão de Curso</a:t>
+            </a:r>
+          </a:p>
+          <a:p>
+            <a:pPr lvl="0"/>
+            <a:endParaRPr lang="pt-BR" sz="3200" dirty="0" smtClean="0"/>
+          </a:p>
+          <a:p>
+            <a:pPr lvl="0"/>
+            <a:endParaRPr lang="pt-BR" sz="3200" dirty="0" smtClean="0"/>
+          </a:p>
+          <a:p>
+            <a:pPr lvl="0"/>
+            <a:endParaRPr lang="pt-BR" sz="3200" dirty="0" smtClean="0"/>
+          </a:p>
+          <a:p>
+            <a:pPr lvl="0"/>
+            <a:endParaRPr lang="pt-BR" sz="3200" dirty="0" smtClean="0"/>
+          </a:p>
+          <a:p>
+            <a:pPr lvl="0"/>
+            <a:endParaRPr lang="pt-BR" sz="3200" dirty="0"/>
           </a:p>
         </p:txBody>
       </p:sp>
@@ -7327,46 +8420,16 @@
             <a:pPr algn="l"/>
             <a:r>
               <a:rPr lang="pt-BR" sz="4000" dirty="0" smtClean="0"/>
-              <a:t>Jogos Digitais   </a:t>
+              <a:t>Objetivo Específicos </a:t>
             </a:r>
             <a:endParaRPr lang="pt-BR" sz="4000" dirty="0"/>
           </a:p>
         </p:txBody>
       </p:sp>
-      <p:pic>
-        <p:nvPicPr>
-          <p:cNvPr id="6" name="Imagem 5"/>
-          <p:cNvPicPr>
-            <a:picLocks noChangeAspect="1"/>
-          </p:cNvPicPr>
-          <p:nvPr/>
-        </p:nvPicPr>
-        <p:blipFill>
-          <a:blip r:embed="rId2" cstate="print">
-            <a:extLst>
-              <a:ext uri="{28A0092B-C50C-407E-A947-70E740481C1C}">
-                <a14:useLocalDpi xmlns:a14="http://schemas.microsoft.com/office/drawing/2010/main" val="0"/>
-              </a:ext>
-            </a:extLst>
-          </a:blip>
-          <a:stretch>
-            <a:fillRect/>
-          </a:stretch>
-        </p:blipFill>
-        <p:spPr>
-          <a:xfrm>
-            <a:off x="5724128" y="3933056"/>
-            <a:ext cx="2569468" cy="2569468"/>
-          </a:xfrm>
-          <a:prstGeom prst="rect">
-            <a:avLst/>
-          </a:prstGeom>
-        </p:spPr>
-      </p:pic>
     </p:spTree>
     <p:extLst>
       <p:ext uri="{BB962C8B-B14F-4D97-AF65-F5344CB8AC3E}">
-        <p14:creationId xmlns:p14="http://schemas.microsoft.com/office/powerpoint/2010/main" val="1986711344"/>
+        <p14:creationId xmlns:p14="http://schemas.microsoft.com/office/powerpoint/2010/main" val="2410203479"/>
       </p:ext>
     </p:extLst>
   </p:cSld>
@@ -7412,8 +8475,117 @@
         </p:nvSpPr>
         <p:spPr>
           <a:xfrm>
-            <a:off x="457200" y="1628801"/>
-            <a:ext cx="8003232" cy="4032447"/>
+            <a:off x="395536" y="1412776"/>
+            <a:ext cx="8064896" cy="4680519"/>
+          </a:xfrm>
+        </p:spPr>
+        <p:txBody>
+          <a:bodyPr anchor="t" anchorCtr="0">
+            <a:noAutofit/>
+          </a:bodyPr>
+          <a:lstStyle/>
+          <a:p>
+            <a:pPr marL="1081088" indent="0" algn="just">
+              <a:buNone/>
+            </a:pPr>
+            <a:r>
+              <a:rPr lang="pt-BR" sz="2800" dirty="0" smtClean="0"/>
+              <a:t>Os jogos construídos com suporte tecnológico ou computacional são conhecidos como jogos eletrônicos, jogos digitais ou </a:t>
+            </a:r>
+            <a:r>
+              <a:rPr lang="pt-BR" sz="2800" i="1" dirty="0" smtClean="0"/>
+              <a:t>games</a:t>
+            </a:r>
+            <a:r>
+              <a:rPr lang="pt-BR" sz="2800" dirty="0" smtClean="0"/>
+              <a:t>. </a:t>
+            </a:r>
+          </a:p>
+          <a:p>
+            <a:pPr algn="just">
+              <a:buNone/>
+            </a:pPr>
+            <a:endParaRPr lang="pt-BR" sz="2800" dirty="0" smtClean="0"/>
+          </a:p>
+          <a:p>
+            <a:pPr marL="355600" indent="-355600" algn="just"/>
+            <a:r>
+              <a:rPr lang="pt-BR" sz="2400" dirty="0" smtClean="0"/>
+              <a:t>Gêneros</a:t>
+            </a:r>
+          </a:p>
+          <a:p>
+            <a:pPr marL="355600" indent="-355600" algn="just"/>
+            <a:r>
+              <a:rPr lang="pt-BR" sz="2400" dirty="0" smtClean="0"/>
+              <a:t>Ferramentas para desenvolvimento</a:t>
+            </a:r>
+          </a:p>
+          <a:p>
+            <a:pPr algn="just"/>
+            <a:endParaRPr lang="pt-BR" sz="2800" dirty="0" smtClean="0"/>
+          </a:p>
+          <a:p>
+            <a:pPr algn="just">
+              <a:buNone/>
+            </a:pPr>
+            <a:endParaRPr lang="pt-BR" sz="2400" dirty="0" smtClean="0"/>
+          </a:p>
+          <a:p>
+            <a:pPr algn="just">
+              <a:buNone/>
+            </a:pPr>
+            <a:r>
+              <a:rPr lang="pt-BR" sz="2400" dirty="0" smtClean="0"/>
+              <a:t>			</a:t>
+            </a:r>
+            <a:r>
+              <a:rPr lang="pt-BR" sz="2400" i="1" dirty="0" err="1" smtClean="0"/>
+              <a:t>Tiled</a:t>
+            </a:r>
+            <a:r>
+              <a:rPr lang="pt-BR" sz="2400" i="1" dirty="0" smtClean="0"/>
+              <a:t> </a:t>
+            </a:r>
+            <a:r>
+              <a:rPr lang="pt-BR" sz="2400" i="1" dirty="0" err="1" smtClean="0"/>
+              <a:t>Map</a:t>
+            </a:r>
+            <a:r>
+              <a:rPr lang="pt-BR" sz="2400" i="1" dirty="0" smtClean="0"/>
+              <a:t> </a:t>
+            </a:r>
+            <a:r>
+              <a:rPr lang="pt-BR" sz="2400" dirty="0" smtClean="0"/>
+              <a:t>Editor</a:t>
+            </a:r>
+          </a:p>
+          <a:p>
+            <a:pPr algn="just"/>
+            <a:endParaRPr lang="pt-BR" sz="2800" dirty="0" smtClean="0"/>
+          </a:p>
+          <a:p>
+            <a:endParaRPr lang="pt-BR" dirty="0" smtClean="0"/>
+          </a:p>
+          <a:p>
+            <a:endParaRPr lang="pt-BR" dirty="0"/>
+          </a:p>
+        </p:txBody>
+      </p:sp>
+      <p:sp>
+        <p:nvSpPr>
+          <p:cNvPr id="3" name="Título 2"/>
+          <p:cNvSpPr>
+            <a:spLocks noGrp="1"/>
+          </p:cNvSpPr>
+          <p:nvPr>
+            <p:ph type="title"/>
+          </p:nvPr>
+        </p:nvSpPr>
+        <p:spPr>
+          <a:xfrm>
+            <a:off x="395536" y="457200"/>
+            <a:ext cx="7200800" cy="1027584"/>
           </a:xfrm>
         </p:spPr>
         <p:txBody>
@@ -7422,86 +8594,92 @@
           </a:bodyPr>
           <a:lstStyle/>
           <a:p>
-            <a:pPr algn="just"/>
-            <a:r>
-              <a:rPr lang="pt-BR" sz="2800" dirty="0" smtClean="0"/>
-              <a:t>Faturamento ultrapassou o mercado e cinema</a:t>
-            </a:r>
-          </a:p>
-          <a:p>
-            <a:pPr algn="just"/>
-            <a:r>
-              <a:rPr lang="pt-BR" sz="2800" dirty="0" smtClean="0"/>
-              <a:t>35 milhões de jogadores no Brasil</a:t>
-            </a:r>
-          </a:p>
-          <a:p>
-            <a:pPr algn="just"/>
-            <a:r>
-              <a:rPr lang="pt-BR" sz="2800" dirty="0" smtClean="0"/>
-              <a:t> 2 bilhões de dólares </a:t>
-            </a:r>
-          </a:p>
-          <a:p>
-            <a:pPr algn="just"/>
-            <a:r>
-              <a:rPr lang="pt-BR" sz="2800" dirty="0" smtClean="0"/>
-              <a:t>Para 2014 previsão de 20% a 25% de aumento</a:t>
-            </a:r>
-          </a:p>
-          <a:p>
-            <a:pPr algn="just"/>
-            <a:endParaRPr lang="pt-BR" sz="3200" dirty="0" smtClean="0"/>
-          </a:p>
-          <a:p>
-            <a:pPr algn="just">
-              <a:buNone/>
-            </a:pPr>
-            <a:r>
-              <a:rPr lang="pt-BR" sz="3200" dirty="0" smtClean="0"/>
-              <a:t>  </a:t>
-            </a:r>
-          </a:p>
-          <a:p>
-            <a:endParaRPr lang="pt-BR" dirty="0"/>
-          </a:p>
-        </p:txBody>
-      </p:sp>
-      <p:sp>
-        <p:nvSpPr>
-          <p:cNvPr id="3" name="Título 2"/>
-          <p:cNvSpPr>
-            <a:spLocks noGrp="1"/>
-          </p:cNvSpPr>
-          <p:nvPr>
-            <p:ph type="title"/>
-          </p:nvPr>
-        </p:nvSpPr>
+            <a:pPr algn="l"/>
+            <a:r>
+              <a:rPr lang="pt-BR" sz="4000" dirty="0" smtClean="0"/>
+              <a:t>Jogos Digitais   </a:t>
+            </a:r>
+            <a:endParaRPr lang="pt-BR" sz="4000" dirty="0"/>
+          </a:p>
+        </p:txBody>
+      </p:sp>
+      <p:pic>
+        <p:nvPicPr>
+          <p:cNvPr id="6" name="Imagem 5"/>
+          <p:cNvPicPr>
+            <a:picLocks noChangeAspect="1"/>
+          </p:cNvPicPr>
+          <p:nvPr/>
+        </p:nvPicPr>
+        <p:blipFill>
+          <a:blip r:embed="rId3" cstate="print">
+            <a:extLst>
+              <a:ext uri="{28A0092B-C50C-407E-A947-70E740481C1C}">
+                <a14:useLocalDpi xmlns:a14="http://schemas.microsoft.com/office/drawing/2010/main" val="0"/>
+              </a:ext>
+            </a:extLst>
+          </a:blip>
+          <a:stretch>
+            <a:fillRect/>
+          </a:stretch>
+        </p:blipFill>
         <p:spPr>
           <a:xfrm>
-            <a:off x="395536" y="457200"/>
-            <a:ext cx="7200800" cy="1027584"/>
-          </a:xfrm>
-        </p:spPr>
-        <p:txBody>
-          <a:bodyPr>
-            <a:normAutofit/>
-          </a:bodyPr>
-          <a:lstStyle/>
-          <a:p>
-            <a:pPr algn="l"/>
-            <a:r>
-              <a:rPr lang="pt-BR" sz="4000" dirty="0" smtClean="0"/>
-              <a:t>Jogos Digitais</a:t>
-            </a:r>
-            <a:endParaRPr lang="pt-BR" sz="4000" dirty="0"/>
+            <a:off x="6084168" y="3501008"/>
+            <a:ext cx="2569468" cy="2569468"/>
+          </a:xfrm>
+          <a:prstGeom prst="rect">
+            <a:avLst/>
+          </a:prstGeom>
+        </p:spPr>
+      </p:pic>
+      <p:sp>
+        <p:nvSpPr>
+          <p:cNvPr id="5" name="Seta para a direita 4"/>
+          <p:cNvSpPr/>
+          <p:nvPr/>
+        </p:nvSpPr>
+        <p:spPr>
+          <a:xfrm rot="5400000">
+            <a:off x="2357464" y="4419400"/>
+            <a:ext cx="684656" cy="576064"/>
+          </a:xfrm>
+          <a:prstGeom prst="rightArrow">
+            <a:avLst/>
+          </a:prstGeom>
+          <a:solidFill>
+            <a:srgbClr val="FF0000"/>
+          </a:solidFill>
+        </p:spPr>
+        <p:style>
+          <a:lnRef idx="2">
+            <a:schemeClr val="accent1">
+              <a:shade val="50000"/>
+            </a:schemeClr>
+          </a:lnRef>
+          <a:fillRef idx="1">
+            <a:schemeClr val="accent1"/>
+          </a:fillRef>
+          <a:effectRef idx="0">
+            <a:schemeClr val="accent1"/>
+          </a:effectRef>
+          <a:fontRef idx="minor">
+            <a:schemeClr val="lt1"/>
+          </a:fontRef>
+        </p:style>
+        <p:txBody>
+          <a:bodyPr rtlCol="0" anchor="ctr"/>
+          <a:lstStyle/>
+          <a:p>
+            <a:pPr algn="ctr"/>
+            <a:endParaRPr lang="pt-BR"/>
           </a:p>
         </p:txBody>
       </p:sp>
     </p:spTree>
     <p:extLst>
       <p:ext uri="{BB962C8B-B14F-4D97-AF65-F5344CB8AC3E}">
-        <p14:creationId xmlns:p14="http://schemas.microsoft.com/office/powerpoint/2010/main" val="337729845"/>
+        <p14:creationId xmlns:p14="http://schemas.microsoft.com/office/powerpoint/2010/main" val="1986711344"/>
       </p:ext>
     </p:extLst>
   </p:cSld>
@@ -7548,55 +8726,74 @@
         <p:spPr>
           <a:xfrm>
             <a:off x="457200" y="1628800"/>
-            <a:ext cx="8003232" cy="4543399"/>
-          </a:xfrm>
-        </p:spPr>
-        <p:txBody>
-          <a:bodyPr>
-            <a:normAutofit fontScale="62500" lnSpcReduction="20000"/>
+            <a:ext cx="8003232" cy="5040560"/>
+          </a:xfrm>
+        </p:spPr>
+        <p:txBody>
+          <a:bodyPr anchor="t" anchorCtr="0">
+            <a:noAutofit/>
           </a:bodyPr>
           <a:lstStyle/>
           <a:p>
-            <a:r>
-              <a:rPr lang="pt-BR" sz="4800" dirty="0" smtClean="0"/>
-              <a:t>Instruir e educar</a:t>
-            </a:r>
-          </a:p>
-          <a:p>
-            <a:r>
-              <a:rPr lang="pt-BR" sz="4800" dirty="0" smtClean="0"/>
-              <a:t>Proporcionar entretenimento e diversão </a:t>
-            </a:r>
-          </a:p>
-          <a:p>
-            <a:r>
-              <a:rPr lang="pt-BR" sz="4800" dirty="0" smtClean="0"/>
-              <a:t>Foco no mundo sério e do entretenimento </a:t>
-            </a:r>
-          </a:p>
-          <a:p>
-            <a:r>
-              <a:rPr lang="pt-BR" sz="4800" dirty="0" smtClean="0"/>
-              <a:t>Diversidade de áreas de atuação </a:t>
-            </a:r>
-          </a:p>
-          <a:p>
-            <a:r>
-              <a:rPr lang="pt-BR" sz="4800" dirty="0" smtClean="0"/>
-              <a:t>Diversidade de usuários</a:t>
-            </a:r>
-          </a:p>
-          <a:p>
-            <a:r>
-              <a:rPr lang="pt-BR" sz="4800" dirty="0" smtClean="0"/>
-              <a:t>Melhora do raciocínio, memória, planejamento e organização </a:t>
-            </a:r>
-          </a:p>
-          <a:p>
-            <a:endParaRPr lang="pt-BR" sz="2800" dirty="0" smtClean="0"/>
-          </a:p>
-          <a:p>
-            <a:endParaRPr lang="pt-BR" sz="3200" dirty="0" smtClean="0"/>
+            <a:pPr marL="1258888" indent="0" algn="just">
+              <a:buNone/>
+            </a:pPr>
+            <a:r>
+              <a:rPr lang="pt-BR" sz="2200" dirty="0" smtClean="0"/>
+              <a:t>Os jogos educativos computadorizados são elaborados para </a:t>
+            </a:r>
+            <a:r>
+              <a:rPr lang="pt-BR" sz="2200" b="1" dirty="0" smtClean="0"/>
+              <a:t>divertir</a:t>
+            </a:r>
+            <a:r>
+              <a:rPr lang="pt-BR" sz="2200" dirty="0" smtClean="0"/>
+              <a:t> os alunos e aumentar a chance na </a:t>
+            </a:r>
+            <a:r>
+              <a:rPr lang="pt-BR" sz="2200" b="1" dirty="0" smtClean="0"/>
+              <a:t>aprendizagem</a:t>
+            </a:r>
+            <a:r>
+              <a:rPr lang="pt-BR" sz="2200" dirty="0" smtClean="0"/>
+              <a:t> de conceitos, conteúdos e habilidades embutidos no jogo. [...] As características que tornaram os jogos educativos computadorizados intrinsecamente motivadores são o </a:t>
+            </a:r>
+            <a:r>
+              <a:rPr lang="pt-BR" sz="2200" b="1" dirty="0" smtClean="0"/>
+              <a:t>desafio</a:t>
+            </a:r>
+            <a:r>
+              <a:rPr lang="pt-BR" sz="2200" dirty="0" smtClean="0"/>
+              <a:t>, a </a:t>
+            </a:r>
+            <a:r>
+              <a:rPr lang="pt-BR" sz="2200" b="1" dirty="0" smtClean="0"/>
+              <a:t>fantasia</a:t>
+            </a:r>
+            <a:r>
+              <a:rPr lang="pt-BR" sz="2200" dirty="0" smtClean="0"/>
+              <a:t> e a </a:t>
+            </a:r>
+            <a:r>
+              <a:rPr lang="pt-BR" sz="2200" b="1" dirty="0" smtClean="0"/>
+              <a:t>curiosidade</a:t>
+            </a:r>
+            <a:r>
+              <a:rPr lang="pt-BR" sz="2200" dirty="0" smtClean="0"/>
+              <a:t>. Silveira (1999, p.15)</a:t>
+            </a:r>
+          </a:p>
+          <a:p>
+            <a:endParaRPr lang="pt-BR" sz="2200" dirty="0" smtClean="0"/>
+          </a:p>
+          <a:p>
+            <a:pPr marL="1263650" indent="-4763" algn="just">
+              <a:buNone/>
+            </a:pPr>
+            <a:r>
+              <a:rPr lang="pt-BR" sz="2200" dirty="0" smtClean="0"/>
+              <a:t>Os jogos educativos são aqueles criados para ensinar enquanto distraem. (NOVAK, 2010)</a:t>
+            </a:r>
           </a:p>
           <a:p>
             <a:endParaRPr lang="pt-BR" sz="3200" dirty="0" smtClean="0"/>
@@ -7605,6 +8802,25 @@
             <a:pPr>
               <a:buNone/>
             </a:pPr>
+            <a:endParaRPr lang="pt-BR" sz="2200" dirty="0" smtClean="0"/>
+          </a:p>
+          <a:p>
+            <a:pPr>
+              <a:buNone/>
+            </a:pPr>
+            <a:r>
+              <a:rPr lang="pt-BR" sz="2200" dirty="0" smtClean="0"/>
+              <a:t>	</a:t>
+            </a:r>
+            <a:r>
+              <a:rPr lang="pt-BR" sz="2200" b="1" dirty="0" smtClean="0"/>
+              <a:t>Inteligência Artificial em jogos educacionais</a:t>
+            </a:r>
+          </a:p>
+          <a:p>
+            <a:pPr>
+              <a:buNone/>
+            </a:pPr>
             <a:r>
               <a:rPr lang="pt-BR" sz="3200" dirty="0" smtClean="0"/>
               <a:t> </a:t>
@@ -7641,6 +8857,49 @@
               <a:t>Jogos Digitais Educacionais </a:t>
             </a:r>
             <a:endParaRPr lang="pt-BR" sz="4000" dirty="0"/>
+          </a:p>
+        </p:txBody>
+      </p:sp>
+      <p:sp>
+        <p:nvSpPr>
+          <p:cNvPr id="4" name="Seta para a direita 3"/>
+          <p:cNvSpPr/>
+          <p:nvPr/>
+        </p:nvSpPr>
+        <p:spPr>
+          <a:xfrm rot="5400000">
+            <a:off x="-1224644" y="3609020"/>
+            <a:ext cx="4248472" cy="576064"/>
+          </a:xfrm>
+          <a:prstGeom prst="rightArrow">
+            <a:avLst/>
+          </a:prstGeom>
+          <a:solidFill>
+            <a:srgbClr val="FF0000"/>
+          </a:solidFill>
+        </p:spPr>
+        <p:style>
+          <a:lnRef idx="2">
+            <a:schemeClr val="accent1">
+              <a:shade val="50000"/>
+            </a:schemeClr>
+          </a:lnRef>
+          <a:fillRef idx="1">
+            <a:schemeClr val="accent1"/>
+          </a:fillRef>
+          <a:effectRef idx="0">
+            <a:schemeClr val="accent1"/>
+          </a:effectRef>
+          <a:fontRef idx="minor">
+            <a:schemeClr val="lt1"/>
+          </a:fontRef>
+        </p:style>
+        <p:txBody>
+          <a:bodyPr rtlCol="0" anchor="ctr"/>
+          <a:lstStyle/>
+          <a:p>
+            <a:pPr algn="ctr"/>
+            <a:endParaRPr lang="pt-BR"/>
           </a:p>
         </p:txBody>
       </p:sp>
